--- a/poster-their-logo.pptx
+++ b/poster-their-logo.pptx
@@ -106,7 +106,7 @@
   </p:defaultTextStyle>
   <p:extLst>
     <p:ext uri="{EFAFB233-063F-42B5-8137-9DF3F51BA10A}">
-      <p15:sldGuideLst xmlns:p15="http://schemas.microsoft.com/office/powerpoint/2012/main" xmlns="">
+      <p15:sldGuideLst xmlns="" xmlns:p15="http://schemas.microsoft.com/office/powerpoint/2012/main">
         <p15:guide id="1" orient="horz" pos="13606">
           <p15:clr>
             <a:srgbClr val="A4A3A4"/>
@@ -3023,7 +3023,7 @@
           <p:cNvPr id="5" name="TextBox 4">
             <a:extLst>
               <a:ext uri="{FF2B5EF4-FFF2-40B4-BE49-F238E27FC236}">
-                <a16:creationId xmlns:a16="http://schemas.microsoft.com/office/drawing/2014/main" xmlns="" id="{21C35AA9-4CC2-4426-A6E4-1B8D70582002}"/>
+                <a16:creationId xmlns="" xmlns:a16="http://schemas.microsoft.com/office/drawing/2014/main" id="{21C35AA9-4CC2-4426-A6E4-1B8D70582002}"/>
               </a:ext>
             </a:extLst>
           </p:cNvPr>
@@ -3075,7 +3075,7 @@
           <p:cNvPr id="6" name="Group 5">
             <a:extLst>
               <a:ext uri="{FF2B5EF4-FFF2-40B4-BE49-F238E27FC236}">
-                <a16:creationId xmlns:a16="http://schemas.microsoft.com/office/drawing/2014/main" xmlns="" id="{BCEB0613-7A4B-4017-B08D-16B2F3CF6257}"/>
+                <a16:creationId xmlns="" xmlns:a16="http://schemas.microsoft.com/office/drawing/2014/main" id="{BCEB0613-7A4B-4017-B08D-16B2F3CF6257}"/>
               </a:ext>
             </a:extLst>
           </p:cNvPr>
@@ -3097,7 +3097,7 @@
             <p:cNvPr id="7" name="תיבת טקסט 18">
               <a:extLst>
                 <a:ext uri="{FF2B5EF4-FFF2-40B4-BE49-F238E27FC236}">
-                  <a16:creationId xmlns:a16="http://schemas.microsoft.com/office/drawing/2014/main" xmlns="" id="{16681B08-B5BB-4072-8771-E8321F8CFC99}"/>
+                  <a16:creationId xmlns="" xmlns:a16="http://schemas.microsoft.com/office/drawing/2014/main" id="{16681B08-B5BB-4072-8771-E8321F8CFC99}"/>
                 </a:ext>
               </a:extLst>
             </p:cNvPr>
@@ -3190,7 +3190,7 @@
             <p:cNvPr id="8" name="Text Box 24">
               <a:extLst>
                 <a:ext uri="{FF2B5EF4-FFF2-40B4-BE49-F238E27FC236}">
-                  <a16:creationId xmlns:a16="http://schemas.microsoft.com/office/drawing/2014/main" xmlns="" id="{381F52DF-4A25-4DD5-9D0F-C809759D92B7}"/>
+                  <a16:creationId xmlns="" xmlns:a16="http://schemas.microsoft.com/office/drawing/2014/main" id="{381F52DF-4A25-4DD5-9D0F-C809759D92B7}"/>
                 </a:ext>
               </a:extLst>
             </p:cNvPr>
@@ -3250,7 +3250,7 @@
           <p:cNvPr id="9" name="Group 8">
             <a:extLst>
               <a:ext uri="{FF2B5EF4-FFF2-40B4-BE49-F238E27FC236}">
-                <a16:creationId xmlns:a16="http://schemas.microsoft.com/office/drawing/2014/main" xmlns="" id="{213AB796-6D44-478C-94D2-A45B981805E4}"/>
+                <a16:creationId xmlns="" xmlns:a16="http://schemas.microsoft.com/office/drawing/2014/main" id="{213AB796-6D44-478C-94D2-A45B981805E4}"/>
               </a:ext>
             </a:extLst>
           </p:cNvPr>
@@ -3270,7 +3270,7 @@
             <p:cNvPr id="10" name="תיבת טקסט 18">
               <a:extLst>
                 <a:ext uri="{FF2B5EF4-FFF2-40B4-BE49-F238E27FC236}">
-                  <a16:creationId xmlns:a16="http://schemas.microsoft.com/office/drawing/2014/main" xmlns="" id="{5829F93E-C6BE-4714-B2D5-973472A44C1D}"/>
+                  <a16:creationId xmlns="" xmlns:a16="http://schemas.microsoft.com/office/drawing/2014/main" id="{5829F93E-C6BE-4714-B2D5-973472A44C1D}"/>
                 </a:ext>
               </a:extLst>
             </p:cNvPr>
@@ -3348,7 +3348,7 @@
             <p:cNvPr id="11" name="Text Box 24">
               <a:extLst>
                 <a:ext uri="{FF2B5EF4-FFF2-40B4-BE49-F238E27FC236}">
-                  <a16:creationId xmlns:a16="http://schemas.microsoft.com/office/drawing/2014/main" xmlns="" id="{61B4D10A-7422-45CD-A48E-E673CACB8BE8}"/>
+                  <a16:creationId xmlns="" xmlns:a16="http://schemas.microsoft.com/office/drawing/2014/main" id="{61B4D10A-7422-45CD-A48E-E673CACB8BE8}"/>
                 </a:ext>
               </a:extLst>
             </p:cNvPr>
@@ -3408,7 +3408,7 @@
           <p:cNvPr id="12" name="Group 11">
             <a:extLst>
               <a:ext uri="{FF2B5EF4-FFF2-40B4-BE49-F238E27FC236}">
-                <a16:creationId xmlns:a16="http://schemas.microsoft.com/office/drawing/2014/main" xmlns="" id="{EEA89EBD-FDDE-48A6-8855-66923377C367}"/>
+                <a16:creationId xmlns="" xmlns:a16="http://schemas.microsoft.com/office/drawing/2014/main" id="{EEA89EBD-FDDE-48A6-8855-66923377C367}"/>
               </a:ext>
             </a:extLst>
           </p:cNvPr>
@@ -3428,7 +3428,7 @@
             <p:cNvPr id="13" name="תיבת טקסט 18">
               <a:extLst>
                 <a:ext uri="{FF2B5EF4-FFF2-40B4-BE49-F238E27FC236}">
-                  <a16:creationId xmlns:a16="http://schemas.microsoft.com/office/drawing/2014/main" xmlns="" id="{EFAD3A93-6265-4D90-B121-E7210ACAD82E}"/>
+                  <a16:creationId xmlns="" xmlns:a16="http://schemas.microsoft.com/office/drawing/2014/main" id="{EFAD3A93-6265-4D90-B121-E7210ACAD82E}"/>
                 </a:ext>
               </a:extLst>
             </p:cNvPr>
@@ -3471,7 +3471,7 @@
             <p:cNvPr id="14" name="Text Box 24">
               <a:extLst>
                 <a:ext uri="{FF2B5EF4-FFF2-40B4-BE49-F238E27FC236}">
-                  <a16:creationId xmlns:a16="http://schemas.microsoft.com/office/drawing/2014/main" xmlns="" id="{2D0005CC-35A2-4D6D-ABF5-9D776BB2B284}"/>
+                  <a16:creationId xmlns="" xmlns:a16="http://schemas.microsoft.com/office/drawing/2014/main" id="{2D0005CC-35A2-4D6D-ABF5-9D776BB2B284}"/>
                 </a:ext>
               </a:extLst>
             </p:cNvPr>
@@ -3531,7 +3531,7 @@
           <p:cNvPr id="15" name="Group 14">
             <a:extLst>
               <a:ext uri="{FF2B5EF4-FFF2-40B4-BE49-F238E27FC236}">
-                <a16:creationId xmlns:a16="http://schemas.microsoft.com/office/drawing/2014/main" xmlns="" id="{86DF5ED0-1140-4DE6-9986-617C295E9972}"/>
+                <a16:creationId xmlns="" xmlns:a16="http://schemas.microsoft.com/office/drawing/2014/main" id="{86DF5ED0-1140-4DE6-9986-617C295E9972}"/>
               </a:ext>
             </a:extLst>
           </p:cNvPr>
@@ -3551,7 +3551,7 @@
             <p:cNvPr id="16" name="תיבת טקסט 18">
               <a:extLst>
                 <a:ext uri="{FF2B5EF4-FFF2-40B4-BE49-F238E27FC236}">
-                  <a16:creationId xmlns:a16="http://schemas.microsoft.com/office/drawing/2014/main" xmlns="" id="{7231FC04-FE29-41A3-A56A-F24A16325C5E}"/>
+                  <a16:creationId xmlns="" xmlns:a16="http://schemas.microsoft.com/office/drawing/2014/main" id="{7231FC04-FE29-41A3-A56A-F24A16325C5E}"/>
                 </a:ext>
               </a:extLst>
             </p:cNvPr>
@@ -3595,7 +3595,7 @@
             <p:cNvPr id="17" name="Text Box 24">
               <a:extLst>
                 <a:ext uri="{FF2B5EF4-FFF2-40B4-BE49-F238E27FC236}">
-                  <a16:creationId xmlns:a16="http://schemas.microsoft.com/office/drawing/2014/main" xmlns="" id="{BBDFD652-0BF1-49B2-8BA9-681958173701}"/>
+                  <a16:creationId xmlns="" xmlns:a16="http://schemas.microsoft.com/office/drawing/2014/main" id="{BBDFD652-0BF1-49B2-8BA9-681958173701}"/>
                 </a:ext>
               </a:extLst>
             </p:cNvPr>
@@ -3653,7 +3653,7 @@
           <p:cNvPr id="18" name="Group 17">
             <a:extLst>
               <a:ext uri="{FF2B5EF4-FFF2-40B4-BE49-F238E27FC236}">
-                <a16:creationId xmlns:a16="http://schemas.microsoft.com/office/drawing/2014/main" xmlns="" id="{806CC6DC-751D-431B-A607-96ED6DCDB3E7}"/>
+                <a16:creationId xmlns="" xmlns:a16="http://schemas.microsoft.com/office/drawing/2014/main" id="{806CC6DC-751D-431B-A607-96ED6DCDB3E7}"/>
               </a:ext>
             </a:extLst>
           </p:cNvPr>
@@ -3673,7 +3673,7 @@
             <p:cNvPr id="19" name="תיבת טקסט 18">
               <a:extLst>
                 <a:ext uri="{FF2B5EF4-FFF2-40B4-BE49-F238E27FC236}">
-                  <a16:creationId xmlns:a16="http://schemas.microsoft.com/office/drawing/2014/main" xmlns="" id="{C990978E-F894-4DC0-BF26-414CBC82D697}"/>
+                  <a16:creationId xmlns="" xmlns:a16="http://schemas.microsoft.com/office/drawing/2014/main" id="{C990978E-F894-4DC0-BF26-414CBC82D697}"/>
                 </a:ext>
               </a:extLst>
             </p:cNvPr>
@@ -3748,7 +3748,7 @@
             <p:cNvPr id="20" name="Text Box 24">
               <a:extLst>
                 <a:ext uri="{FF2B5EF4-FFF2-40B4-BE49-F238E27FC236}">
-                  <a16:creationId xmlns:a16="http://schemas.microsoft.com/office/drawing/2014/main" xmlns="" id="{268AC337-F800-4C0F-A092-659D9DC33F98}"/>
+                  <a16:creationId xmlns="" xmlns:a16="http://schemas.microsoft.com/office/drawing/2014/main" id="{268AC337-F800-4C0F-A092-659D9DC33F98}"/>
                 </a:ext>
               </a:extLst>
             </p:cNvPr>
@@ -3806,7 +3806,7 @@
           <p:cNvPr id="21" name="names">
             <a:extLst>
               <a:ext uri="{FF2B5EF4-FFF2-40B4-BE49-F238E27FC236}">
-                <a16:creationId xmlns:a16="http://schemas.microsoft.com/office/drawing/2014/main" xmlns="" id="{50263BFB-E418-4A74-AECE-CAD600D1406C}"/>
+                <a16:creationId xmlns="" xmlns:a16="http://schemas.microsoft.com/office/drawing/2014/main" id="{50263BFB-E418-4A74-AECE-CAD600D1406C}"/>
               </a:ext>
             </a:extLst>
           </p:cNvPr>
@@ -3948,7 +3948,7 @@
           <p:cNvPr id="22" name="Title">
             <a:extLst>
               <a:ext uri="{FF2B5EF4-FFF2-40B4-BE49-F238E27FC236}">
-                <a16:creationId xmlns:a16="http://schemas.microsoft.com/office/drawing/2014/main" xmlns="" id="{815970DA-DF7D-459C-9C4D-F65236746442}"/>
+                <a16:creationId xmlns="" xmlns:a16="http://schemas.microsoft.com/office/drawing/2014/main" id="{815970DA-DF7D-459C-9C4D-F65236746442}"/>
               </a:ext>
             </a:extLst>
           </p:cNvPr>
@@ -4021,7 +4021,7 @@
           <p:cNvPr id="23" name="Picture 22" descr="A close up of a logo&#10;&#10;Description automatically generated">
             <a:extLst>
               <a:ext uri="{FF2B5EF4-FFF2-40B4-BE49-F238E27FC236}">
-                <a16:creationId xmlns:a16="http://schemas.microsoft.com/office/drawing/2014/main" xmlns="" id="{1B0E9798-6ED7-438D-99F7-E4A7EAF64FE6}"/>
+                <a16:creationId xmlns="" xmlns:a16="http://schemas.microsoft.com/office/drawing/2014/main" id="{1B0E9798-6ED7-438D-99F7-E4A7EAF64FE6}"/>
               </a:ext>
             </a:extLst>
           </p:cNvPr>
@@ -4057,7 +4057,7 @@
           <p:cNvPr id="24" name="Group 23">
             <a:extLst>
               <a:ext uri="{FF2B5EF4-FFF2-40B4-BE49-F238E27FC236}">
-                <a16:creationId xmlns:a16="http://schemas.microsoft.com/office/drawing/2014/main" xmlns="" id="{53C697AF-52E9-4D36-A2E7-D8ED4F552308}"/>
+                <a16:creationId xmlns="" xmlns:a16="http://schemas.microsoft.com/office/drawing/2014/main" id="{53C697AF-52E9-4D36-A2E7-D8ED4F552308}"/>
               </a:ext>
             </a:extLst>
           </p:cNvPr>
@@ -4077,7 +4077,7 @@
             <p:cNvPr id="25" name="תיבת טקסט 18">
               <a:extLst>
                 <a:ext uri="{FF2B5EF4-FFF2-40B4-BE49-F238E27FC236}">
-                  <a16:creationId xmlns:a16="http://schemas.microsoft.com/office/drawing/2014/main" xmlns="" id="{6C754D3D-FCC2-4053-9892-AAF25C0F628F}"/>
+                  <a16:creationId xmlns="" xmlns:a16="http://schemas.microsoft.com/office/drawing/2014/main" id="{6C754D3D-FCC2-4053-9892-AAF25C0F628F}"/>
                 </a:ext>
               </a:extLst>
             </p:cNvPr>
@@ -4146,7 +4146,7 @@
             <p:cNvPr id="26" name="Text Box 24">
               <a:extLst>
                 <a:ext uri="{FF2B5EF4-FFF2-40B4-BE49-F238E27FC236}">
-                  <a16:creationId xmlns:a16="http://schemas.microsoft.com/office/drawing/2014/main" xmlns="" id="{5784222E-502A-4E2C-92F0-7F73523B69C2}"/>
+                  <a16:creationId xmlns="" xmlns:a16="http://schemas.microsoft.com/office/drawing/2014/main" id="{5784222E-502A-4E2C-92F0-7F73523B69C2}"/>
                 </a:ext>
               </a:extLst>
             </p:cNvPr>
@@ -4204,7 +4204,7 @@
           <p:cNvPr id="27" name="Group 26">
             <a:extLst>
               <a:ext uri="{FF2B5EF4-FFF2-40B4-BE49-F238E27FC236}">
-                <a16:creationId xmlns:a16="http://schemas.microsoft.com/office/drawing/2014/main" xmlns="" id="{BE2EB11C-DC87-4601-B21E-EF3216172AD9}"/>
+                <a16:creationId xmlns="" xmlns:a16="http://schemas.microsoft.com/office/drawing/2014/main" id="{BE2EB11C-DC87-4601-B21E-EF3216172AD9}"/>
               </a:ext>
             </a:extLst>
           </p:cNvPr>
@@ -4224,7 +4224,7 @@
             <p:cNvPr id="28" name="תיבת טקסט 18">
               <a:extLst>
                 <a:ext uri="{FF2B5EF4-FFF2-40B4-BE49-F238E27FC236}">
-                  <a16:creationId xmlns:a16="http://schemas.microsoft.com/office/drawing/2014/main" xmlns="" id="{533A65D4-67FB-4E41-9421-FD9DB044B4D3}"/>
+                  <a16:creationId xmlns="" xmlns:a16="http://schemas.microsoft.com/office/drawing/2014/main" id="{533A65D4-67FB-4E41-9421-FD9DB044B4D3}"/>
                 </a:ext>
               </a:extLst>
             </p:cNvPr>
@@ -4268,7 +4268,7 @@
             <p:cNvPr id="29" name="Text Box 24">
               <a:extLst>
                 <a:ext uri="{FF2B5EF4-FFF2-40B4-BE49-F238E27FC236}">
-                  <a16:creationId xmlns:a16="http://schemas.microsoft.com/office/drawing/2014/main" xmlns="" id="{2A78BB05-F2A3-49E9-8FBE-55ACFE4F4914}"/>
+                  <a16:creationId xmlns="" xmlns:a16="http://schemas.microsoft.com/office/drawing/2014/main" id="{2A78BB05-F2A3-49E9-8FBE-55ACFE4F4914}"/>
                 </a:ext>
               </a:extLst>
             </p:cNvPr>
@@ -4326,7 +4326,7 @@
           <p:cNvPr id="31" name="Picture 30">
             <a:extLst>
               <a:ext uri="{FF2B5EF4-FFF2-40B4-BE49-F238E27FC236}">
-                <a16:creationId xmlns:a16="http://schemas.microsoft.com/office/drawing/2014/main" xmlns="" id="{B3F83FF5-25B8-41FA-9C74-5B360C983A7E}"/>
+                <a16:creationId xmlns="" xmlns:a16="http://schemas.microsoft.com/office/drawing/2014/main" id="{B3F83FF5-25B8-41FA-9C74-5B360C983A7E}"/>
               </a:ext>
             </a:extLst>
           </p:cNvPr>
@@ -4361,7 +4361,7 @@
           <p:cNvPr id="32" name="Picture 31">
             <a:extLst>
               <a:ext uri="{FF2B5EF4-FFF2-40B4-BE49-F238E27FC236}">
-                <a16:creationId xmlns:a16="http://schemas.microsoft.com/office/drawing/2014/main" xmlns="" id="{AF35BE45-91AC-4A08-8BFB-02C0C1E2C7A6}"/>
+                <a16:creationId xmlns="" xmlns:a16="http://schemas.microsoft.com/office/drawing/2014/main" id="{AF35BE45-91AC-4A08-8BFB-02C0C1E2C7A6}"/>
               </a:ext>
             </a:extLst>
           </p:cNvPr>
@@ -4397,7 +4397,7 @@
           <p:cNvPr id="33" name="Picture 32">
             <a:extLst>
               <a:ext uri="{FF2B5EF4-FFF2-40B4-BE49-F238E27FC236}">
-                <a16:creationId xmlns:a16="http://schemas.microsoft.com/office/drawing/2014/main" xmlns="" id="{57D61071-AC5B-42B2-9AC8-47E326D48F9D}"/>
+                <a16:creationId xmlns="" xmlns:a16="http://schemas.microsoft.com/office/drawing/2014/main" id="{57D61071-AC5B-42B2-9AC8-47E326D48F9D}"/>
               </a:ext>
             </a:extLst>
           </p:cNvPr>
@@ -4433,7 +4433,7 @@
           <p:cNvPr id="34" name="Picture 33">
             <a:extLst>
               <a:ext uri="{FF2B5EF4-FFF2-40B4-BE49-F238E27FC236}">
-                <a16:creationId xmlns:a16="http://schemas.microsoft.com/office/drawing/2014/main" xmlns="" id="{96007492-C48A-41CF-AD99-39166572FA35}"/>
+                <a16:creationId xmlns="" xmlns:a16="http://schemas.microsoft.com/office/drawing/2014/main" id="{96007492-C48A-41CF-AD99-39166572FA35}"/>
               </a:ext>
             </a:extLst>
           </p:cNvPr>
@@ -4479,7 +4479,7 @@
           <p:cNvPr id="35" name="TextBox 34">
             <a:extLst>
               <a:ext uri="{FF2B5EF4-FFF2-40B4-BE49-F238E27FC236}">
-                <a16:creationId xmlns:a16="http://schemas.microsoft.com/office/drawing/2014/main" xmlns="" id="{FD1E00FF-0C3B-4DEB-9A22-B15A2A4305D1}"/>
+                <a16:creationId xmlns="" xmlns:a16="http://schemas.microsoft.com/office/drawing/2014/main" id="{FD1E00FF-0C3B-4DEB-9A22-B15A2A4305D1}"/>
               </a:ext>
             </a:extLst>
           </p:cNvPr>
@@ -4524,7 +4524,7 @@
           <p:cNvPr id="36" name="Group 35">
             <a:extLst>
               <a:ext uri="{FF2B5EF4-FFF2-40B4-BE49-F238E27FC236}">
-                <a16:creationId xmlns:a16="http://schemas.microsoft.com/office/drawing/2014/main" xmlns="" id="{FA965725-A401-41A8-8CF1-A77E14832757}"/>
+                <a16:creationId xmlns="" xmlns:a16="http://schemas.microsoft.com/office/drawing/2014/main" id="{FA965725-A401-41A8-8CF1-A77E14832757}"/>
               </a:ext>
             </a:extLst>
           </p:cNvPr>
@@ -4544,7 +4544,7 @@
             <p:cNvPr id="37" name="תיבת טקסט 18">
               <a:extLst>
                 <a:ext uri="{FF2B5EF4-FFF2-40B4-BE49-F238E27FC236}">
-                  <a16:creationId xmlns:a16="http://schemas.microsoft.com/office/drawing/2014/main" xmlns="" id="{DFA3AD4F-9BEE-44BC-8F51-FA5B66553EE6}"/>
+                  <a16:creationId xmlns="" xmlns:a16="http://schemas.microsoft.com/office/drawing/2014/main" id="{DFA3AD4F-9BEE-44BC-8F51-FA5B66553EE6}"/>
                 </a:ext>
               </a:extLst>
             </p:cNvPr>
@@ -4648,7 +4648,7 @@
             <p:cNvPr id="38" name="Text Box 24">
               <a:extLst>
                 <a:ext uri="{FF2B5EF4-FFF2-40B4-BE49-F238E27FC236}">
-                  <a16:creationId xmlns:a16="http://schemas.microsoft.com/office/drawing/2014/main" xmlns="" id="{A9FDB1ED-C4C0-480D-80A6-DF5E91D7F8BC}"/>
+                  <a16:creationId xmlns="" xmlns:a16="http://schemas.microsoft.com/office/drawing/2014/main" id="{A9FDB1ED-C4C0-480D-80A6-DF5E91D7F8BC}"/>
                 </a:ext>
               </a:extLst>
             </p:cNvPr>
@@ -4706,7 +4706,7 @@
           <p:cNvPr id="39" name="Group 38">
             <a:extLst>
               <a:ext uri="{FF2B5EF4-FFF2-40B4-BE49-F238E27FC236}">
-                <a16:creationId xmlns:a16="http://schemas.microsoft.com/office/drawing/2014/main" xmlns="" id="{AB331618-4256-41BA-8FDD-536DA6766F66}"/>
+                <a16:creationId xmlns="" xmlns:a16="http://schemas.microsoft.com/office/drawing/2014/main" id="{AB331618-4256-41BA-8FDD-536DA6766F66}"/>
               </a:ext>
             </a:extLst>
           </p:cNvPr>
@@ -4728,7 +4728,7 @@
             <p:cNvPr id="40" name="Group 39">
               <a:extLst>
                 <a:ext uri="{FF2B5EF4-FFF2-40B4-BE49-F238E27FC236}">
-                  <a16:creationId xmlns:a16="http://schemas.microsoft.com/office/drawing/2014/main" xmlns="" id="{5B9B95DD-047D-422E-9197-8EB8322A507F}"/>
+                  <a16:creationId xmlns="" xmlns:a16="http://schemas.microsoft.com/office/drawing/2014/main" id="{5B9B95DD-047D-422E-9197-8EB8322A507F}"/>
                 </a:ext>
               </a:extLst>
             </p:cNvPr>
@@ -4748,7 +4748,7 @@
               <p:cNvPr id="42" name="Group 41">
                 <a:extLst>
                   <a:ext uri="{FF2B5EF4-FFF2-40B4-BE49-F238E27FC236}">
-                    <a16:creationId xmlns:a16="http://schemas.microsoft.com/office/drawing/2014/main" xmlns="" id="{0F05674C-EA0D-400B-AF01-2B79607B49E6}"/>
+                    <a16:creationId xmlns="" xmlns:a16="http://schemas.microsoft.com/office/drawing/2014/main" id="{0F05674C-EA0D-400B-AF01-2B79607B49E6}"/>
                   </a:ext>
                 </a:extLst>
               </p:cNvPr>
@@ -4768,7 +4768,7 @@
                 <p:cNvPr id="44" name="Group 43">
                   <a:extLst>
                     <a:ext uri="{FF2B5EF4-FFF2-40B4-BE49-F238E27FC236}">
-                      <a16:creationId xmlns:a16="http://schemas.microsoft.com/office/drawing/2014/main" xmlns="" id="{B60FC61F-D124-4385-9B15-65551D1814D4}"/>
+                      <a16:creationId xmlns="" xmlns:a16="http://schemas.microsoft.com/office/drawing/2014/main" id="{B60FC61F-D124-4385-9B15-65551D1814D4}"/>
                     </a:ext>
                   </a:extLst>
                 </p:cNvPr>
@@ -4788,7 +4788,7 @@
                   <p:cNvPr id="46" name="Group 45">
                     <a:extLst>
                       <a:ext uri="{FF2B5EF4-FFF2-40B4-BE49-F238E27FC236}">
-                        <a16:creationId xmlns:a16="http://schemas.microsoft.com/office/drawing/2014/main" xmlns="" id="{7EE2AEAC-C313-4E78-9FAF-E53B60D27895}"/>
+                        <a16:creationId xmlns="" xmlns:a16="http://schemas.microsoft.com/office/drawing/2014/main" id="{7EE2AEAC-C313-4E78-9FAF-E53B60D27895}"/>
                       </a:ext>
                     </a:extLst>
                   </p:cNvPr>
@@ -4810,7 +4810,7 @@
                     <p:cNvPr id="48" name="Picture 47" descr="A close up of a mans face&#10;&#10;Description automatically generated">
                       <a:extLst>
                         <a:ext uri="{FF2B5EF4-FFF2-40B4-BE49-F238E27FC236}">
-                          <a16:creationId xmlns:a16="http://schemas.microsoft.com/office/drawing/2014/main" xmlns="" id="{2957E089-22FB-4FBD-A6DA-88A57E473D60}"/>
+                          <a16:creationId xmlns="" xmlns:a16="http://schemas.microsoft.com/office/drawing/2014/main" id="{2957E089-22FB-4FBD-A6DA-88A57E473D60}"/>
                         </a:ext>
                       </a:extLst>
                     </p:cNvPr>
@@ -4846,7 +4846,7 @@
                     <p:cNvPr id="49" name="Picture 48" descr="A picture containing crossword puzzle&#10;&#10;Description automatically generated">
                       <a:extLst>
                         <a:ext uri="{FF2B5EF4-FFF2-40B4-BE49-F238E27FC236}">
-                          <a16:creationId xmlns:a16="http://schemas.microsoft.com/office/drawing/2014/main" xmlns="" id="{E1BEC1F8-4C66-44D4-BBC9-5E470E373D7F}"/>
+                          <a16:creationId xmlns="" xmlns:a16="http://schemas.microsoft.com/office/drawing/2014/main" id="{E1BEC1F8-4C66-44D4-BBC9-5E470E373D7F}"/>
                         </a:ext>
                       </a:extLst>
                     </p:cNvPr>
@@ -4882,7 +4882,7 @@
                     <p:cNvPr id="50" name="Picture 49" descr="A close up of a logo&#10;&#10;Description automatically generated">
                       <a:extLst>
                         <a:ext uri="{FF2B5EF4-FFF2-40B4-BE49-F238E27FC236}">
-                          <a16:creationId xmlns:a16="http://schemas.microsoft.com/office/drawing/2014/main" xmlns="" id="{D06E24C7-E118-4768-A7AF-D5733E2080D1}"/>
+                          <a16:creationId xmlns="" xmlns:a16="http://schemas.microsoft.com/office/drawing/2014/main" id="{D06E24C7-E118-4768-A7AF-D5733E2080D1}"/>
                         </a:ext>
                       </a:extLst>
                     </p:cNvPr>
@@ -4919,7 +4919,7 @@
                   <p:cNvPr id="47" name="TextBox 46">
                     <a:extLst>
                       <a:ext uri="{FF2B5EF4-FFF2-40B4-BE49-F238E27FC236}">
-                        <a16:creationId xmlns:a16="http://schemas.microsoft.com/office/drawing/2014/main" xmlns="" id="{C79294A2-E6F5-4FE6-A5C7-31B7AD74C375}"/>
+                        <a16:creationId xmlns="" xmlns:a16="http://schemas.microsoft.com/office/drawing/2014/main" id="{C79294A2-E6F5-4FE6-A5C7-31B7AD74C375}"/>
                       </a:ext>
                     </a:extLst>
                   </p:cNvPr>
@@ -4965,7 +4965,7 @@
                 <p:cNvPr id="45" name="TextBox 44">
                   <a:extLst>
                     <a:ext uri="{FF2B5EF4-FFF2-40B4-BE49-F238E27FC236}">
-                      <a16:creationId xmlns:a16="http://schemas.microsoft.com/office/drawing/2014/main" xmlns="" id="{1B59A4E0-9B34-4F5E-95D6-EC4DB8C829AC}"/>
+                      <a16:creationId xmlns="" xmlns:a16="http://schemas.microsoft.com/office/drawing/2014/main" id="{1B59A4E0-9B34-4F5E-95D6-EC4DB8C829AC}"/>
                     </a:ext>
                   </a:extLst>
                 </p:cNvPr>
@@ -5008,7 +5008,7 @@
               <p:cNvPr id="43" name="TextBox 42">
                 <a:extLst>
                   <a:ext uri="{FF2B5EF4-FFF2-40B4-BE49-F238E27FC236}">
-                    <a16:creationId xmlns:a16="http://schemas.microsoft.com/office/drawing/2014/main" xmlns="" id="{4902E1DB-BD07-4673-82A5-D643E909A61D}"/>
+                    <a16:creationId xmlns="" xmlns:a16="http://schemas.microsoft.com/office/drawing/2014/main" id="{4902E1DB-BD07-4673-82A5-D643E909A61D}"/>
                   </a:ext>
                 </a:extLst>
               </p:cNvPr>
@@ -5051,7 +5051,7 @@
             <p:cNvPr id="41" name="TextBox 40">
               <a:extLst>
                 <a:ext uri="{FF2B5EF4-FFF2-40B4-BE49-F238E27FC236}">
-                  <a16:creationId xmlns:a16="http://schemas.microsoft.com/office/drawing/2014/main" xmlns="" id="{B6393C5B-F0A1-46CD-AD56-C03B7F835399}"/>
+                  <a16:creationId xmlns="" xmlns:a16="http://schemas.microsoft.com/office/drawing/2014/main" id="{B6393C5B-F0A1-46CD-AD56-C03B7F835399}"/>
                 </a:ext>
               </a:extLst>
             </p:cNvPr>
@@ -5094,7 +5094,7 @@
           <p:cNvPr id="51" name="Group 50">
             <a:extLst>
               <a:ext uri="{FF2B5EF4-FFF2-40B4-BE49-F238E27FC236}">
-                <a16:creationId xmlns:a16="http://schemas.microsoft.com/office/drawing/2014/main" xmlns="" id="{A6F5447A-CAD7-4B0C-AAAD-385327A25D87}"/>
+                <a16:creationId xmlns="" xmlns:a16="http://schemas.microsoft.com/office/drawing/2014/main" id="{A6F5447A-CAD7-4B0C-AAAD-385327A25D87}"/>
               </a:ext>
             </a:extLst>
           </p:cNvPr>
@@ -5114,7 +5114,7 @@
             <p:cNvPr id="52" name="תיבת טקסט 18">
               <a:extLst>
                 <a:ext uri="{FF2B5EF4-FFF2-40B4-BE49-F238E27FC236}">
-                  <a16:creationId xmlns:a16="http://schemas.microsoft.com/office/drawing/2014/main" xmlns="" id="{2B868D60-4E17-4C1B-82F1-887DBBBB59F6}"/>
+                  <a16:creationId xmlns="" xmlns:a16="http://schemas.microsoft.com/office/drawing/2014/main" id="{2B868D60-4E17-4C1B-82F1-887DBBBB59F6}"/>
                 </a:ext>
               </a:extLst>
             </p:cNvPr>
@@ -5169,7 +5169,7 @@
             <p:cNvPr id="53" name="Text Box 24">
               <a:extLst>
                 <a:ext uri="{FF2B5EF4-FFF2-40B4-BE49-F238E27FC236}">
-                  <a16:creationId xmlns:a16="http://schemas.microsoft.com/office/drawing/2014/main" xmlns="" id="{C182ADF9-CED3-4761-B7DC-EEDC3DB3BE98}"/>
+                  <a16:creationId xmlns="" xmlns:a16="http://schemas.microsoft.com/office/drawing/2014/main" id="{C182ADF9-CED3-4761-B7DC-EEDC3DB3BE98}"/>
                 </a:ext>
               </a:extLst>
             </p:cNvPr>
@@ -5227,7 +5227,7 @@
           <p:cNvPr id="54" name="TextBox 53">
             <a:extLst>
               <a:ext uri="{FF2B5EF4-FFF2-40B4-BE49-F238E27FC236}">
-                <a16:creationId xmlns:a16="http://schemas.microsoft.com/office/drawing/2014/main" xmlns="" id="{5A745D60-7A1A-45E0-8C8E-624EF6E2C95C}"/>
+                <a16:creationId xmlns="" xmlns:a16="http://schemas.microsoft.com/office/drawing/2014/main" id="{5A745D60-7A1A-45E0-8C8E-624EF6E2C95C}"/>
               </a:ext>
             </a:extLst>
           </p:cNvPr>
@@ -5279,7 +5279,7 @@
           <p:cNvPr id="55" name="Picture 54">
             <a:extLst>
               <a:ext uri="{FF2B5EF4-FFF2-40B4-BE49-F238E27FC236}">
-                <a16:creationId xmlns:a16="http://schemas.microsoft.com/office/drawing/2014/main" xmlns="" id="{603A7175-7B04-40A4-994D-D93110F266A4}"/>
+                <a16:creationId xmlns="" xmlns:a16="http://schemas.microsoft.com/office/drawing/2014/main" id="{603A7175-7B04-40A4-994D-D93110F266A4}"/>
               </a:ext>
             </a:extLst>
           </p:cNvPr>
@@ -5324,7 +5324,7 @@
               <p:cNvPr id="56" name="Table 55">
                 <a:extLst>
                   <a:ext uri="{FF2B5EF4-FFF2-40B4-BE49-F238E27FC236}">
-                    <a16:creationId xmlns:a16="http://schemas.microsoft.com/office/drawing/2014/main" xmlns="" id="{DC293643-0FF5-47CC-9190-0D1D19D1CA0B}"/>
+                    <a16:creationId xmlns="" xmlns:a16="http://schemas.microsoft.com/office/drawing/2014/main" id="{DC293643-0FF5-47CC-9190-0D1D19D1CA0B}"/>
                   </a:ext>
                 </a:extLst>
               </p:cNvPr>
@@ -5353,56 +5353,56 @@
                     <a:gridCol w="2556376">
                       <a:extLst>
                         <a:ext uri="{9D8B030D-6E8A-4147-A177-3AD203B41FA5}">
-                          <a16:colId xmlns:a16="http://schemas.microsoft.com/office/drawing/2014/main" xmlns="" val="1946601345"/>
+                          <a16:colId xmlns="" xmlns:a16="http://schemas.microsoft.com/office/drawing/2014/main" val="1946601345"/>
                         </a:ext>
                       </a:extLst>
                     </a:gridCol>
                     <a:gridCol w="1188175">
                       <a:extLst>
                         <a:ext uri="{9D8B030D-6E8A-4147-A177-3AD203B41FA5}">
-                          <a16:colId xmlns:a16="http://schemas.microsoft.com/office/drawing/2014/main" xmlns="" val="1319595562"/>
+                          <a16:colId xmlns="" xmlns:a16="http://schemas.microsoft.com/office/drawing/2014/main" val="1319595562"/>
                         </a:ext>
                       </a:extLst>
                     </a:gridCol>
                     <a:gridCol w="1404206">
                       <a:extLst>
                         <a:ext uri="{9D8B030D-6E8A-4147-A177-3AD203B41FA5}">
-                          <a16:colId xmlns:a16="http://schemas.microsoft.com/office/drawing/2014/main" xmlns="" val="3671013873"/>
+                          <a16:colId xmlns="" xmlns:a16="http://schemas.microsoft.com/office/drawing/2014/main" val="3671013873"/>
                         </a:ext>
                       </a:extLst>
                     </a:gridCol>
                     <a:gridCol w="1404206">
                       <a:extLst>
                         <a:ext uri="{9D8B030D-6E8A-4147-A177-3AD203B41FA5}">
-                          <a16:colId xmlns:a16="http://schemas.microsoft.com/office/drawing/2014/main" xmlns="" val="2049267816"/>
+                          <a16:colId xmlns="" xmlns:a16="http://schemas.microsoft.com/office/drawing/2014/main" val="2049267816"/>
                         </a:ext>
                       </a:extLst>
                     </a:gridCol>
                     <a:gridCol w="1728254">
                       <a:extLst>
                         <a:ext uri="{9D8B030D-6E8A-4147-A177-3AD203B41FA5}">
-                          <a16:colId xmlns:a16="http://schemas.microsoft.com/office/drawing/2014/main" xmlns="" val="966686260"/>
+                          <a16:colId xmlns="" xmlns:a16="http://schemas.microsoft.com/office/drawing/2014/main" val="966686260"/>
                         </a:ext>
                       </a:extLst>
                     </a:gridCol>
                     <a:gridCol w="1404206">
                       <a:extLst>
                         <a:ext uri="{9D8B030D-6E8A-4147-A177-3AD203B41FA5}">
-                          <a16:colId xmlns:a16="http://schemas.microsoft.com/office/drawing/2014/main" xmlns="" val="2377125529"/>
+                          <a16:colId xmlns="" xmlns:a16="http://schemas.microsoft.com/office/drawing/2014/main" val="2377125529"/>
                         </a:ext>
                       </a:extLst>
                     </a:gridCol>
                     <a:gridCol w="1404206">
                       <a:extLst>
                         <a:ext uri="{9D8B030D-6E8A-4147-A177-3AD203B41FA5}">
-                          <a16:colId xmlns:a16="http://schemas.microsoft.com/office/drawing/2014/main" xmlns="" val="1858987758"/>
+                          <a16:colId xmlns="" xmlns:a16="http://schemas.microsoft.com/office/drawing/2014/main" val="1858987758"/>
                         </a:ext>
                       </a:extLst>
                     </a:gridCol>
                     <a:gridCol w="1728254">
                       <a:extLst>
                         <a:ext uri="{9D8B030D-6E8A-4147-A177-3AD203B41FA5}">
-                          <a16:colId xmlns:a16="http://schemas.microsoft.com/office/drawing/2014/main" xmlns="" val="922372244"/>
+                          <a16:colId xmlns="" xmlns:a16="http://schemas.microsoft.com/office/drawing/2014/main" val="922372244"/>
                         </a:ext>
                       </a:extLst>
                     </a:gridCol>
@@ -5746,7 +5746,7 @@
                     </a:tc>
                     <a:extLst>
                       <a:ext uri="{0D108BD9-81ED-4DB2-BD59-A6C34878D82A}">
-                        <a16:rowId xmlns:a16="http://schemas.microsoft.com/office/drawing/2014/main" xmlns="" val="1487559327"/>
+                        <a16:rowId xmlns="" xmlns:a16="http://schemas.microsoft.com/office/drawing/2014/main" val="1487559327"/>
                       </a:ext>
                     </a:extLst>
                   </a:tr>
@@ -6138,7 +6138,7 @@
                     </a:tc>
                     <a:extLst>
                       <a:ext uri="{0D108BD9-81ED-4DB2-BD59-A6C34878D82A}">
-                        <a16:rowId xmlns:a16="http://schemas.microsoft.com/office/drawing/2014/main" xmlns="" val="2670774814"/>
+                        <a16:rowId xmlns="" xmlns:a16="http://schemas.microsoft.com/office/drawing/2014/main" val="2670774814"/>
                       </a:ext>
                     </a:extLst>
                   </a:tr>
@@ -6333,7 +6333,7 @@
                     </a:tc>
                     <a:extLst>
                       <a:ext uri="{0D108BD9-81ED-4DB2-BD59-A6C34878D82A}">
-                        <a16:rowId xmlns:a16="http://schemas.microsoft.com/office/drawing/2014/main" xmlns="" val="2343822438"/>
+                        <a16:rowId xmlns="" xmlns:a16="http://schemas.microsoft.com/office/drawing/2014/main" val="2343822438"/>
                       </a:ext>
                     </a:extLst>
                   </a:tr>
@@ -6542,7 +6542,7 @@
                     </a:tc>
                     <a:extLst>
                       <a:ext uri="{0D108BD9-81ED-4DB2-BD59-A6C34878D82A}">
-                        <a16:rowId xmlns:a16="http://schemas.microsoft.com/office/drawing/2014/main" xmlns="" val="4008647147"/>
+                        <a16:rowId xmlns="" xmlns:a16="http://schemas.microsoft.com/office/drawing/2014/main" val="4008647147"/>
                       </a:ext>
                     </a:extLst>
                   </a:tr>
@@ -6721,7 +6721,7 @@
                     </a:tc>
                     <a:extLst>
                       <a:ext uri="{0D108BD9-81ED-4DB2-BD59-A6C34878D82A}">
-                        <a16:rowId xmlns:a16="http://schemas.microsoft.com/office/drawing/2014/main" xmlns="" val="1184920339"/>
+                        <a16:rowId xmlns="" xmlns:a16="http://schemas.microsoft.com/office/drawing/2014/main" val="1184920339"/>
                       </a:ext>
                     </a:extLst>
                   </a:tr>
@@ -6898,7 +6898,7 @@
                     </a:tc>
                     <a:extLst>
                       <a:ext uri="{0D108BD9-81ED-4DB2-BD59-A6C34878D82A}">
-                        <a16:rowId xmlns:a16="http://schemas.microsoft.com/office/drawing/2014/main" xmlns="" val="161192191"/>
+                        <a16:rowId xmlns="" xmlns:a16="http://schemas.microsoft.com/office/drawing/2014/main" val="161192191"/>
                       </a:ext>
                     </a:extLst>
                   </a:tr>
@@ -7405,7 +7405,7 @@
                     </a:tc>
                     <a:extLst>
                       <a:ext uri="{0D108BD9-81ED-4DB2-BD59-A6C34878D82A}">
-                        <a16:rowId xmlns:a16="http://schemas.microsoft.com/office/drawing/2014/main" xmlns="" val="2324081285"/>
+                        <a16:rowId xmlns="" xmlns:a16="http://schemas.microsoft.com/office/drawing/2014/main" val="2324081285"/>
                       </a:ext>
                     </a:extLst>
                   </a:tr>
@@ -7900,7 +7900,7 @@
                     </a:tc>
                     <a:extLst>
                       <a:ext uri="{0D108BD9-81ED-4DB2-BD59-A6C34878D82A}">
-                        <a16:rowId xmlns:a16="http://schemas.microsoft.com/office/drawing/2014/main" xmlns="" val="1330813689"/>
+                        <a16:rowId xmlns="" xmlns:a16="http://schemas.microsoft.com/office/drawing/2014/main" val="1330813689"/>
                       </a:ext>
                     </a:extLst>
                   </a:tr>
@@ -8397,7 +8397,7 @@
                     </a:tc>
                     <a:extLst>
                       <a:ext uri="{0D108BD9-81ED-4DB2-BD59-A6C34878D82A}">
-                        <a16:rowId xmlns:a16="http://schemas.microsoft.com/office/drawing/2014/main" xmlns="" val="1559508821"/>
+                        <a16:rowId xmlns="" xmlns:a16="http://schemas.microsoft.com/office/drawing/2014/main" val="1559508821"/>
                       </a:ext>
                     </a:extLst>
                   </a:tr>
@@ -8841,7 +8841,7 @@
                     </a:tc>
                     <a:extLst>
                       <a:ext uri="{0D108BD9-81ED-4DB2-BD59-A6C34878D82A}">
-                        <a16:rowId xmlns:a16="http://schemas.microsoft.com/office/drawing/2014/main" xmlns="" val="1073051094"/>
+                        <a16:rowId xmlns="" xmlns:a16="http://schemas.microsoft.com/office/drawing/2014/main" val="1073051094"/>
                       </a:ext>
                     </a:extLst>
                   </a:tr>
@@ -9352,7 +9352,7 @@
                     </a:tc>
                     <a:extLst>
                       <a:ext uri="{0D108BD9-81ED-4DB2-BD59-A6C34878D82A}">
-                        <a16:rowId xmlns:a16="http://schemas.microsoft.com/office/drawing/2014/main" xmlns="" val="653722751"/>
+                        <a16:rowId xmlns="" xmlns:a16="http://schemas.microsoft.com/office/drawing/2014/main" val="653722751"/>
                       </a:ext>
                     </a:extLst>
                   </a:tr>
@@ -9851,7 +9851,7 @@
                     </a:tc>
                     <a:extLst>
                       <a:ext uri="{0D108BD9-81ED-4DB2-BD59-A6C34878D82A}">
-                        <a16:rowId xmlns:a16="http://schemas.microsoft.com/office/drawing/2014/main" xmlns="" val="2111612218"/>
+                        <a16:rowId xmlns="" xmlns:a16="http://schemas.microsoft.com/office/drawing/2014/main" val="2111612218"/>
                       </a:ext>
                     </a:extLst>
                   </a:tr>
@@ -10352,7 +10352,7 @@
                     </a:tc>
                     <a:extLst>
                       <a:ext uri="{0D108BD9-81ED-4DB2-BD59-A6C34878D82A}">
-                        <a16:rowId xmlns:a16="http://schemas.microsoft.com/office/drawing/2014/main" xmlns="" val="1638457691"/>
+                        <a16:rowId xmlns="" xmlns:a16="http://schemas.microsoft.com/office/drawing/2014/main" val="1638457691"/>
                       </a:ext>
                     </a:extLst>
                   </a:tr>
@@ -10800,7 +10800,7 @@
                     </a:tc>
                     <a:extLst>
                       <a:ext uri="{0D108BD9-81ED-4DB2-BD59-A6C34878D82A}">
-                        <a16:rowId xmlns:a16="http://schemas.microsoft.com/office/drawing/2014/main" xmlns="" val="3317433048"/>
+                        <a16:rowId xmlns="" xmlns:a16="http://schemas.microsoft.com/office/drawing/2014/main" val="3317433048"/>
                       </a:ext>
                     </a:extLst>
                   </a:tr>
@@ -11316,7 +11316,7 @@
                     </a:tc>
                     <a:extLst>
                       <a:ext uri="{0D108BD9-81ED-4DB2-BD59-A6C34878D82A}">
-                        <a16:rowId xmlns:a16="http://schemas.microsoft.com/office/drawing/2014/main" xmlns="" val="1150070244"/>
+                        <a16:rowId xmlns="" xmlns:a16="http://schemas.microsoft.com/office/drawing/2014/main" val="1150070244"/>
                       </a:ext>
                     </a:extLst>
                   </a:tr>
@@ -11750,7 +11750,7 @@
                     </a:tc>
                     <a:extLst>
                       <a:ext uri="{0D108BD9-81ED-4DB2-BD59-A6C34878D82A}">
-                        <a16:rowId xmlns:a16="http://schemas.microsoft.com/office/drawing/2014/main" xmlns="" val="1352560717"/>
+                        <a16:rowId xmlns="" xmlns:a16="http://schemas.microsoft.com/office/drawing/2014/main" val="1352560717"/>
                       </a:ext>
                     </a:extLst>
                   </a:tr>
@@ -12267,7 +12267,7 @@
                     </a:tc>
                     <a:extLst>
                       <a:ext uri="{0D108BD9-81ED-4DB2-BD59-A6C34878D82A}">
-                        <a16:rowId xmlns:a16="http://schemas.microsoft.com/office/drawing/2014/main" xmlns="" val="2159292062"/>
+                        <a16:rowId xmlns="" xmlns:a16="http://schemas.microsoft.com/office/drawing/2014/main" val="2159292062"/>
                       </a:ext>
                     </a:extLst>
                   </a:tr>
@@ -12701,7 +12701,7 @@
                     </a:tc>
                     <a:extLst>
                       <a:ext uri="{0D108BD9-81ED-4DB2-BD59-A6C34878D82A}">
-                        <a16:rowId xmlns:a16="http://schemas.microsoft.com/office/drawing/2014/main" xmlns="" val="3057922804"/>
+                        <a16:rowId xmlns="" xmlns:a16="http://schemas.microsoft.com/office/drawing/2014/main" val="3057922804"/>
                       </a:ext>
                     </a:extLst>
                   </a:tr>
@@ -13212,7 +13212,7 @@
                     </a:tc>
                     <a:extLst>
                       <a:ext uri="{0D108BD9-81ED-4DB2-BD59-A6C34878D82A}">
-                        <a16:rowId xmlns:a16="http://schemas.microsoft.com/office/drawing/2014/main" xmlns="" val="861605503"/>
+                        <a16:rowId xmlns="" xmlns:a16="http://schemas.microsoft.com/office/drawing/2014/main" val="861605503"/>
                       </a:ext>
                     </a:extLst>
                   </a:tr>
@@ -13660,7 +13660,7 @@
                     </a:tc>
                     <a:extLst>
                       <a:ext uri="{0D108BD9-81ED-4DB2-BD59-A6C34878D82A}">
-                        <a16:rowId xmlns:a16="http://schemas.microsoft.com/office/drawing/2014/main" xmlns="" val="1158839360"/>
+                        <a16:rowId xmlns="" xmlns:a16="http://schemas.microsoft.com/office/drawing/2014/main" val="1158839360"/>
                       </a:ext>
                     </a:extLst>
                   </a:tr>
@@ -21500,7 +21500,7 @@
           <p:cNvPr id="57" name="Table 56">
             <a:extLst>
               <a:ext uri="{FF2B5EF4-FFF2-40B4-BE49-F238E27FC236}">
-                <a16:creationId xmlns:a16="http://schemas.microsoft.com/office/drawing/2014/main" xmlns="" id="{8B34A129-BE35-458F-B5CF-AF5BE1647015}"/>
+                <a16:creationId xmlns="" xmlns:a16="http://schemas.microsoft.com/office/drawing/2014/main" id="{8B34A129-BE35-458F-B5CF-AF5BE1647015}"/>
               </a:ext>
             </a:extLst>
           </p:cNvPr>
@@ -21529,21 +21529,21 @@
                 <a:gridCol w="2340344">
                   <a:extLst>
                     <a:ext uri="{9D8B030D-6E8A-4147-A177-3AD203B41FA5}">
-                      <a16:colId xmlns:a16="http://schemas.microsoft.com/office/drawing/2014/main" xmlns="" val="2977598269"/>
+                      <a16:colId xmlns="" xmlns:a16="http://schemas.microsoft.com/office/drawing/2014/main" val="2977598269"/>
                     </a:ext>
                   </a:extLst>
                 </a:gridCol>
                 <a:gridCol w="1800265">
                   <a:extLst>
                     <a:ext uri="{9D8B030D-6E8A-4147-A177-3AD203B41FA5}">
-                      <a16:colId xmlns:a16="http://schemas.microsoft.com/office/drawing/2014/main" xmlns="" val="1958273809"/>
+                      <a16:colId xmlns="" xmlns:a16="http://schemas.microsoft.com/office/drawing/2014/main" val="1958273809"/>
                     </a:ext>
                   </a:extLst>
                 </a:gridCol>
                 <a:gridCol w="1800265">
                   <a:extLst>
                     <a:ext uri="{9D8B030D-6E8A-4147-A177-3AD203B41FA5}">
-                      <a16:colId xmlns:a16="http://schemas.microsoft.com/office/drawing/2014/main" xmlns="" val="1797041600"/>
+                      <a16:colId xmlns="" xmlns:a16="http://schemas.microsoft.com/office/drawing/2014/main" val="1797041600"/>
                     </a:ext>
                   </a:extLst>
                 </a:gridCol>
@@ -21746,7 +21746,7 @@
                 </a:tc>
                 <a:extLst>
                   <a:ext uri="{0D108BD9-81ED-4DB2-BD59-A6C34878D82A}">
-                    <a16:rowId xmlns:a16="http://schemas.microsoft.com/office/drawing/2014/main" xmlns="" val="662979093"/>
+                    <a16:rowId xmlns="" xmlns:a16="http://schemas.microsoft.com/office/drawing/2014/main" val="662979093"/>
                   </a:ext>
                 </a:extLst>
               </a:tr>
@@ -21956,7 +21956,7 @@
                 </a:tc>
                 <a:extLst>
                   <a:ext uri="{0D108BD9-81ED-4DB2-BD59-A6C34878D82A}">
-                    <a16:rowId xmlns:a16="http://schemas.microsoft.com/office/drawing/2014/main" xmlns="" val="2925520719"/>
+                    <a16:rowId xmlns="" xmlns:a16="http://schemas.microsoft.com/office/drawing/2014/main" val="2925520719"/>
                   </a:ext>
                 </a:extLst>
               </a:tr>
@@ -22145,7 +22145,7 @@
                 </a:tc>
                 <a:extLst>
                   <a:ext uri="{0D108BD9-81ED-4DB2-BD59-A6C34878D82A}">
-                    <a16:rowId xmlns:a16="http://schemas.microsoft.com/office/drawing/2014/main" xmlns="" val="2124887621"/>
+                    <a16:rowId xmlns="" xmlns:a16="http://schemas.microsoft.com/office/drawing/2014/main" val="2124887621"/>
                   </a:ext>
                 </a:extLst>
               </a:tr>
@@ -22334,7 +22334,7 @@
                 </a:tc>
                 <a:extLst>
                   <a:ext uri="{0D108BD9-81ED-4DB2-BD59-A6C34878D82A}">
-                    <a16:rowId xmlns:a16="http://schemas.microsoft.com/office/drawing/2014/main" xmlns="" val="3021274662"/>
+                    <a16:rowId xmlns="" xmlns:a16="http://schemas.microsoft.com/office/drawing/2014/main" val="3021274662"/>
                   </a:ext>
                 </a:extLst>
               </a:tr>
@@ -22552,7 +22552,7 @@
                 </a:tc>
                 <a:extLst>
                   <a:ext uri="{0D108BD9-81ED-4DB2-BD59-A6C34878D82A}">
-                    <a16:rowId xmlns:a16="http://schemas.microsoft.com/office/drawing/2014/main" xmlns="" val="3319115553"/>
+                    <a16:rowId xmlns="" xmlns:a16="http://schemas.microsoft.com/office/drawing/2014/main" val="3319115553"/>
                   </a:ext>
                 </a:extLst>
               </a:tr>
@@ -22741,7 +22741,7 @@
                 </a:tc>
                 <a:extLst>
                   <a:ext uri="{0D108BD9-81ED-4DB2-BD59-A6C34878D82A}">
-                    <a16:rowId xmlns:a16="http://schemas.microsoft.com/office/drawing/2014/main" xmlns="" val="2189012797"/>
+                    <a16:rowId xmlns="" xmlns:a16="http://schemas.microsoft.com/office/drawing/2014/main" val="2189012797"/>
                   </a:ext>
                 </a:extLst>
               </a:tr>
@@ -22930,7 +22930,7 @@
                 </a:tc>
                 <a:extLst>
                   <a:ext uri="{0D108BD9-81ED-4DB2-BD59-A6C34878D82A}">
-                    <a16:rowId xmlns:a16="http://schemas.microsoft.com/office/drawing/2014/main" xmlns="" val="1799581859"/>
+                    <a16:rowId xmlns="" xmlns:a16="http://schemas.microsoft.com/office/drawing/2014/main" val="1799581859"/>
                   </a:ext>
                 </a:extLst>
               </a:tr>
@@ -22943,7 +22943,7 @@
           <p:cNvPr id="58" name="Group 57">
             <a:extLst>
               <a:ext uri="{FF2B5EF4-FFF2-40B4-BE49-F238E27FC236}">
-                <a16:creationId xmlns:a16="http://schemas.microsoft.com/office/drawing/2014/main" xmlns="" id="{637694B7-B59B-4709-A786-03DE0A339FF9}"/>
+                <a16:creationId xmlns="" xmlns:a16="http://schemas.microsoft.com/office/drawing/2014/main" id="{637694B7-B59B-4709-A786-03DE0A339FF9}"/>
               </a:ext>
             </a:extLst>
           </p:cNvPr>
@@ -22963,7 +22963,7 @@
             <p:cNvPr id="59" name="TextBox 58">
               <a:extLst>
                 <a:ext uri="{FF2B5EF4-FFF2-40B4-BE49-F238E27FC236}">
-                  <a16:creationId xmlns:a16="http://schemas.microsoft.com/office/drawing/2014/main" xmlns="" id="{9AFC47EB-42FA-43B1-B48C-00D6F8E3D06D}"/>
+                  <a16:creationId xmlns="" xmlns:a16="http://schemas.microsoft.com/office/drawing/2014/main" id="{9AFC47EB-42FA-43B1-B48C-00D6F8E3D06D}"/>
                 </a:ext>
               </a:extLst>
             </p:cNvPr>
@@ -23015,7 +23015,7 @@
             <p:cNvPr id="60" name="Group 59">
               <a:extLst>
                 <a:ext uri="{FF2B5EF4-FFF2-40B4-BE49-F238E27FC236}">
-                  <a16:creationId xmlns:a16="http://schemas.microsoft.com/office/drawing/2014/main" xmlns="" id="{ED32B511-0E3E-4DE1-B134-A452408ABAB8}"/>
+                  <a16:creationId xmlns="" xmlns:a16="http://schemas.microsoft.com/office/drawing/2014/main" id="{ED32B511-0E3E-4DE1-B134-A452408ABAB8}"/>
                 </a:ext>
               </a:extLst>
             </p:cNvPr>
@@ -23035,7 +23035,7 @@
               <p:cNvPr id="61" name="Group 60">
                 <a:extLst>
                   <a:ext uri="{FF2B5EF4-FFF2-40B4-BE49-F238E27FC236}">
-                    <a16:creationId xmlns:a16="http://schemas.microsoft.com/office/drawing/2014/main" xmlns="" id="{125B5DCB-4636-445B-A635-238A15DE4132}"/>
+                    <a16:creationId xmlns="" xmlns:a16="http://schemas.microsoft.com/office/drawing/2014/main" id="{125B5DCB-4636-445B-A635-238A15DE4132}"/>
                   </a:ext>
                 </a:extLst>
               </p:cNvPr>
@@ -23055,7 +23055,7 @@
                 <p:cNvPr id="64" name="Picture 63" descr="A close up of a person&#10;&#10;Description automatically generated">
                   <a:extLst>
                     <a:ext uri="{FF2B5EF4-FFF2-40B4-BE49-F238E27FC236}">
-                      <a16:creationId xmlns:a16="http://schemas.microsoft.com/office/drawing/2014/main" xmlns="" id="{81682841-10C6-478C-8E71-C4D5B442C2D4}"/>
+                      <a16:creationId xmlns="" xmlns:a16="http://schemas.microsoft.com/office/drawing/2014/main" id="{81682841-10C6-478C-8E71-C4D5B442C2D4}"/>
                     </a:ext>
                   </a:extLst>
                 </p:cNvPr>
@@ -23091,7 +23091,7 @@
                 <p:cNvPr id="65" name="Picture 64" descr="A close up of a logo&#10;&#10;Description automatically generated">
                   <a:extLst>
                     <a:ext uri="{FF2B5EF4-FFF2-40B4-BE49-F238E27FC236}">
-                      <a16:creationId xmlns:a16="http://schemas.microsoft.com/office/drawing/2014/main" xmlns="" id="{D6B359FB-9A67-42EA-A4D5-41493FC97E4D}"/>
+                      <a16:creationId xmlns="" xmlns:a16="http://schemas.microsoft.com/office/drawing/2014/main" id="{D6B359FB-9A67-42EA-A4D5-41493FC97E4D}"/>
                     </a:ext>
                   </a:extLst>
                 </p:cNvPr>
@@ -23127,7 +23127,7 @@
                 <p:cNvPr id="66" name="Picture 65" descr="A close up of a logo&#10;&#10;Description automatically generated">
                   <a:extLst>
                     <a:ext uri="{FF2B5EF4-FFF2-40B4-BE49-F238E27FC236}">
-                      <a16:creationId xmlns:a16="http://schemas.microsoft.com/office/drawing/2014/main" xmlns="" id="{F7B74625-E64F-42CD-A757-795B53D0C962}"/>
+                      <a16:creationId xmlns="" xmlns:a16="http://schemas.microsoft.com/office/drawing/2014/main" id="{F7B74625-E64F-42CD-A757-795B53D0C962}"/>
                     </a:ext>
                   </a:extLst>
                 </p:cNvPr>
@@ -23163,7 +23163,7 @@
                 <p:cNvPr id="67" name="TextBox 66">
                   <a:extLst>
                     <a:ext uri="{FF2B5EF4-FFF2-40B4-BE49-F238E27FC236}">
-                      <a16:creationId xmlns:a16="http://schemas.microsoft.com/office/drawing/2014/main" xmlns="" id="{3DDD1541-8047-44BB-9199-9795894A96C2}"/>
+                      <a16:creationId xmlns="" xmlns:a16="http://schemas.microsoft.com/office/drawing/2014/main" id="{3DDD1541-8047-44BB-9199-9795894A96C2}"/>
                     </a:ext>
                   </a:extLst>
                 </p:cNvPr>
@@ -23199,7 +23199,7 @@
                 <p:cNvPr id="68" name="TextBox 67">
                   <a:extLst>
                     <a:ext uri="{FF2B5EF4-FFF2-40B4-BE49-F238E27FC236}">
-                      <a16:creationId xmlns:a16="http://schemas.microsoft.com/office/drawing/2014/main" xmlns="" id="{D2C6FFDE-1D92-4368-9EE1-96CB4B026C9A}"/>
+                      <a16:creationId xmlns="" xmlns:a16="http://schemas.microsoft.com/office/drawing/2014/main" id="{D2C6FFDE-1D92-4368-9EE1-96CB4B026C9A}"/>
                     </a:ext>
                   </a:extLst>
                 </p:cNvPr>
@@ -23235,7 +23235,7 @@
                 <p:cNvPr id="69" name="TextBox 68">
                   <a:extLst>
                     <a:ext uri="{FF2B5EF4-FFF2-40B4-BE49-F238E27FC236}">
-                      <a16:creationId xmlns:a16="http://schemas.microsoft.com/office/drawing/2014/main" xmlns="" id="{91FA1A4A-799D-4C1C-B711-221B958168CA}"/>
+                      <a16:creationId xmlns="" xmlns:a16="http://schemas.microsoft.com/office/drawing/2014/main" id="{91FA1A4A-799D-4C1C-B711-221B958168CA}"/>
                     </a:ext>
                   </a:extLst>
                 </p:cNvPr>
@@ -23275,7 +23275,7 @@
                 <p:cNvPr id="70" name="TextBox 69">
                   <a:extLst>
                     <a:ext uri="{FF2B5EF4-FFF2-40B4-BE49-F238E27FC236}">
-                      <a16:creationId xmlns:a16="http://schemas.microsoft.com/office/drawing/2014/main" xmlns="" id="{75333DDE-85A8-4F7A-AB5E-D95541C8839B}"/>
+                      <a16:creationId xmlns="" xmlns:a16="http://schemas.microsoft.com/office/drawing/2014/main" id="{75333DDE-85A8-4F7A-AB5E-D95541C8839B}"/>
                     </a:ext>
                   </a:extLst>
                 </p:cNvPr>
@@ -23315,7 +23315,7 @@
                 <p:cNvPr id="71" name="TextBox 70">
                   <a:extLst>
                     <a:ext uri="{FF2B5EF4-FFF2-40B4-BE49-F238E27FC236}">
-                      <a16:creationId xmlns:a16="http://schemas.microsoft.com/office/drawing/2014/main" xmlns="" id="{BC69923F-D19A-46C6-98D4-0A7872704C55}"/>
+                      <a16:creationId xmlns="" xmlns:a16="http://schemas.microsoft.com/office/drawing/2014/main" id="{BC69923F-D19A-46C6-98D4-0A7872704C55}"/>
                     </a:ext>
                   </a:extLst>
                 </p:cNvPr>
@@ -23356,7 +23356,7 @@
               <p:cNvPr id="62" name="TextBox 61">
                 <a:extLst>
                   <a:ext uri="{FF2B5EF4-FFF2-40B4-BE49-F238E27FC236}">
-                    <a16:creationId xmlns:a16="http://schemas.microsoft.com/office/drawing/2014/main" xmlns="" id="{C52B1F06-4451-433B-937C-57BBD07EF5D0}"/>
+                    <a16:creationId xmlns="" xmlns:a16="http://schemas.microsoft.com/office/drawing/2014/main" id="{C52B1F06-4451-433B-937C-57BBD07EF5D0}"/>
                   </a:ext>
                 </a:extLst>
               </p:cNvPr>
@@ -23413,7 +23413,7 @@
               <p:cNvPr id="63" name="TextBox 62">
                 <a:extLst>
                   <a:ext uri="{FF2B5EF4-FFF2-40B4-BE49-F238E27FC236}">
-                    <a16:creationId xmlns:a16="http://schemas.microsoft.com/office/drawing/2014/main" xmlns="" id="{33AFBAEF-7695-476D-981C-61694EFA6AE1}"/>
+                    <a16:creationId xmlns="" xmlns:a16="http://schemas.microsoft.com/office/drawing/2014/main" id="{33AFBAEF-7695-476D-981C-61694EFA6AE1}"/>
                   </a:ext>
                 </a:extLst>
               </p:cNvPr>
@@ -23472,7 +23472,7 @@
           <p:cNvPr id="72" name="Group 71">
             <a:extLst>
               <a:ext uri="{FF2B5EF4-FFF2-40B4-BE49-F238E27FC236}">
-                <a16:creationId xmlns:a16="http://schemas.microsoft.com/office/drawing/2014/main" xmlns="" id="{62AC035D-436E-41C1-B871-8391C604BDB0}"/>
+                <a16:creationId xmlns="" xmlns:a16="http://schemas.microsoft.com/office/drawing/2014/main" id="{62AC035D-436E-41C1-B871-8391C604BDB0}"/>
               </a:ext>
             </a:extLst>
           </p:cNvPr>
@@ -23492,7 +23492,7 @@
             <p:cNvPr id="73" name="Group 72">
               <a:extLst>
                 <a:ext uri="{FF2B5EF4-FFF2-40B4-BE49-F238E27FC236}">
-                  <a16:creationId xmlns:a16="http://schemas.microsoft.com/office/drawing/2014/main" xmlns="" id="{A69FAACF-ABA8-43EA-B200-A749581D5FFA}"/>
+                  <a16:creationId xmlns="" xmlns:a16="http://schemas.microsoft.com/office/drawing/2014/main" id="{A69FAACF-ABA8-43EA-B200-A749581D5FFA}"/>
                 </a:ext>
               </a:extLst>
             </p:cNvPr>
@@ -23512,7 +23512,7 @@
               <p:cNvPr id="79" name="TextBox 78">
                 <a:extLst>
                   <a:ext uri="{FF2B5EF4-FFF2-40B4-BE49-F238E27FC236}">
-                    <a16:creationId xmlns:a16="http://schemas.microsoft.com/office/drawing/2014/main" xmlns="" id="{C916F37C-FEE4-420B-AE8A-7CA4F54B8DED}"/>
+                    <a16:creationId xmlns="" xmlns:a16="http://schemas.microsoft.com/office/drawing/2014/main" id="{C916F37C-FEE4-420B-AE8A-7CA4F54B8DED}"/>
                   </a:ext>
                 </a:extLst>
               </p:cNvPr>
@@ -23557,7 +23557,7 @@
               <p:cNvPr id="80" name="Group 79">
                 <a:extLst>
                   <a:ext uri="{FF2B5EF4-FFF2-40B4-BE49-F238E27FC236}">
-                    <a16:creationId xmlns:a16="http://schemas.microsoft.com/office/drawing/2014/main" xmlns="" id="{8245CA0B-71BC-476F-B724-07C1A7884AB8}"/>
+                    <a16:creationId xmlns="" xmlns:a16="http://schemas.microsoft.com/office/drawing/2014/main" id="{8245CA0B-71BC-476F-B724-07C1A7884AB8}"/>
                   </a:ext>
                 </a:extLst>
               </p:cNvPr>
@@ -23577,7 +23577,7 @@
                 <p:cNvPr id="81" name="Picture 80">
                   <a:extLst>
                     <a:ext uri="{FF2B5EF4-FFF2-40B4-BE49-F238E27FC236}">
-                      <a16:creationId xmlns:a16="http://schemas.microsoft.com/office/drawing/2014/main" xmlns="" id="{2EF5CCF5-AAD4-4B46-ABEB-DD8C5E367C82}"/>
+                      <a16:creationId xmlns="" xmlns:a16="http://schemas.microsoft.com/office/drawing/2014/main" id="{2EF5CCF5-AAD4-4B46-ABEB-DD8C5E367C82}"/>
                     </a:ext>
                   </a:extLst>
                 </p:cNvPr>
@@ -23621,7 +23621,7 @@
                 <p:cNvPr id="82" name="Picture 81">
                   <a:extLst>
                     <a:ext uri="{FF2B5EF4-FFF2-40B4-BE49-F238E27FC236}">
-                      <a16:creationId xmlns:a16="http://schemas.microsoft.com/office/drawing/2014/main" xmlns="" id="{A5C44788-A675-4567-8E8D-B6D1147623DC}"/>
+                      <a16:creationId xmlns="" xmlns:a16="http://schemas.microsoft.com/office/drawing/2014/main" id="{A5C44788-A675-4567-8E8D-B6D1147623DC}"/>
                     </a:ext>
                   </a:extLst>
                 </p:cNvPr>
@@ -23665,7 +23665,7 @@
                 <p:cNvPr id="83" name="Picture 82">
                   <a:extLst>
                     <a:ext uri="{FF2B5EF4-FFF2-40B4-BE49-F238E27FC236}">
-                      <a16:creationId xmlns:a16="http://schemas.microsoft.com/office/drawing/2014/main" xmlns="" id="{36D592D0-3739-47AF-9271-C5BDC31C8A94}"/>
+                      <a16:creationId xmlns="" xmlns:a16="http://schemas.microsoft.com/office/drawing/2014/main" id="{36D592D0-3739-47AF-9271-C5BDC31C8A94}"/>
                     </a:ext>
                   </a:extLst>
                 </p:cNvPr>
@@ -23709,7 +23709,7 @@
                 <p:cNvPr id="84" name="TextBox 83">
                   <a:extLst>
                     <a:ext uri="{FF2B5EF4-FFF2-40B4-BE49-F238E27FC236}">
-                      <a16:creationId xmlns:a16="http://schemas.microsoft.com/office/drawing/2014/main" xmlns="" id="{8C9D5431-47C9-446E-8E17-F2D21D9E0F4E}"/>
+                      <a16:creationId xmlns="" xmlns:a16="http://schemas.microsoft.com/office/drawing/2014/main" id="{8C9D5431-47C9-446E-8E17-F2D21D9E0F4E}"/>
                     </a:ext>
                   </a:extLst>
                 </p:cNvPr>
@@ -23745,7 +23745,7 @@
                 <p:cNvPr id="85" name="TextBox 84">
                   <a:extLst>
                     <a:ext uri="{FF2B5EF4-FFF2-40B4-BE49-F238E27FC236}">
-                      <a16:creationId xmlns:a16="http://schemas.microsoft.com/office/drawing/2014/main" xmlns="" id="{C08A810E-0F9F-4B99-916F-CEC853B93B2E}"/>
+                      <a16:creationId xmlns="" xmlns:a16="http://schemas.microsoft.com/office/drawing/2014/main" id="{C08A810E-0F9F-4B99-916F-CEC853B93B2E}"/>
                     </a:ext>
                   </a:extLst>
                 </p:cNvPr>
@@ -23783,7 +23783,7 @@
             <p:cNvPr id="74" name="TextBox 73">
               <a:extLst>
                 <a:ext uri="{FF2B5EF4-FFF2-40B4-BE49-F238E27FC236}">
-                  <a16:creationId xmlns:a16="http://schemas.microsoft.com/office/drawing/2014/main" xmlns="" id="{8783E3E6-8DA0-4B43-8796-87BCCF6FDC3C}"/>
+                  <a16:creationId xmlns="" xmlns:a16="http://schemas.microsoft.com/office/drawing/2014/main" id="{8783E3E6-8DA0-4B43-8796-87BCCF6FDC3C}"/>
                 </a:ext>
               </a:extLst>
             </p:cNvPr>
@@ -23823,7 +23823,7 @@
             <p:cNvPr id="75" name="TextBox 74">
               <a:extLst>
                 <a:ext uri="{FF2B5EF4-FFF2-40B4-BE49-F238E27FC236}">
-                  <a16:creationId xmlns:a16="http://schemas.microsoft.com/office/drawing/2014/main" xmlns="" id="{E6E73A88-46EA-4CE7-9A89-D02616A68D39}"/>
+                  <a16:creationId xmlns="" xmlns:a16="http://schemas.microsoft.com/office/drawing/2014/main" id="{E6E73A88-46EA-4CE7-9A89-D02616A68D39}"/>
                 </a:ext>
               </a:extLst>
             </p:cNvPr>
@@ -23863,7 +23863,7 @@
             <p:cNvPr id="76" name="TextBox 75">
               <a:extLst>
                 <a:ext uri="{FF2B5EF4-FFF2-40B4-BE49-F238E27FC236}">
-                  <a16:creationId xmlns:a16="http://schemas.microsoft.com/office/drawing/2014/main" xmlns="" id="{E94ECADF-7BEE-4462-9B64-71E30E31F5F8}"/>
+                  <a16:creationId xmlns="" xmlns:a16="http://schemas.microsoft.com/office/drawing/2014/main" id="{E94ECADF-7BEE-4462-9B64-71E30E31F5F8}"/>
                 </a:ext>
               </a:extLst>
             </p:cNvPr>
@@ -23903,7 +23903,7 @@
             <p:cNvPr id="77" name="TextBox 76">
               <a:extLst>
                 <a:ext uri="{FF2B5EF4-FFF2-40B4-BE49-F238E27FC236}">
-                  <a16:creationId xmlns:a16="http://schemas.microsoft.com/office/drawing/2014/main" xmlns="" id="{1BEBFB0E-1131-4431-A1CB-0C5AB8076F74}"/>
+                  <a16:creationId xmlns="" xmlns:a16="http://schemas.microsoft.com/office/drawing/2014/main" id="{1BEBFB0E-1131-4431-A1CB-0C5AB8076F74}"/>
                 </a:ext>
               </a:extLst>
             </p:cNvPr>
@@ -23943,7 +23943,7 @@
             <p:cNvPr id="78" name="TextBox 77">
               <a:extLst>
                 <a:ext uri="{FF2B5EF4-FFF2-40B4-BE49-F238E27FC236}">
-                  <a16:creationId xmlns:a16="http://schemas.microsoft.com/office/drawing/2014/main" xmlns="" id="{0247A0ED-9373-4A7C-B2A7-CF82E9F82D9D}"/>
+                  <a16:creationId xmlns="" xmlns:a16="http://schemas.microsoft.com/office/drawing/2014/main" id="{0247A0ED-9373-4A7C-B2A7-CF82E9F82D9D}"/>
                 </a:ext>
               </a:extLst>
             </p:cNvPr>
@@ -23984,7 +23984,7 @@
           <p:cNvPr id="86" name="Group 85">
             <a:extLst>
               <a:ext uri="{FF2B5EF4-FFF2-40B4-BE49-F238E27FC236}">
-                <a16:creationId xmlns:a16="http://schemas.microsoft.com/office/drawing/2014/main" xmlns="" id="{77345A03-AF8A-4091-BFC4-B48BFBAC4FC3}"/>
+                <a16:creationId xmlns="" xmlns:a16="http://schemas.microsoft.com/office/drawing/2014/main" id="{77345A03-AF8A-4091-BFC4-B48BFBAC4FC3}"/>
               </a:ext>
             </a:extLst>
           </p:cNvPr>
@@ -24004,7 +24004,7 @@
             <p:cNvPr id="87" name="Group 86">
               <a:extLst>
                 <a:ext uri="{FF2B5EF4-FFF2-40B4-BE49-F238E27FC236}">
-                  <a16:creationId xmlns:a16="http://schemas.microsoft.com/office/drawing/2014/main" xmlns="" id="{96BB160D-7952-462E-8AB7-F23EFCD94AB7}"/>
+                  <a16:creationId xmlns="" xmlns:a16="http://schemas.microsoft.com/office/drawing/2014/main" id="{96BB160D-7952-462E-8AB7-F23EFCD94AB7}"/>
                 </a:ext>
               </a:extLst>
             </p:cNvPr>
@@ -24024,7 +24024,7 @@
               <p:cNvPr id="91" name="Group 90">
                 <a:extLst>
                   <a:ext uri="{FF2B5EF4-FFF2-40B4-BE49-F238E27FC236}">
-                    <a16:creationId xmlns:a16="http://schemas.microsoft.com/office/drawing/2014/main" xmlns="" id="{D877ED0F-2157-4E59-BE17-9E02CDA5B4FB}"/>
+                    <a16:creationId xmlns="" xmlns:a16="http://schemas.microsoft.com/office/drawing/2014/main" id="{D877ED0F-2157-4E59-BE17-9E02CDA5B4FB}"/>
                   </a:ext>
                 </a:extLst>
               </p:cNvPr>
@@ -24044,7 +24044,7 @@
                 <p:cNvPr id="93" name="TextBox 92">
                   <a:extLst>
                     <a:ext uri="{FF2B5EF4-FFF2-40B4-BE49-F238E27FC236}">
-                      <a16:creationId xmlns:a16="http://schemas.microsoft.com/office/drawing/2014/main" xmlns="" id="{E0F126E1-DD37-4C09-9297-4337CA2A2036}"/>
+                      <a16:creationId xmlns="" xmlns:a16="http://schemas.microsoft.com/office/drawing/2014/main" id="{E0F126E1-DD37-4C09-9297-4337CA2A2036}"/>
                     </a:ext>
                   </a:extLst>
                 </p:cNvPr>
@@ -24089,7 +24089,7 @@
                 <p:cNvPr id="94" name="Group 93">
                   <a:extLst>
                     <a:ext uri="{FF2B5EF4-FFF2-40B4-BE49-F238E27FC236}">
-                      <a16:creationId xmlns:a16="http://schemas.microsoft.com/office/drawing/2014/main" xmlns="" id="{B3828EFC-7000-46BF-BD2A-1FC171B21C1C}"/>
+                      <a16:creationId xmlns="" xmlns:a16="http://schemas.microsoft.com/office/drawing/2014/main" id="{B3828EFC-7000-46BF-BD2A-1FC171B21C1C}"/>
                     </a:ext>
                   </a:extLst>
                 </p:cNvPr>
@@ -24109,7 +24109,7 @@
                   <p:cNvPr id="95" name="Group 94">
                     <a:extLst>
                       <a:ext uri="{FF2B5EF4-FFF2-40B4-BE49-F238E27FC236}">
-                        <a16:creationId xmlns:a16="http://schemas.microsoft.com/office/drawing/2014/main" xmlns="" id="{A59C9991-9736-408F-A168-BFB599E667AC}"/>
+                        <a16:creationId xmlns="" xmlns:a16="http://schemas.microsoft.com/office/drawing/2014/main" id="{A59C9991-9736-408F-A168-BFB599E667AC}"/>
                       </a:ext>
                     </a:extLst>
                   </p:cNvPr>
@@ -24129,7 +24129,7 @@
                     <p:cNvPr id="97" name="Group 96">
                       <a:extLst>
                         <a:ext uri="{FF2B5EF4-FFF2-40B4-BE49-F238E27FC236}">
-                          <a16:creationId xmlns:a16="http://schemas.microsoft.com/office/drawing/2014/main" xmlns="" id="{DC5EF675-B421-4463-9738-25F436D61089}"/>
+                          <a16:creationId xmlns="" xmlns:a16="http://schemas.microsoft.com/office/drawing/2014/main" id="{DC5EF675-B421-4463-9738-25F436D61089}"/>
                         </a:ext>
                       </a:extLst>
                     </p:cNvPr>
@@ -24149,7 +24149,7 @@
                       <p:cNvPr id="101" name="Picture 100" descr="A close up of a device&#10;&#10;Description automatically generated">
                         <a:extLst>
                           <a:ext uri="{FF2B5EF4-FFF2-40B4-BE49-F238E27FC236}">
-                            <a16:creationId xmlns:a16="http://schemas.microsoft.com/office/drawing/2014/main" xmlns="" id="{3B7195B5-32C1-4328-86E8-011BFABB93A6}"/>
+                            <a16:creationId xmlns="" xmlns:a16="http://schemas.microsoft.com/office/drawing/2014/main" id="{3B7195B5-32C1-4328-86E8-011BFABB93A6}"/>
                           </a:ext>
                         </a:extLst>
                       </p:cNvPr>
@@ -24185,7 +24185,7 @@
                       <p:cNvPr id="102" name="Picture 101">
                         <a:extLst>
                           <a:ext uri="{FF2B5EF4-FFF2-40B4-BE49-F238E27FC236}">
-                            <a16:creationId xmlns:a16="http://schemas.microsoft.com/office/drawing/2014/main" xmlns="" id="{7E459366-728A-45AF-B85E-046A28505D58}"/>
+                            <a16:creationId xmlns="" xmlns:a16="http://schemas.microsoft.com/office/drawing/2014/main" id="{7E459366-728A-45AF-B85E-046A28505D58}"/>
                           </a:ext>
                         </a:extLst>
                       </p:cNvPr>
@@ -24222,7 +24222,7 @@
                     <p:cNvPr id="98" name="Picture 97" descr="A close up of a device&#10;&#10;Description automatically generated">
                       <a:extLst>
                         <a:ext uri="{FF2B5EF4-FFF2-40B4-BE49-F238E27FC236}">
-                          <a16:creationId xmlns:a16="http://schemas.microsoft.com/office/drawing/2014/main" xmlns="" id="{E24AD8BE-4DE1-4538-9331-4E3990B50345}"/>
+                          <a16:creationId xmlns="" xmlns:a16="http://schemas.microsoft.com/office/drawing/2014/main" id="{E24AD8BE-4DE1-4538-9331-4E3990B50345}"/>
                         </a:ext>
                       </a:extLst>
                     </p:cNvPr>
@@ -24257,7 +24257,7 @@
                     <p:cNvPr id="99" name="Picture 98" descr="A picture containing crossword puzzle, text, black, floor&#10;&#10;Description automatically generated">
                       <a:extLst>
                         <a:ext uri="{FF2B5EF4-FFF2-40B4-BE49-F238E27FC236}">
-                          <a16:creationId xmlns:a16="http://schemas.microsoft.com/office/drawing/2014/main" xmlns="" id="{C80C5476-8CCA-486C-90D3-FA0B1C5D7683}"/>
+                          <a16:creationId xmlns="" xmlns:a16="http://schemas.microsoft.com/office/drawing/2014/main" id="{C80C5476-8CCA-486C-90D3-FA0B1C5D7683}"/>
                         </a:ext>
                       </a:extLst>
                     </p:cNvPr>
@@ -24293,7 +24293,7 @@
                     <p:cNvPr id="100" name="Picture 99">
                       <a:extLst>
                         <a:ext uri="{FF2B5EF4-FFF2-40B4-BE49-F238E27FC236}">
-                          <a16:creationId xmlns:a16="http://schemas.microsoft.com/office/drawing/2014/main" xmlns="" id="{7B2482F8-8B5C-4925-B39C-C0974E45A424}"/>
+                          <a16:creationId xmlns="" xmlns:a16="http://schemas.microsoft.com/office/drawing/2014/main" id="{7B2482F8-8B5C-4925-B39C-C0974E45A424}"/>
                         </a:ext>
                       </a:extLst>
                     </p:cNvPr>
@@ -24330,7 +24330,7 @@
                   <p:cNvPr id="96" name="Rectangle: Rounded Corners 97">
                     <a:extLst>
                       <a:ext uri="{FF2B5EF4-FFF2-40B4-BE49-F238E27FC236}">
-                        <a16:creationId xmlns:a16="http://schemas.microsoft.com/office/drawing/2014/main" xmlns="" id="{7082610D-6AD0-4B72-8799-8EF096B5C63B}"/>
+                        <a16:creationId xmlns="" xmlns:a16="http://schemas.microsoft.com/office/drawing/2014/main" id="{7082610D-6AD0-4B72-8799-8EF096B5C63B}"/>
                       </a:ext>
                     </a:extLst>
                   </p:cNvPr>
@@ -24384,7 +24384,7 @@
               <p:cNvPr id="92" name="Speech Bubble: Oval 187">
                 <a:extLst>
                   <a:ext uri="{FF2B5EF4-FFF2-40B4-BE49-F238E27FC236}">
-                    <a16:creationId xmlns:a16="http://schemas.microsoft.com/office/drawing/2014/main" xmlns="" id="{078F6DC7-CB18-4D83-B6C3-E52851F35E01}"/>
+                    <a16:creationId xmlns="" xmlns:a16="http://schemas.microsoft.com/office/drawing/2014/main" id="{078F6DC7-CB18-4D83-B6C3-E52851F35E01}"/>
                   </a:ext>
                 </a:extLst>
               </p:cNvPr>
@@ -24447,7 +24447,7 @@
             <p:cNvPr id="88" name="Straight Arrow Connector 87">
               <a:extLst>
                 <a:ext uri="{FF2B5EF4-FFF2-40B4-BE49-F238E27FC236}">
-                  <a16:creationId xmlns:a16="http://schemas.microsoft.com/office/drawing/2014/main" xmlns="" id="{1338B41E-BE41-4E7F-AB5D-DBDF1AC91A9C}"/>
+                  <a16:creationId xmlns="" xmlns:a16="http://schemas.microsoft.com/office/drawing/2014/main" id="{1338B41E-BE41-4E7F-AB5D-DBDF1AC91A9C}"/>
                 </a:ext>
               </a:extLst>
             </p:cNvPr>
@@ -24489,7 +24489,7 @@
             <p:cNvPr id="89" name="Straight Arrow Connector 88">
               <a:extLst>
                 <a:ext uri="{FF2B5EF4-FFF2-40B4-BE49-F238E27FC236}">
-                  <a16:creationId xmlns:a16="http://schemas.microsoft.com/office/drawing/2014/main" xmlns="" id="{138E9ACB-E391-4CA5-9E66-988BB55833A3}"/>
+                  <a16:creationId xmlns="" xmlns:a16="http://schemas.microsoft.com/office/drawing/2014/main" id="{138E9ACB-E391-4CA5-9E66-988BB55833A3}"/>
                 </a:ext>
               </a:extLst>
             </p:cNvPr>
@@ -24531,7 +24531,7 @@
             <p:cNvPr id="90" name="Straight Arrow Connector 89">
               <a:extLst>
                 <a:ext uri="{FF2B5EF4-FFF2-40B4-BE49-F238E27FC236}">
-                  <a16:creationId xmlns:a16="http://schemas.microsoft.com/office/drawing/2014/main" xmlns="" id="{2C7BE932-3BC3-4A8A-9590-5CF30E25BF8F}"/>
+                  <a16:creationId xmlns="" xmlns:a16="http://schemas.microsoft.com/office/drawing/2014/main" id="{2C7BE932-3BC3-4A8A-9590-5CF30E25BF8F}"/>
                 </a:ext>
               </a:extLst>
             </p:cNvPr>
@@ -24913,7 +24913,7 @@
   <a:extraClrSchemeLst/>
   <a:extLst>
     <a:ext uri="{05A4C25C-085E-4340-85A3-A5531E510DB2}">
-      <thm15:themeFamily xmlns:thm15="http://schemas.microsoft.com/office/thememl/2012/main" xmlns="" name="Office Theme" id="{62F939B6-93AF-4DB8-9C6B-D6C7DFDC589F}" vid="{4A3C46E8-61CC-4603-A589-7422A47A8E4A}"/>
+      <thm15:themeFamily xmlns="" xmlns:thm15="http://schemas.microsoft.com/office/thememl/2012/main" name="Office Theme" id="{62F939B6-93AF-4DB8-9C6B-D6C7DFDC589F}" vid="{4A3C46E8-61CC-4603-A589-7422A47A8E4A}"/>
     </a:ext>
   </a:extLst>
 </a:theme>

--- a/poster-their-logo.pptx
+++ b/poster-their-logo.pptx
@@ -106,7 +106,7 @@
   </p:defaultTextStyle>
   <p:extLst>
     <p:ext uri="{EFAFB233-063F-42B5-8137-9DF3F51BA10A}">
-      <p15:sldGuideLst xmlns="" xmlns:p15="http://schemas.microsoft.com/office/powerpoint/2012/main">
+      <p15:sldGuideLst xmlns:p15="http://schemas.microsoft.com/office/powerpoint/2012/main" xmlns="">
         <p15:guide id="1" orient="horz" pos="13606">
           <p15:clr>
             <a:srgbClr val="A4A3A4"/>
@@ -3023,7 +3023,7 @@
           <p:cNvPr id="5" name="TextBox 4">
             <a:extLst>
               <a:ext uri="{FF2B5EF4-FFF2-40B4-BE49-F238E27FC236}">
-                <a16:creationId xmlns="" xmlns:a16="http://schemas.microsoft.com/office/drawing/2014/main" id="{21C35AA9-4CC2-4426-A6E4-1B8D70582002}"/>
+                <a16:creationId xmlns:a16="http://schemas.microsoft.com/office/drawing/2014/main" xmlns="" id="{21C35AA9-4CC2-4426-A6E4-1B8D70582002}"/>
               </a:ext>
             </a:extLst>
           </p:cNvPr>
@@ -3075,7 +3075,7 @@
           <p:cNvPr id="6" name="Group 5">
             <a:extLst>
               <a:ext uri="{FF2B5EF4-FFF2-40B4-BE49-F238E27FC236}">
-                <a16:creationId xmlns="" xmlns:a16="http://schemas.microsoft.com/office/drawing/2014/main" id="{BCEB0613-7A4B-4017-B08D-16B2F3CF6257}"/>
+                <a16:creationId xmlns:a16="http://schemas.microsoft.com/office/drawing/2014/main" xmlns="" id="{BCEB0613-7A4B-4017-B08D-16B2F3CF6257}"/>
               </a:ext>
             </a:extLst>
           </p:cNvPr>
@@ -3097,7 +3097,7 @@
             <p:cNvPr id="7" name="תיבת טקסט 18">
               <a:extLst>
                 <a:ext uri="{FF2B5EF4-FFF2-40B4-BE49-F238E27FC236}">
-                  <a16:creationId xmlns="" xmlns:a16="http://schemas.microsoft.com/office/drawing/2014/main" id="{16681B08-B5BB-4072-8771-E8321F8CFC99}"/>
+                  <a16:creationId xmlns:a16="http://schemas.microsoft.com/office/drawing/2014/main" xmlns="" id="{16681B08-B5BB-4072-8771-E8321F8CFC99}"/>
                 </a:ext>
               </a:extLst>
             </p:cNvPr>
@@ -3190,7 +3190,7 @@
             <p:cNvPr id="8" name="Text Box 24">
               <a:extLst>
                 <a:ext uri="{FF2B5EF4-FFF2-40B4-BE49-F238E27FC236}">
-                  <a16:creationId xmlns="" xmlns:a16="http://schemas.microsoft.com/office/drawing/2014/main" id="{381F52DF-4A25-4DD5-9D0F-C809759D92B7}"/>
+                  <a16:creationId xmlns:a16="http://schemas.microsoft.com/office/drawing/2014/main" xmlns="" id="{381F52DF-4A25-4DD5-9D0F-C809759D92B7}"/>
                 </a:ext>
               </a:extLst>
             </p:cNvPr>
@@ -3250,7 +3250,7 @@
           <p:cNvPr id="9" name="Group 8">
             <a:extLst>
               <a:ext uri="{FF2B5EF4-FFF2-40B4-BE49-F238E27FC236}">
-                <a16:creationId xmlns="" xmlns:a16="http://schemas.microsoft.com/office/drawing/2014/main" id="{213AB796-6D44-478C-94D2-A45B981805E4}"/>
+                <a16:creationId xmlns:a16="http://schemas.microsoft.com/office/drawing/2014/main" xmlns="" id="{213AB796-6D44-478C-94D2-A45B981805E4}"/>
               </a:ext>
             </a:extLst>
           </p:cNvPr>
@@ -3270,7 +3270,7 @@
             <p:cNvPr id="10" name="תיבת טקסט 18">
               <a:extLst>
                 <a:ext uri="{FF2B5EF4-FFF2-40B4-BE49-F238E27FC236}">
-                  <a16:creationId xmlns="" xmlns:a16="http://schemas.microsoft.com/office/drawing/2014/main" id="{5829F93E-C6BE-4714-B2D5-973472A44C1D}"/>
+                  <a16:creationId xmlns:a16="http://schemas.microsoft.com/office/drawing/2014/main" xmlns="" id="{5829F93E-C6BE-4714-B2D5-973472A44C1D}"/>
                 </a:ext>
               </a:extLst>
             </p:cNvPr>
@@ -3348,7 +3348,7 @@
             <p:cNvPr id="11" name="Text Box 24">
               <a:extLst>
                 <a:ext uri="{FF2B5EF4-FFF2-40B4-BE49-F238E27FC236}">
-                  <a16:creationId xmlns="" xmlns:a16="http://schemas.microsoft.com/office/drawing/2014/main" id="{61B4D10A-7422-45CD-A48E-E673CACB8BE8}"/>
+                  <a16:creationId xmlns:a16="http://schemas.microsoft.com/office/drawing/2014/main" xmlns="" id="{61B4D10A-7422-45CD-A48E-E673CACB8BE8}"/>
                 </a:ext>
               </a:extLst>
             </p:cNvPr>
@@ -3408,7 +3408,7 @@
           <p:cNvPr id="12" name="Group 11">
             <a:extLst>
               <a:ext uri="{FF2B5EF4-FFF2-40B4-BE49-F238E27FC236}">
-                <a16:creationId xmlns="" xmlns:a16="http://schemas.microsoft.com/office/drawing/2014/main" id="{EEA89EBD-FDDE-48A6-8855-66923377C367}"/>
+                <a16:creationId xmlns:a16="http://schemas.microsoft.com/office/drawing/2014/main" xmlns="" id="{EEA89EBD-FDDE-48A6-8855-66923377C367}"/>
               </a:ext>
             </a:extLst>
           </p:cNvPr>
@@ -3428,7 +3428,7 @@
             <p:cNvPr id="13" name="תיבת טקסט 18">
               <a:extLst>
                 <a:ext uri="{FF2B5EF4-FFF2-40B4-BE49-F238E27FC236}">
-                  <a16:creationId xmlns="" xmlns:a16="http://schemas.microsoft.com/office/drawing/2014/main" id="{EFAD3A93-6265-4D90-B121-E7210ACAD82E}"/>
+                  <a16:creationId xmlns:a16="http://schemas.microsoft.com/office/drawing/2014/main" xmlns="" id="{EFAD3A93-6265-4D90-B121-E7210ACAD82E}"/>
                 </a:ext>
               </a:extLst>
             </p:cNvPr>
@@ -3471,7 +3471,7 @@
             <p:cNvPr id="14" name="Text Box 24">
               <a:extLst>
                 <a:ext uri="{FF2B5EF4-FFF2-40B4-BE49-F238E27FC236}">
-                  <a16:creationId xmlns="" xmlns:a16="http://schemas.microsoft.com/office/drawing/2014/main" id="{2D0005CC-35A2-4D6D-ABF5-9D776BB2B284}"/>
+                  <a16:creationId xmlns:a16="http://schemas.microsoft.com/office/drawing/2014/main" xmlns="" id="{2D0005CC-35A2-4D6D-ABF5-9D776BB2B284}"/>
                 </a:ext>
               </a:extLst>
             </p:cNvPr>
@@ -3531,7 +3531,7 @@
           <p:cNvPr id="15" name="Group 14">
             <a:extLst>
               <a:ext uri="{FF2B5EF4-FFF2-40B4-BE49-F238E27FC236}">
-                <a16:creationId xmlns="" xmlns:a16="http://schemas.microsoft.com/office/drawing/2014/main" id="{86DF5ED0-1140-4DE6-9986-617C295E9972}"/>
+                <a16:creationId xmlns:a16="http://schemas.microsoft.com/office/drawing/2014/main" xmlns="" id="{86DF5ED0-1140-4DE6-9986-617C295E9972}"/>
               </a:ext>
             </a:extLst>
           </p:cNvPr>
@@ -3551,7 +3551,7 @@
             <p:cNvPr id="16" name="תיבת טקסט 18">
               <a:extLst>
                 <a:ext uri="{FF2B5EF4-FFF2-40B4-BE49-F238E27FC236}">
-                  <a16:creationId xmlns="" xmlns:a16="http://schemas.microsoft.com/office/drawing/2014/main" id="{7231FC04-FE29-41A3-A56A-F24A16325C5E}"/>
+                  <a16:creationId xmlns:a16="http://schemas.microsoft.com/office/drawing/2014/main" xmlns="" id="{7231FC04-FE29-41A3-A56A-F24A16325C5E}"/>
                 </a:ext>
               </a:extLst>
             </p:cNvPr>
@@ -3595,7 +3595,7 @@
             <p:cNvPr id="17" name="Text Box 24">
               <a:extLst>
                 <a:ext uri="{FF2B5EF4-FFF2-40B4-BE49-F238E27FC236}">
-                  <a16:creationId xmlns="" xmlns:a16="http://schemas.microsoft.com/office/drawing/2014/main" id="{BBDFD652-0BF1-49B2-8BA9-681958173701}"/>
+                  <a16:creationId xmlns:a16="http://schemas.microsoft.com/office/drawing/2014/main" xmlns="" id="{BBDFD652-0BF1-49B2-8BA9-681958173701}"/>
                 </a:ext>
               </a:extLst>
             </p:cNvPr>
@@ -3653,7 +3653,7 @@
           <p:cNvPr id="18" name="Group 17">
             <a:extLst>
               <a:ext uri="{FF2B5EF4-FFF2-40B4-BE49-F238E27FC236}">
-                <a16:creationId xmlns="" xmlns:a16="http://schemas.microsoft.com/office/drawing/2014/main" id="{806CC6DC-751D-431B-A607-96ED6DCDB3E7}"/>
+                <a16:creationId xmlns:a16="http://schemas.microsoft.com/office/drawing/2014/main" xmlns="" id="{806CC6DC-751D-431B-A607-96ED6DCDB3E7}"/>
               </a:ext>
             </a:extLst>
           </p:cNvPr>
@@ -3673,7 +3673,7 @@
             <p:cNvPr id="19" name="תיבת טקסט 18">
               <a:extLst>
                 <a:ext uri="{FF2B5EF4-FFF2-40B4-BE49-F238E27FC236}">
-                  <a16:creationId xmlns="" xmlns:a16="http://schemas.microsoft.com/office/drawing/2014/main" id="{C990978E-F894-4DC0-BF26-414CBC82D697}"/>
+                  <a16:creationId xmlns:a16="http://schemas.microsoft.com/office/drawing/2014/main" xmlns="" id="{C990978E-F894-4DC0-BF26-414CBC82D697}"/>
                 </a:ext>
               </a:extLst>
             </p:cNvPr>
@@ -3748,7 +3748,7 @@
             <p:cNvPr id="20" name="Text Box 24">
               <a:extLst>
                 <a:ext uri="{FF2B5EF4-FFF2-40B4-BE49-F238E27FC236}">
-                  <a16:creationId xmlns="" xmlns:a16="http://schemas.microsoft.com/office/drawing/2014/main" id="{268AC337-F800-4C0F-A092-659D9DC33F98}"/>
+                  <a16:creationId xmlns:a16="http://schemas.microsoft.com/office/drawing/2014/main" xmlns="" id="{268AC337-F800-4C0F-A092-659D9DC33F98}"/>
                 </a:ext>
               </a:extLst>
             </p:cNvPr>
@@ -3806,7 +3806,7 @@
           <p:cNvPr id="21" name="names">
             <a:extLst>
               <a:ext uri="{FF2B5EF4-FFF2-40B4-BE49-F238E27FC236}">
-                <a16:creationId xmlns="" xmlns:a16="http://schemas.microsoft.com/office/drawing/2014/main" id="{50263BFB-E418-4A74-AECE-CAD600D1406C}"/>
+                <a16:creationId xmlns:a16="http://schemas.microsoft.com/office/drawing/2014/main" xmlns="" id="{50263BFB-E418-4A74-AECE-CAD600D1406C}"/>
               </a:ext>
             </a:extLst>
           </p:cNvPr>
@@ -3948,7 +3948,7 @@
           <p:cNvPr id="22" name="Title">
             <a:extLst>
               <a:ext uri="{FF2B5EF4-FFF2-40B4-BE49-F238E27FC236}">
-                <a16:creationId xmlns="" xmlns:a16="http://schemas.microsoft.com/office/drawing/2014/main" id="{815970DA-DF7D-459C-9C4D-F65236746442}"/>
+                <a16:creationId xmlns:a16="http://schemas.microsoft.com/office/drawing/2014/main" xmlns="" id="{815970DA-DF7D-459C-9C4D-F65236746442}"/>
               </a:ext>
             </a:extLst>
           </p:cNvPr>
@@ -4021,7 +4021,7 @@
           <p:cNvPr id="23" name="Picture 22" descr="A close up of a logo&#10;&#10;Description automatically generated">
             <a:extLst>
               <a:ext uri="{FF2B5EF4-FFF2-40B4-BE49-F238E27FC236}">
-                <a16:creationId xmlns="" xmlns:a16="http://schemas.microsoft.com/office/drawing/2014/main" id="{1B0E9798-6ED7-438D-99F7-E4A7EAF64FE6}"/>
+                <a16:creationId xmlns:a16="http://schemas.microsoft.com/office/drawing/2014/main" xmlns="" id="{1B0E9798-6ED7-438D-99F7-E4A7EAF64FE6}"/>
               </a:ext>
             </a:extLst>
           </p:cNvPr>
@@ -4057,7 +4057,7 @@
           <p:cNvPr id="24" name="Group 23">
             <a:extLst>
               <a:ext uri="{FF2B5EF4-FFF2-40B4-BE49-F238E27FC236}">
-                <a16:creationId xmlns="" xmlns:a16="http://schemas.microsoft.com/office/drawing/2014/main" id="{53C697AF-52E9-4D36-A2E7-D8ED4F552308}"/>
+                <a16:creationId xmlns:a16="http://schemas.microsoft.com/office/drawing/2014/main" xmlns="" id="{53C697AF-52E9-4D36-A2E7-D8ED4F552308}"/>
               </a:ext>
             </a:extLst>
           </p:cNvPr>
@@ -4077,7 +4077,7 @@
             <p:cNvPr id="25" name="תיבת טקסט 18">
               <a:extLst>
                 <a:ext uri="{FF2B5EF4-FFF2-40B4-BE49-F238E27FC236}">
-                  <a16:creationId xmlns="" xmlns:a16="http://schemas.microsoft.com/office/drawing/2014/main" id="{6C754D3D-FCC2-4053-9892-AAF25C0F628F}"/>
+                  <a16:creationId xmlns:a16="http://schemas.microsoft.com/office/drawing/2014/main" xmlns="" id="{6C754D3D-FCC2-4053-9892-AAF25C0F628F}"/>
                 </a:ext>
               </a:extLst>
             </p:cNvPr>
@@ -4146,7 +4146,7 @@
             <p:cNvPr id="26" name="Text Box 24">
               <a:extLst>
                 <a:ext uri="{FF2B5EF4-FFF2-40B4-BE49-F238E27FC236}">
-                  <a16:creationId xmlns="" xmlns:a16="http://schemas.microsoft.com/office/drawing/2014/main" id="{5784222E-502A-4E2C-92F0-7F73523B69C2}"/>
+                  <a16:creationId xmlns:a16="http://schemas.microsoft.com/office/drawing/2014/main" xmlns="" id="{5784222E-502A-4E2C-92F0-7F73523B69C2}"/>
                 </a:ext>
               </a:extLst>
             </p:cNvPr>
@@ -4204,7 +4204,7 @@
           <p:cNvPr id="27" name="Group 26">
             <a:extLst>
               <a:ext uri="{FF2B5EF4-FFF2-40B4-BE49-F238E27FC236}">
-                <a16:creationId xmlns="" xmlns:a16="http://schemas.microsoft.com/office/drawing/2014/main" id="{BE2EB11C-DC87-4601-B21E-EF3216172AD9}"/>
+                <a16:creationId xmlns:a16="http://schemas.microsoft.com/office/drawing/2014/main" xmlns="" id="{BE2EB11C-DC87-4601-B21E-EF3216172AD9}"/>
               </a:ext>
             </a:extLst>
           </p:cNvPr>
@@ -4224,7 +4224,7 @@
             <p:cNvPr id="28" name="תיבת טקסט 18">
               <a:extLst>
                 <a:ext uri="{FF2B5EF4-FFF2-40B4-BE49-F238E27FC236}">
-                  <a16:creationId xmlns="" xmlns:a16="http://schemas.microsoft.com/office/drawing/2014/main" id="{533A65D4-67FB-4E41-9421-FD9DB044B4D3}"/>
+                  <a16:creationId xmlns:a16="http://schemas.microsoft.com/office/drawing/2014/main" xmlns="" id="{533A65D4-67FB-4E41-9421-FD9DB044B4D3}"/>
                 </a:ext>
               </a:extLst>
             </p:cNvPr>
@@ -4268,7 +4268,7 @@
             <p:cNvPr id="29" name="Text Box 24">
               <a:extLst>
                 <a:ext uri="{FF2B5EF4-FFF2-40B4-BE49-F238E27FC236}">
-                  <a16:creationId xmlns="" xmlns:a16="http://schemas.microsoft.com/office/drawing/2014/main" id="{2A78BB05-F2A3-49E9-8FBE-55ACFE4F4914}"/>
+                  <a16:creationId xmlns:a16="http://schemas.microsoft.com/office/drawing/2014/main" xmlns="" id="{2A78BB05-F2A3-49E9-8FBE-55ACFE4F4914}"/>
                 </a:ext>
               </a:extLst>
             </p:cNvPr>
@@ -4326,7 +4326,7 @@
           <p:cNvPr id="31" name="Picture 30">
             <a:extLst>
               <a:ext uri="{FF2B5EF4-FFF2-40B4-BE49-F238E27FC236}">
-                <a16:creationId xmlns="" xmlns:a16="http://schemas.microsoft.com/office/drawing/2014/main" id="{B3F83FF5-25B8-41FA-9C74-5B360C983A7E}"/>
+                <a16:creationId xmlns:a16="http://schemas.microsoft.com/office/drawing/2014/main" xmlns="" id="{B3F83FF5-25B8-41FA-9C74-5B360C983A7E}"/>
               </a:ext>
             </a:extLst>
           </p:cNvPr>
@@ -4361,7 +4361,7 @@
           <p:cNvPr id="32" name="Picture 31">
             <a:extLst>
               <a:ext uri="{FF2B5EF4-FFF2-40B4-BE49-F238E27FC236}">
-                <a16:creationId xmlns="" xmlns:a16="http://schemas.microsoft.com/office/drawing/2014/main" id="{AF35BE45-91AC-4A08-8BFB-02C0C1E2C7A6}"/>
+                <a16:creationId xmlns:a16="http://schemas.microsoft.com/office/drawing/2014/main" xmlns="" id="{AF35BE45-91AC-4A08-8BFB-02C0C1E2C7A6}"/>
               </a:ext>
             </a:extLst>
           </p:cNvPr>
@@ -4397,7 +4397,7 @@
           <p:cNvPr id="33" name="Picture 32">
             <a:extLst>
               <a:ext uri="{FF2B5EF4-FFF2-40B4-BE49-F238E27FC236}">
-                <a16:creationId xmlns="" xmlns:a16="http://schemas.microsoft.com/office/drawing/2014/main" id="{57D61071-AC5B-42B2-9AC8-47E326D48F9D}"/>
+                <a16:creationId xmlns:a16="http://schemas.microsoft.com/office/drawing/2014/main" xmlns="" id="{57D61071-AC5B-42B2-9AC8-47E326D48F9D}"/>
               </a:ext>
             </a:extLst>
           </p:cNvPr>
@@ -4433,7 +4433,7 @@
           <p:cNvPr id="34" name="Picture 33">
             <a:extLst>
               <a:ext uri="{FF2B5EF4-FFF2-40B4-BE49-F238E27FC236}">
-                <a16:creationId xmlns="" xmlns:a16="http://schemas.microsoft.com/office/drawing/2014/main" id="{96007492-C48A-41CF-AD99-39166572FA35}"/>
+                <a16:creationId xmlns:a16="http://schemas.microsoft.com/office/drawing/2014/main" xmlns="" id="{96007492-C48A-41CF-AD99-39166572FA35}"/>
               </a:ext>
             </a:extLst>
           </p:cNvPr>
@@ -4479,7 +4479,7 @@
           <p:cNvPr id="35" name="TextBox 34">
             <a:extLst>
               <a:ext uri="{FF2B5EF4-FFF2-40B4-BE49-F238E27FC236}">
-                <a16:creationId xmlns="" xmlns:a16="http://schemas.microsoft.com/office/drawing/2014/main" id="{FD1E00FF-0C3B-4DEB-9A22-B15A2A4305D1}"/>
+                <a16:creationId xmlns:a16="http://schemas.microsoft.com/office/drawing/2014/main" xmlns="" id="{FD1E00FF-0C3B-4DEB-9A22-B15A2A4305D1}"/>
               </a:ext>
             </a:extLst>
           </p:cNvPr>
@@ -4524,7 +4524,7 @@
           <p:cNvPr id="36" name="Group 35">
             <a:extLst>
               <a:ext uri="{FF2B5EF4-FFF2-40B4-BE49-F238E27FC236}">
-                <a16:creationId xmlns="" xmlns:a16="http://schemas.microsoft.com/office/drawing/2014/main" id="{FA965725-A401-41A8-8CF1-A77E14832757}"/>
+                <a16:creationId xmlns:a16="http://schemas.microsoft.com/office/drawing/2014/main" xmlns="" id="{FA965725-A401-41A8-8CF1-A77E14832757}"/>
               </a:ext>
             </a:extLst>
           </p:cNvPr>
@@ -4544,7 +4544,7 @@
             <p:cNvPr id="37" name="תיבת טקסט 18">
               <a:extLst>
                 <a:ext uri="{FF2B5EF4-FFF2-40B4-BE49-F238E27FC236}">
-                  <a16:creationId xmlns="" xmlns:a16="http://schemas.microsoft.com/office/drawing/2014/main" id="{DFA3AD4F-9BEE-44BC-8F51-FA5B66553EE6}"/>
+                  <a16:creationId xmlns:a16="http://schemas.microsoft.com/office/drawing/2014/main" xmlns="" id="{DFA3AD4F-9BEE-44BC-8F51-FA5B66553EE6}"/>
                 </a:ext>
               </a:extLst>
             </p:cNvPr>
@@ -4648,7 +4648,7 @@
             <p:cNvPr id="38" name="Text Box 24">
               <a:extLst>
                 <a:ext uri="{FF2B5EF4-FFF2-40B4-BE49-F238E27FC236}">
-                  <a16:creationId xmlns="" xmlns:a16="http://schemas.microsoft.com/office/drawing/2014/main" id="{A9FDB1ED-C4C0-480D-80A6-DF5E91D7F8BC}"/>
+                  <a16:creationId xmlns:a16="http://schemas.microsoft.com/office/drawing/2014/main" xmlns="" id="{A9FDB1ED-C4C0-480D-80A6-DF5E91D7F8BC}"/>
                 </a:ext>
               </a:extLst>
             </p:cNvPr>
@@ -4706,7 +4706,7 @@
           <p:cNvPr id="39" name="Group 38">
             <a:extLst>
               <a:ext uri="{FF2B5EF4-FFF2-40B4-BE49-F238E27FC236}">
-                <a16:creationId xmlns="" xmlns:a16="http://schemas.microsoft.com/office/drawing/2014/main" id="{AB331618-4256-41BA-8FDD-536DA6766F66}"/>
+                <a16:creationId xmlns:a16="http://schemas.microsoft.com/office/drawing/2014/main" xmlns="" id="{AB331618-4256-41BA-8FDD-536DA6766F66}"/>
               </a:ext>
             </a:extLst>
           </p:cNvPr>
@@ -4728,7 +4728,7 @@
             <p:cNvPr id="40" name="Group 39">
               <a:extLst>
                 <a:ext uri="{FF2B5EF4-FFF2-40B4-BE49-F238E27FC236}">
-                  <a16:creationId xmlns="" xmlns:a16="http://schemas.microsoft.com/office/drawing/2014/main" id="{5B9B95DD-047D-422E-9197-8EB8322A507F}"/>
+                  <a16:creationId xmlns:a16="http://schemas.microsoft.com/office/drawing/2014/main" xmlns="" id="{5B9B95DD-047D-422E-9197-8EB8322A507F}"/>
                 </a:ext>
               </a:extLst>
             </p:cNvPr>
@@ -4748,7 +4748,7 @@
               <p:cNvPr id="42" name="Group 41">
                 <a:extLst>
                   <a:ext uri="{FF2B5EF4-FFF2-40B4-BE49-F238E27FC236}">
-                    <a16:creationId xmlns="" xmlns:a16="http://schemas.microsoft.com/office/drawing/2014/main" id="{0F05674C-EA0D-400B-AF01-2B79607B49E6}"/>
+                    <a16:creationId xmlns:a16="http://schemas.microsoft.com/office/drawing/2014/main" xmlns="" id="{0F05674C-EA0D-400B-AF01-2B79607B49E6}"/>
                   </a:ext>
                 </a:extLst>
               </p:cNvPr>
@@ -4768,7 +4768,7 @@
                 <p:cNvPr id="44" name="Group 43">
                   <a:extLst>
                     <a:ext uri="{FF2B5EF4-FFF2-40B4-BE49-F238E27FC236}">
-                      <a16:creationId xmlns="" xmlns:a16="http://schemas.microsoft.com/office/drawing/2014/main" id="{B60FC61F-D124-4385-9B15-65551D1814D4}"/>
+                      <a16:creationId xmlns:a16="http://schemas.microsoft.com/office/drawing/2014/main" xmlns="" id="{B60FC61F-D124-4385-9B15-65551D1814D4}"/>
                     </a:ext>
                   </a:extLst>
                 </p:cNvPr>
@@ -4788,7 +4788,7 @@
                   <p:cNvPr id="46" name="Group 45">
                     <a:extLst>
                       <a:ext uri="{FF2B5EF4-FFF2-40B4-BE49-F238E27FC236}">
-                        <a16:creationId xmlns="" xmlns:a16="http://schemas.microsoft.com/office/drawing/2014/main" id="{7EE2AEAC-C313-4E78-9FAF-E53B60D27895}"/>
+                        <a16:creationId xmlns:a16="http://schemas.microsoft.com/office/drawing/2014/main" xmlns="" id="{7EE2AEAC-C313-4E78-9FAF-E53B60D27895}"/>
                       </a:ext>
                     </a:extLst>
                   </p:cNvPr>
@@ -4810,7 +4810,7 @@
                     <p:cNvPr id="48" name="Picture 47" descr="A close up of a mans face&#10;&#10;Description automatically generated">
                       <a:extLst>
                         <a:ext uri="{FF2B5EF4-FFF2-40B4-BE49-F238E27FC236}">
-                          <a16:creationId xmlns="" xmlns:a16="http://schemas.microsoft.com/office/drawing/2014/main" id="{2957E089-22FB-4FBD-A6DA-88A57E473D60}"/>
+                          <a16:creationId xmlns:a16="http://schemas.microsoft.com/office/drawing/2014/main" xmlns="" id="{2957E089-22FB-4FBD-A6DA-88A57E473D60}"/>
                         </a:ext>
                       </a:extLst>
                     </p:cNvPr>
@@ -4846,7 +4846,7 @@
                     <p:cNvPr id="49" name="Picture 48" descr="A picture containing crossword puzzle&#10;&#10;Description automatically generated">
                       <a:extLst>
                         <a:ext uri="{FF2B5EF4-FFF2-40B4-BE49-F238E27FC236}">
-                          <a16:creationId xmlns="" xmlns:a16="http://schemas.microsoft.com/office/drawing/2014/main" id="{E1BEC1F8-4C66-44D4-BBC9-5E470E373D7F}"/>
+                          <a16:creationId xmlns:a16="http://schemas.microsoft.com/office/drawing/2014/main" xmlns="" id="{E1BEC1F8-4C66-44D4-BBC9-5E470E373D7F}"/>
                         </a:ext>
                       </a:extLst>
                     </p:cNvPr>
@@ -4882,7 +4882,7 @@
                     <p:cNvPr id="50" name="Picture 49" descr="A close up of a logo&#10;&#10;Description automatically generated">
                       <a:extLst>
                         <a:ext uri="{FF2B5EF4-FFF2-40B4-BE49-F238E27FC236}">
-                          <a16:creationId xmlns="" xmlns:a16="http://schemas.microsoft.com/office/drawing/2014/main" id="{D06E24C7-E118-4768-A7AF-D5733E2080D1}"/>
+                          <a16:creationId xmlns:a16="http://schemas.microsoft.com/office/drawing/2014/main" xmlns="" id="{D06E24C7-E118-4768-A7AF-D5733E2080D1}"/>
                         </a:ext>
                       </a:extLst>
                     </p:cNvPr>
@@ -4919,7 +4919,7 @@
                   <p:cNvPr id="47" name="TextBox 46">
                     <a:extLst>
                       <a:ext uri="{FF2B5EF4-FFF2-40B4-BE49-F238E27FC236}">
-                        <a16:creationId xmlns="" xmlns:a16="http://schemas.microsoft.com/office/drawing/2014/main" id="{C79294A2-E6F5-4FE6-A5C7-31B7AD74C375}"/>
+                        <a16:creationId xmlns:a16="http://schemas.microsoft.com/office/drawing/2014/main" xmlns="" id="{C79294A2-E6F5-4FE6-A5C7-31B7AD74C375}"/>
                       </a:ext>
                     </a:extLst>
                   </p:cNvPr>
@@ -4965,7 +4965,7 @@
                 <p:cNvPr id="45" name="TextBox 44">
                   <a:extLst>
                     <a:ext uri="{FF2B5EF4-FFF2-40B4-BE49-F238E27FC236}">
-                      <a16:creationId xmlns="" xmlns:a16="http://schemas.microsoft.com/office/drawing/2014/main" id="{1B59A4E0-9B34-4F5E-95D6-EC4DB8C829AC}"/>
+                      <a16:creationId xmlns:a16="http://schemas.microsoft.com/office/drawing/2014/main" xmlns="" id="{1B59A4E0-9B34-4F5E-95D6-EC4DB8C829AC}"/>
                     </a:ext>
                   </a:extLst>
                 </p:cNvPr>
@@ -5008,7 +5008,7 @@
               <p:cNvPr id="43" name="TextBox 42">
                 <a:extLst>
                   <a:ext uri="{FF2B5EF4-FFF2-40B4-BE49-F238E27FC236}">
-                    <a16:creationId xmlns="" xmlns:a16="http://schemas.microsoft.com/office/drawing/2014/main" id="{4902E1DB-BD07-4673-82A5-D643E909A61D}"/>
+                    <a16:creationId xmlns:a16="http://schemas.microsoft.com/office/drawing/2014/main" xmlns="" id="{4902E1DB-BD07-4673-82A5-D643E909A61D}"/>
                   </a:ext>
                 </a:extLst>
               </p:cNvPr>
@@ -5051,7 +5051,7 @@
             <p:cNvPr id="41" name="TextBox 40">
               <a:extLst>
                 <a:ext uri="{FF2B5EF4-FFF2-40B4-BE49-F238E27FC236}">
-                  <a16:creationId xmlns="" xmlns:a16="http://schemas.microsoft.com/office/drawing/2014/main" id="{B6393C5B-F0A1-46CD-AD56-C03B7F835399}"/>
+                  <a16:creationId xmlns:a16="http://schemas.microsoft.com/office/drawing/2014/main" xmlns="" id="{B6393C5B-F0A1-46CD-AD56-C03B7F835399}"/>
                 </a:ext>
               </a:extLst>
             </p:cNvPr>
@@ -5094,7 +5094,7 @@
           <p:cNvPr id="51" name="Group 50">
             <a:extLst>
               <a:ext uri="{FF2B5EF4-FFF2-40B4-BE49-F238E27FC236}">
-                <a16:creationId xmlns="" xmlns:a16="http://schemas.microsoft.com/office/drawing/2014/main" id="{A6F5447A-CAD7-4B0C-AAAD-385327A25D87}"/>
+                <a16:creationId xmlns:a16="http://schemas.microsoft.com/office/drawing/2014/main" xmlns="" id="{A6F5447A-CAD7-4B0C-AAAD-385327A25D87}"/>
               </a:ext>
             </a:extLst>
           </p:cNvPr>
@@ -5114,7 +5114,7 @@
             <p:cNvPr id="52" name="תיבת טקסט 18">
               <a:extLst>
                 <a:ext uri="{FF2B5EF4-FFF2-40B4-BE49-F238E27FC236}">
-                  <a16:creationId xmlns="" xmlns:a16="http://schemas.microsoft.com/office/drawing/2014/main" id="{2B868D60-4E17-4C1B-82F1-887DBBBB59F6}"/>
+                  <a16:creationId xmlns:a16="http://schemas.microsoft.com/office/drawing/2014/main" xmlns="" id="{2B868D60-4E17-4C1B-82F1-887DBBBB59F6}"/>
                 </a:ext>
               </a:extLst>
             </p:cNvPr>
@@ -5169,7 +5169,7 @@
             <p:cNvPr id="53" name="Text Box 24">
               <a:extLst>
                 <a:ext uri="{FF2B5EF4-FFF2-40B4-BE49-F238E27FC236}">
-                  <a16:creationId xmlns="" xmlns:a16="http://schemas.microsoft.com/office/drawing/2014/main" id="{C182ADF9-CED3-4761-B7DC-EEDC3DB3BE98}"/>
+                  <a16:creationId xmlns:a16="http://schemas.microsoft.com/office/drawing/2014/main" xmlns="" id="{C182ADF9-CED3-4761-B7DC-EEDC3DB3BE98}"/>
                 </a:ext>
               </a:extLst>
             </p:cNvPr>
@@ -5227,7 +5227,7 @@
           <p:cNvPr id="54" name="TextBox 53">
             <a:extLst>
               <a:ext uri="{FF2B5EF4-FFF2-40B4-BE49-F238E27FC236}">
-                <a16:creationId xmlns="" xmlns:a16="http://schemas.microsoft.com/office/drawing/2014/main" id="{5A745D60-7A1A-45E0-8C8E-624EF6E2C95C}"/>
+                <a16:creationId xmlns:a16="http://schemas.microsoft.com/office/drawing/2014/main" xmlns="" id="{5A745D60-7A1A-45E0-8C8E-624EF6E2C95C}"/>
               </a:ext>
             </a:extLst>
           </p:cNvPr>
@@ -5279,7 +5279,7 @@
           <p:cNvPr id="55" name="Picture 54">
             <a:extLst>
               <a:ext uri="{FF2B5EF4-FFF2-40B4-BE49-F238E27FC236}">
-                <a16:creationId xmlns="" xmlns:a16="http://schemas.microsoft.com/office/drawing/2014/main" id="{603A7175-7B04-40A4-994D-D93110F266A4}"/>
+                <a16:creationId xmlns:a16="http://schemas.microsoft.com/office/drawing/2014/main" xmlns="" id="{603A7175-7B04-40A4-994D-D93110F266A4}"/>
               </a:ext>
             </a:extLst>
           </p:cNvPr>
@@ -5324,7 +5324,7 @@
               <p:cNvPr id="56" name="Table 55">
                 <a:extLst>
                   <a:ext uri="{FF2B5EF4-FFF2-40B4-BE49-F238E27FC236}">
-                    <a16:creationId xmlns="" xmlns:a16="http://schemas.microsoft.com/office/drawing/2014/main" id="{DC293643-0FF5-47CC-9190-0D1D19D1CA0B}"/>
+                    <a16:creationId xmlns:a16="http://schemas.microsoft.com/office/drawing/2014/main" xmlns="" id="{DC293643-0FF5-47CC-9190-0D1D19D1CA0B}"/>
                   </a:ext>
                 </a:extLst>
               </p:cNvPr>
@@ -5353,56 +5353,56 @@
                     <a:gridCol w="2556376">
                       <a:extLst>
                         <a:ext uri="{9D8B030D-6E8A-4147-A177-3AD203B41FA5}">
-                          <a16:colId xmlns="" xmlns:a16="http://schemas.microsoft.com/office/drawing/2014/main" val="1946601345"/>
+                          <a16:colId xmlns:a16="http://schemas.microsoft.com/office/drawing/2014/main" xmlns="" val="1946601345"/>
                         </a:ext>
                       </a:extLst>
                     </a:gridCol>
                     <a:gridCol w="1188175">
                       <a:extLst>
                         <a:ext uri="{9D8B030D-6E8A-4147-A177-3AD203B41FA5}">
-                          <a16:colId xmlns="" xmlns:a16="http://schemas.microsoft.com/office/drawing/2014/main" val="1319595562"/>
+                          <a16:colId xmlns:a16="http://schemas.microsoft.com/office/drawing/2014/main" xmlns="" val="1319595562"/>
                         </a:ext>
                       </a:extLst>
                     </a:gridCol>
                     <a:gridCol w="1404206">
                       <a:extLst>
                         <a:ext uri="{9D8B030D-6E8A-4147-A177-3AD203B41FA5}">
-                          <a16:colId xmlns="" xmlns:a16="http://schemas.microsoft.com/office/drawing/2014/main" val="3671013873"/>
+                          <a16:colId xmlns:a16="http://schemas.microsoft.com/office/drawing/2014/main" xmlns="" val="3671013873"/>
                         </a:ext>
                       </a:extLst>
                     </a:gridCol>
                     <a:gridCol w="1404206">
                       <a:extLst>
                         <a:ext uri="{9D8B030D-6E8A-4147-A177-3AD203B41FA5}">
-                          <a16:colId xmlns="" xmlns:a16="http://schemas.microsoft.com/office/drawing/2014/main" val="2049267816"/>
+                          <a16:colId xmlns:a16="http://schemas.microsoft.com/office/drawing/2014/main" xmlns="" val="2049267816"/>
                         </a:ext>
                       </a:extLst>
                     </a:gridCol>
                     <a:gridCol w="1728254">
                       <a:extLst>
                         <a:ext uri="{9D8B030D-6E8A-4147-A177-3AD203B41FA5}">
-                          <a16:colId xmlns="" xmlns:a16="http://schemas.microsoft.com/office/drawing/2014/main" val="966686260"/>
+                          <a16:colId xmlns:a16="http://schemas.microsoft.com/office/drawing/2014/main" xmlns="" val="966686260"/>
                         </a:ext>
                       </a:extLst>
                     </a:gridCol>
                     <a:gridCol w="1404206">
                       <a:extLst>
                         <a:ext uri="{9D8B030D-6E8A-4147-A177-3AD203B41FA5}">
-                          <a16:colId xmlns="" xmlns:a16="http://schemas.microsoft.com/office/drawing/2014/main" val="2377125529"/>
+                          <a16:colId xmlns:a16="http://schemas.microsoft.com/office/drawing/2014/main" xmlns="" val="2377125529"/>
                         </a:ext>
                       </a:extLst>
                     </a:gridCol>
                     <a:gridCol w="1404206">
                       <a:extLst>
                         <a:ext uri="{9D8B030D-6E8A-4147-A177-3AD203B41FA5}">
-                          <a16:colId xmlns="" xmlns:a16="http://schemas.microsoft.com/office/drawing/2014/main" val="1858987758"/>
+                          <a16:colId xmlns:a16="http://schemas.microsoft.com/office/drawing/2014/main" xmlns="" val="1858987758"/>
                         </a:ext>
                       </a:extLst>
                     </a:gridCol>
                     <a:gridCol w="1728254">
                       <a:extLst>
                         <a:ext uri="{9D8B030D-6E8A-4147-A177-3AD203B41FA5}">
-                          <a16:colId xmlns="" xmlns:a16="http://schemas.microsoft.com/office/drawing/2014/main" val="922372244"/>
+                          <a16:colId xmlns:a16="http://schemas.microsoft.com/office/drawing/2014/main" xmlns="" val="922372244"/>
                         </a:ext>
                       </a:extLst>
                     </a:gridCol>
@@ -5746,7 +5746,7 @@
                     </a:tc>
                     <a:extLst>
                       <a:ext uri="{0D108BD9-81ED-4DB2-BD59-A6C34878D82A}">
-                        <a16:rowId xmlns="" xmlns:a16="http://schemas.microsoft.com/office/drawing/2014/main" val="1487559327"/>
+                        <a16:rowId xmlns:a16="http://schemas.microsoft.com/office/drawing/2014/main" xmlns="" val="1487559327"/>
                       </a:ext>
                     </a:extLst>
                   </a:tr>
@@ -6138,7 +6138,7 @@
                     </a:tc>
                     <a:extLst>
                       <a:ext uri="{0D108BD9-81ED-4DB2-BD59-A6C34878D82A}">
-                        <a16:rowId xmlns="" xmlns:a16="http://schemas.microsoft.com/office/drawing/2014/main" val="2670774814"/>
+                        <a16:rowId xmlns:a16="http://schemas.microsoft.com/office/drawing/2014/main" xmlns="" val="2670774814"/>
                       </a:ext>
                     </a:extLst>
                   </a:tr>
@@ -6333,7 +6333,7 @@
                     </a:tc>
                     <a:extLst>
                       <a:ext uri="{0D108BD9-81ED-4DB2-BD59-A6C34878D82A}">
-                        <a16:rowId xmlns="" xmlns:a16="http://schemas.microsoft.com/office/drawing/2014/main" val="2343822438"/>
+                        <a16:rowId xmlns:a16="http://schemas.microsoft.com/office/drawing/2014/main" xmlns="" val="2343822438"/>
                       </a:ext>
                     </a:extLst>
                   </a:tr>
@@ -6542,7 +6542,7 @@
                     </a:tc>
                     <a:extLst>
                       <a:ext uri="{0D108BD9-81ED-4DB2-BD59-A6C34878D82A}">
-                        <a16:rowId xmlns="" xmlns:a16="http://schemas.microsoft.com/office/drawing/2014/main" val="4008647147"/>
+                        <a16:rowId xmlns:a16="http://schemas.microsoft.com/office/drawing/2014/main" xmlns="" val="4008647147"/>
                       </a:ext>
                     </a:extLst>
                   </a:tr>
@@ -6721,7 +6721,7 @@
                     </a:tc>
                     <a:extLst>
                       <a:ext uri="{0D108BD9-81ED-4DB2-BD59-A6C34878D82A}">
-                        <a16:rowId xmlns="" xmlns:a16="http://schemas.microsoft.com/office/drawing/2014/main" val="1184920339"/>
+                        <a16:rowId xmlns:a16="http://schemas.microsoft.com/office/drawing/2014/main" xmlns="" val="1184920339"/>
                       </a:ext>
                     </a:extLst>
                   </a:tr>
@@ -6898,7 +6898,7 @@
                     </a:tc>
                     <a:extLst>
                       <a:ext uri="{0D108BD9-81ED-4DB2-BD59-A6C34878D82A}">
-                        <a16:rowId xmlns="" xmlns:a16="http://schemas.microsoft.com/office/drawing/2014/main" val="161192191"/>
+                        <a16:rowId xmlns:a16="http://schemas.microsoft.com/office/drawing/2014/main" xmlns="" val="161192191"/>
                       </a:ext>
                     </a:extLst>
                   </a:tr>
@@ -7405,7 +7405,7 @@
                     </a:tc>
                     <a:extLst>
                       <a:ext uri="{0D108BD9-81ED-4DB2-BD59-A6C34878D82A}">
-                        <a16:rowId xmlns="" xmlns:a16="http://schemas.microsoft.com/office/drawing/2014/main" val="2324081285"/>
+                        <a16:rowId xmlns:a16="http://schemas.microsoft.com/office/drawing/2014/main" xmlns="" val="2324081285"/>
                       </a:ext>
                     </a:extLst>
                   </a:tr>
@@ -7900,7 +7900,7 @@
                     </a:tc>
                     <a:extLst>
                       <a:ext uri="{0D108BD9-81ED-4DB2-BD59-A6C34878D82A}">
-                        <a16:rowId xmlns="" xmlns:a16="http://schemas.microsoft.com/office/drawing/2014/main" val="1330813689"/>
+                        <a16:rowId xmlns:a16="http://schemas.microsoft.com/office/drawing/2014/main" xmlns="" val="1330813689"/>
                       </a:ext>
                     </a:extLst>
                   </a:tr>
@@ -8397,7 +8397,7 @@
                     </a:tc>
                     <a:extLst>
                       <a:ext uri="{0D108BD9-81ED-4DB2-BD59-A6C34878D82A}">
-                        <a16:rowId xmlns="" xmlns:a16="http://schemas.microsoft.com/office/drawing/2014/main" val="1559508821"/>
+                        <a16:rowId xmlns:a16="http://schemas.microsoft.com/office/drawing/2014/main" xmlns="" val="1559508821"/>
                       </a:ext>
                     </a:extLst>
                   </a:tr>
@@ -8841,7 +8841,7 @@
                     </a:tc>
                     <a:extLst>
                       <a:ext uri="{0D108BD9-81ED-4DB2-BD59-A6C34878D82A}">
-                        <a16:rowId xmlns="" xmlns:a16="http://schemas.microsoft.com/office/drawing/2014/main" val="1073051094"/>
+                        <a16:rowId xmlns:a16="http://schemas.microsoft.com/office/drawing/2014/main" xmlns="" val="1073051094"/>
                       </a:ext>
                     </a:extLst>
                   </a:tr>
@@ -9352,7 +9352,7 @@
                     </a:tc>
                     <a:extLst>
                       <a:ext uri="{0D108BD9-81ED-4DB2-BD59-A6C34878D82A}">
-                        <a16:rowId xmlns="" xmlns:a16="http://schemas.microsoft.com/office/drawing/2014/main" val="653722751"/>
+                        <a16:rowId xmlns:a16="http://schemas.microsoft.com/office/drawing/2014/main" xmlns="" val="653722751"/>
                       </a:ext>
                     </a:extLst>
                   </a:tr>
@@ -9851,7 +9851,7 @@
                     </a:tc>
                     <a:extLst>
                       <a:ext uri="{0D108BD9-81ED-4DB2-BD59-A6C34878D82A}">
-                        <a16:rowId xmlns="" xmlns:a16="http://schemas.microsoft.com/office/drawing/2014/main" val="2111612218"/>
+                        <a16:rowId xmlns:a16="http://schemas.microsoft.com/office/drawing/2014/main" xmlns="" val="2111612218"/>
                       </a:ext>
                     </a:extLst>
                   </a:tr>
@@ -10352,7 +10352,7 @@
                     </a:tc>
                     <a:extLst>
                       <a:ext uri="{0D108BD9-81ED-4DB2-BD59-A6C34878D82A}">
-                        <a16:rowId xmlns="" xmlns:a16="http://schemas.microsoft.com/office/drawing/2014/main" val="1638457691"/>
+                        <a16:rowId xmlns:a16="http://schemas.microsoft.com/office/drawing/2014/main" xmlns="" val="1638457691"/>
                       </a:ext>
                     </a:extLst>
                   </a:tr>
@@ -10800,7 +10800,7 @@
                     </a:tc>
                     <a:extLst>
                       <a:ext uri="{0D108BD9-81ED-4DB2-BD59-A6C34878D82A}">
-                        <a16:rowId xmlns="" xmlns:a16="http://schemas.microsoft.com/office/drawing/2014/main" val="3317433048"/>
+                        <a16:rowId xmlns:a16="http://schemas.microsoft.com/office/drawing/2014/main" xmlns="" val="3317433048"/>
                       </a:ext>
                     </a:extLst>
                   </a:tr>
@@ -11316,7 +11316,7 @@
                     </a:tc>
                     <a:extLst>
                       <a:ext uri="{0D108BD9-81ED-4DB2-BD59-A6C34878D82A}">
-                        <a16:rowId xmlns="" xmlns:a16="http://schemas.microsoft.com/office/drawing/2014/main" val="1150070244"/>
+                        <a16:rowId xmlns:a16="http://schemas.microsoft.com/office/drawing/2014/main" xmlns="" val="1150070244"/>
                       </a:ext>
                     </a:extLst>
                   </a:tr>
@@ -11750,7 +11750,7 @@
                     </a:tc>
                     <a:extLst>
                       <a:ext uri="{0D108BD9-81ED-4DB2-BD59-A6C34878D82A}">
-                        <a16:rowId xmlns="" xmlns:a16="http://schemas.microsoft.com/office/drawing/2014/main" val="1352560717"/>
+                        <a16:rowId xmlns:a16="http://schemas.microsoft.com/office/drawing/2014/main" xmlns="" val="1352560717"/>
                       </a:ext>
                     </a:extLst>
                   </a:tr>
@@ -12267,7 +12267,7 @@
                     </a:tc>
                     <a:extLst>
                       <a:ext uri="{0D108BD9-81ED-4DB2-BD59-A6C34878D82A}">
-                        <a16:rowId xmlns="" xmlns:a16="http://schemas.microsoft.com/office/drawing/2014/main" val="2159292062"/>
+                        <a16:rowId xmlns:a16="http://schemas.microsoft.com/office/drawing/2014/main" xmlns="" val="2159292062"/>
                       </a:ext>
                     </a:extLst>
                   </a:tr>
@@ -12701,7 +12701,7 @@
                     </a:tc>
                     <a:extLst>
                       <a:ext uri="{0D108BD9-81ED-4DB2-BD59-A6C34878D82A}">
-                        <a16:rowId xmlns="" xmlns:a16="http://schemas.microsoft.com/office/drawing/2014/main" val="3057922804"/>
+                        <a16:rowId xmlns:a16="http://schemas.microsoft.com/office/drawing/2014/main" xmlns="" val="3057922804"/>
                       </a:ext>
                     </a:extLst>
                   </a:tr>
@@ -13212,7 +13212,7 @@
                     </a:tc>
                     <a:extLst>
                       <a:ext uri="{0D108BD9-81ED-4DB2-BD59-A6C34878D82A}">
-                        <a16:rowId xmlns="" xmlns:a16="http://schemas.microsoft.com/office/drawing/2014/main" val="861605503"/>
+                        <a16:rowId xmlns:a16="http://schemas.microsoft.com/office/drawing/2014/main" xmlns="" val="861605503"/>
                       </a:ext>
                     </a:extLst>
                   </a:tr>
@@ -13660,7 +13660,7 @@
                     </a:tc>
                     <a:extLst>
                       <a:ext uri="{0D108BD9-81ED-4DB2-BD59-A6C34878D82A}">
-                        <a16:rowId xmlns="" xmlns:a16="http://schemas.microsoft.com/office/drawing/2014/main" val="1158839360"/>
+                        <a16:rowId xmlns:a16="http://schemas.microsoft.com/office/drawing/2014/main" xmlns="" val="1158839360"/>
                       </a:ext>
                     </a:extLst>
                   </a:tr>
@@ -21500,7 +21500,7 @@
           <p:cNvPr id="57" name="Table 56">
             <a:extLst>
               <a:ext uri="{FF2B5EF4-FFF2-40B4-BE49-F238E27FC236}">
-                <a16:creationId xmlns="" xmlns:a16="http://schemas.microsoft.com/office/drawing/2014/main" id="{8B34A129-BE35-458F-B5CF-AF5BE1647015}"/>
+                <a16:creationId xmlns:a16="http://schemas.microsoft.com/office/drawing/2014/main" xmlns="" id="{8B34A129-BE35-458F-B5CF-AF5BE1647015}"/>
               </a:ext>
             </a:extLst>
           </p:cNvPr>
@@ -21529,21 +21529,21 @@
                 <a:gridCol w="2340344">
                   <a:extLst>
                     <a:ext uri="{9D8B030D-6E8A-4147-A177-3AD203B41FA5}">
-                      <a16:colId xmlns="" xmlns:a16="http://schemas.microsoft.com/office/drawing/2014/main" val="2977598269"/>
+                      <a16:colId xmlns:a16="http://schemas.microsoft.com/office/drawing/2014/main" xmlns="" val="2977598269"/>
                     </a:ext>
                   </a:extLst>
                 </a:gridCol>
                 <a:gridCol w="1800265">
                   <a:extLst>
                     <a:ext uri="{9D8B030D-6E8A-4147-A177-3AD203B41FA5}">
-                      <a16:colId xmlns="" xmlns:a16="http://schemas.microsoft.com/office/drawing/2014/main" val="1958273809"/>
+                      <a16:colId xmlns:a16="http://schemas.microsoft.com/office/drawing/2014/main" xmlns="" val="1958273809"/>
                     </a:ext>
                   </a:extLst>
                 </a:gridCol>
                 <a:gridCol w="1800265">
                   <a:extLst>
                     <a:ext uri="{9D8B030D-6E8A-4147-A177-3AD203B41FA5}">
-                      <a16:colId xmlns="" xmlns:a16="http://schemas.microsoft.com/office/drawing/2014/main" val="1797041600"/>
+                      <a16:colId xmlns:a16="http://schemas.microsoft.com/office/drawing/2014/main" xmlns="" val="1797041600"/>
                     </a:ext>
                   </a:extLst>
                 </a:gridCol>
@@ -21746,7 +21746,7 @@
                 </a:tc>
                 <a:extLst>
                   <a:ext uri="{0D108BD9-81ED-4DB2-BD59-A6C34878D82A}">
-                    <a16:rowId xmlns="" xmlns:a16="http://schemas.microsoft.com/office/drawing/2014/main" val="662979093"/>
+                    <a16:rowId xmlns:a16="http://schemas.microsoft.com/office/drawing/2014/main" xmlns="" val="662979093"/>
                   </a:ext>
                 </a:extLst>
               </a:tr>
@@ -21956,7 +21956,7 @@
                 </a:tc>
                 <a:extLst>
                   <a:ext uri="{0D108BD9-81ED-4DB2-BD59-A6C34878D82A}">
-                    <a16:rowId xmlns="" xmlns:a16="http://schemas.microsoft.com/office/drawing/2014/main" val="2925520719"/>
+                    <a16:rowId xmlns:a16="http://schemas.microsoft.com/office/drawing/2014/main" xmlns="" val="2925520719"/>
                   </a:ext>
                 </a:extLst>
               </a:tr>
@@ -22145,7 +22145,7 @@
                 </a:tc>
                 <a:extLst>
                   <a:ext uri="{0D108BD9-81ED-4DB2-BD59-A6C34878D82A}">
-                    <a16:rowId xmlns="" xmlns:a16="http://schemas.microsoft.com/office/drawing/2014/main" val="2124887621"/>
+                    <a16:rowId xmlns:a16="http://schemas.microsoft.com/office/drawing/2014/main" xmlns="" val="2124887621"/>
                   </a:ext>
                 </a:extLst>
               </a:tr>
@@ -22334,7 +22334,7 @@
                 </a:tc>
                 <a:extLst>
                   <a:ext uri="{0D108BD9-81ED-4DB2-BD59-A6C34878D82A}">
-                    <a16:rowId xmlns="" xmlns:a16="http://schemas.microsoft.com/office/drawing/2014/main" val="3021274662"/>
+                    <a16:rowId xmlns:a16="http://schemas.microsoft.com/office/drawing/2014/main" xmlns="" val="3021274662"/>
                   </a:ext>
                 </a:extLst>
               </a:tr>
@@ -22552,7 +22552,7 @@
                 </a:tc>
                 <a:extLst>
                   <a:ext uri="{0D108BD9-81ED-4DB2-BD59-A6C34878D82A}">
-                    <a16:rowId xmlns="" xmlns:a16="http://schemas.microsoft.com/office/drawing/2014/main" val="3319115553"/>
+                    <a16:rowId xmlns:a16="http://schemas.microsoft.com/office/drawing/2014/main" xmlns="" val="3319115553"/>
                   </a:ext>
                 </a:extLst>
               </a:tr>
@@ -22741,7 +22741,7 @@
                 </a:tc>
                 <a:extLst>
                   <a:ext uri="{0D108BD9-81ED-4DB2-BD59-A6C34878D82A}">
-                    <a16:rowId xmlns="" xmlns:a16="http://schemas.microsoft.com/office/drawing/2014/main" val="2189012797"/>
+                    <a16:rowId xmlns:a16="http://schemas.microsoft.com/office/drawing/2014/main" xmlns="" val="2189012797"/>
                   </a:ext>
                 </a:extLst>
               </a:tr>
@@ -22930,7 +22930,7 @@
                 </a:tc>
                 <a:extLst>
                   <a:ext uri="{0D108BD9-81ED-4DB2-BD59-A6C34878D82A}">
-                    <a16:rowId xmlns="" xmlns:a16="http://schemas.microsoft.com/office/drawing/2014/main" val="1799581859"/>
+                    <a16:rowId xmlns:a16="http://schemas.microsoft.com/office/drawing/2014/main" xmlns="" val="1799581859"/>
                   </a:ext>
                 </a:extLst>
               </a:tr>
@@ -22943,7 +22943,7 @@
           <p:cNvPr id="58" name="Group 57">
             <a:extLst>
               <a:ext uri="{FF2B5EF4-FFF2-40B4-BE49-F238E27FC236}">
-                <a16:creationId xmlns="" xmlns:a16="http://schemas.microsoft.com/office/drawing/2014/main" id="{637694B7-B59B-4709-A786-03DE0A339FF9}"/>
+                <a16:creationId xmlns:a16="http://schemas.microsoft.com/office/drawing/2014/main" xmlns="" id="{637694B7-B59B-4709-A786-03DE0A339FF9}"/>
               </a:ext>
             </a:extLst>
           </p:cNvPr>
@@ -22963,7 +22963,7 @@
             <p:cNvPr id="59" name="TextBox 58">
               <a:extLst>
                 <a:ext uri="{FF2B5EF4-FFF2-40B4-BE49-F238E27FC236}">
-                  <a16:creationId xmlns="" xmlns:a16="http://schemas.microsoft.com/office/drawing/2014/main" id="{9AFC47EB-42FA-43B1-B48C-00D6F8E3D06D}"/>
+                  <a16:creationId xmlns:a16="http://schemas.microsoft.com/office/drawing/2014/main" xmlns="" id="{9AFC47EB-42FA-43B1-B48C-00D6F8E3D06D}"/>
                 </a:ext>
               </a:extLst>
             </p:cNvPr>
@@ -23015,7 +23015,7 @@
             <p:cNvPr id="60" name="Group 59">
               <a:extLst>
                 <a:ext uri="{FF2B5EF4-FFF2-40B4-BE49-F238E27FC236}">
-                  <a16:creationId xmlns="" xmlns:a16="http://schemas.microsoft.com/office/drawing/2014/main" id="{ED32B511-0E3E-4DE1-B134-A452408ABAB8}"/>
+                  <a16:creationId xmlns:a16="http://schemas.microsoft.com/office/drawing/2014/main" xmlns="" id="{ED32B511-0E3E-4DE1-B134-A452408ABAB8}"/>
                 </a:ext>
               </a:extLst>
             </p:cNvPr>
@@ -23035,7 +23035,7 @@
               <p:cNvPr id="61" name="Group 60">
                 <a:extLst>
                   <a:ext uri="{FF2B5EF4-FFF2-40B4-BE49-F238E27FC236}">
-                    <a16:creationId xmlns="" xmlns:a16="http://schemas.microsoft.com/office/drawing/2014/main" id="{125B5DCB-4636-445B-A635-238A15DE4132}"/>
+                    <a16:creationId xmlns:a16="http://schemas.microsoft.com/office/drawing/2014/main" xmlns="" id="{125B5DCB-4636-445B-A635-238A15DE4132}"/>
                   </a:ext>
                 </a:extLst>
               </p:cNvPr>
@@ -23055,7 +23055,7 @@
                 <p:cNvPr id="64" name="Picture 63" descr="A close up of a person&#10;&#10;Description automatically generated">
                   <a:extLst>
                     <a:ext uri="{FF2B5EF4-FFF2-40B4-BE49-F238E27FC236}">
-                      <a16:creationId xmlns="" xmlns:a16="http://schemas.microsoft.com/office/drawing/2014/main" id="{81682841-10C6-478C-8E71-C4D5B442C2D4}"/>
+                      <a16:creationId xmlns:a16="http://schemas.microsoft.com/office/drawing/2014/main" xmlns="" id="{81682841-10C6-478C-8E71-C4D5B442C2D4}"/>
                     </a:ext>
                   </a:extLst>
                 </p:cNvPr>
@@ -23091,7 +23091,7 @@
                 <p:cNvPr id="65" name="Picture 64" descr="A close up of a logo&#10;&#10;Description automatically generated">
                   <a:extLst>
                     <a:ext uri="{FF2B5EF4-FFF2-40B4-BE49-F238E27FC236}">
-                      <a16:creationId xmlns="" xmlns:a16="http://schemas.microsoft.com/office/drawing/2014/main" id="{D6B359FB-9A67-42EA-A4D5-41493FC97E4D}"/>
+                      <a16:creationId xmlns:a16="http://schemas.microsoft.com/office/drawing/2014/main" xmlns="" id="{D6B359FB-9A67-42EA-A4D5-41493FC97E4D}"/>
                     </a:ext>
                   </a:extLst>
                 </p:cNvPr>
@@ -23127,7 +23127,7 @@
                 <p:cNvPr id="66" name="Picture 65" descr="A close up of a logo&#10;&#10;Description automatically generated">
                   <a:extLst>
                     <a:ext uri="{FF2B5EF4-FFF2-40B4-BE49-F238E27FC236}">
-                      <a16:creationId xmlns="" xmlns:a16="http://schemas.microsoft.com/office/drawing/2014/main" id="{F7B74625-E64F-42CD-A757-795B53D0C962}"/>
+                      <a16:creationId xmlns:a16="http://schemas.microsoft.com/office/drawing/2014/main" xmlns="" id="{F7B74625-E64F-42CD-A757-795B53D0C962}"/>
                     </a:ext>
                   </a:extLst>
                 </p:cNvPr>
@@ -23163,7 +23163,7 @@
                 <p:cNvPr id="67" name="TextBox 66">
                   <a:extLst>
                     <a:ext uri="{FF2B5EF4-FFF2-40B4-BE49-F238E27FC236}">
-                      <a16:creationId xmlns="" xmlns:a16="http://schemas.microsoft.com/office/drawing/2014/main" id="{3DDD1541-8047-44BB-9199-9795894A96C2}"/>
+                      <a16:creationId xmlns:a16="http://schemas.microsoft.com/office/drawing/2014/main" xmlns="" id="{3DDD1541-8047-44BB-9199-9795894A96C2}"/>
                     </a:ext>
                   </a:extLst>
                 </p:cNvPr>
@@ -23199,7 +23199,7 @@
                 <p:cNvPr id="68" name="TextBox 67">
                   <a:extLst>
                     <a:ext uri="{FF2B5EF4-FFF2-40B4-BE49-F238E27FC236}">
-                      <a16:creationId xmlns="" xmlns:a16="http://schemas.microsoft.com/office/drawing/2014/main" id="{D2C6FFDE-1D92-4368-9EE1-96CB4B026C9A}"/>
+                      <a16:creationId xmlns:a16="http://schemas.microsoft.com/office/drawing/2014/main" xmlns="" id="{D2C6FFDE-1D92-4368-9EE1-96CB4B026C9A}"/>
                     </a:ext>
                   </a:extLst>
                 </p:cNvPr>
@@ -23235,7 +23235,7 @@
                 <p:cNvPr id="69" name="TextBox 68">
                   <a:extLst>
                     <a:ext uri="{FF2B5EF4-FFF2-40B4-BE49-F238E27FC236}">
-                      <a16:creationId xmlns="" xmlns:a16="http://schemas.microsoft.com/office/drawing/2014/main" id="{91FA1A4A-799D-4C1C-B711-221B958168CA}"/>
+                      <a16:creationId xmlns:a16="http://schemas.microsoft.com/office/drawing/2014/main" xmlns="" id="{91FA1A4A-799D-4C1C-B711-221B958168CA}"/>
                     </a:ext>
                   </a:extLst>
                 </p:cNvPr>
@@ -23275,7 +23275,7 @@
                 <p:cNvPr id="70" name="TextBox 69">
                   <a:extLst>
                     <a:ext uri="{FF2B5EF4-FFF2-40B4-BE49-F238E27FC236}">
-                      <a16:creationId xmlns="" xmlns:a16="http://schemas.microsoft.com/office/drawing/2014/main" id="{75333DDE-85A8-4F7A-AB5E-D95541C8839B}"/>
+                      <a16:creationId xmlns:a16="http://schemas.microsoft.com/office/drawing/2014/main" xmlns="" id="{75333DDE-85A8-4F7A-AB5E-D95541C8839B}"/>
                     </a:ext>
                   </a:extLst>
                 </p:cNvPr>
@@ -23315,7 +23315,7 @@
                 <p:cNvPr id="71" name="TextBox 70">
                   <a:extLst>
                     <a:ext uri="{FF2B5EF4-FFF2-40B4-BE49-F238E27FC236}">
-                      <a16:creationId xmlns="" xmlns:a16="http://schemas.microsoft.com/office/drawing/2014/main" id="{BC69923F-D19A-46C6-98D4-0A7872704C55}"/>
+                      <a16:creationId xmlns:a16="http://schemas.microsoft.com/office/drawing/2014/main" xmlns="" id="{BC69923F-D19A-46C6-98D4-0A7872704C55}"/>
                     </a:ext>
                   </a:extLst>
                 </p:cNvPr>
@@ -23356,7 +23356,7 @@
               <p:cNvPr id="62" name="TextBox 61">
                 <a:extLst>
                   <a:ext uri="{FF2B5EF4-FFF2-40B4-BE49-F238E27FC236}">
-                    <a16:creationId xmlns="" xmlns:a16="http://schemas.microsoft.com/office/drawing/2014/main" id="{C52B1F06-4451-433B-937C-57BBD07EF5D0}"/>
+                    <a16:creationId xmlns:a16="http://schemas.microsoft.com/office/drawing/2014/main" xmlns="" id="{C52B1F06-4451-433B-937C-57BBD07EF5D0}"/>
                   </a:ext>
                 </a:extLst>
               </p:cNvPr>
@@ -23413,7 +23413,7 @@
               <p:cNvPr id="63" name="TextBox 62">
                 <a:extLst>
                   <a:ext uri="{FF2B5EF4-FFF2-40B4-BE49-F238E27FC236}">
-                    <a16:creationId xmlns="" xmlns:a16="http://schemas.microsoft.com/office/drawing/2014/main" id="{33AFBAEF-7695-476D-981C-61694EFA6AE1}"/>
+                    <a16:creationId xmlns:a16="http://schemas.microsoft.com/office/drawing/2014/main" xmlns="" id="{33AFBAEF-7695-476D-981C-61694EFA6AE1}"/>
                   </a:ext>
                 </a:extLst>
               </p:cNvPr>
@@ -23472,7 +23472,7 @@
           <p:cNvPr id="72" name="Group 71">
             <a:extLst>
               <a:ext uri="{FF2B5EF4-FFF2-40B4-BE49-F238E27FC236}">
-                <a16:creationId xmlns="" xmlns:a16="http://schemas.microsoft.com/office/drawing/2014/main" id="{62AC035D-436E-41C1-B871-8391C604BDB0}"/>
+                <a16:creationId xmlns:a16="http://schemas.microsoft.com/office/drawing/2014/main" xmlns="" id="{62AC035D-436E-41C1-B871-8391C604BDB0}"/>
               </a:ext>
             </a:extLst>
           </p:cNvPr>
@@ -23492,7 +23492,7 @@
             <p:cNvPr id="73" name="Group 72">
               <a:extLst>
                 <a:ext uri="{FF2B5EF4-FFF2-40B4-BE49-F238E27FC236}">
-                  <a16:creationId xmlns="" xmlns:a16="http://schemas.microsoft.com/office/drawing/2014/main" id="{A69FAACF-ABA8-43EA-B200-A749581D5FFA}"/>
+                  <a16:creationId xmlns:a16="http://schemas.microsoft.com/office/drawing/2014/main" xmlns="" id="{A69FAACF-ABA8-43EA-B200-A749581D5FFA}"/>
                 </a:ext>
               </a:extLst>
             </p:cNvPr>
@@ -23512,7 +23512,7 @@
               <p:cNvPr id="79" name="TextBox 78">
                 <a:extLst>
                   <a:ext uri="{FF2B5EF4-FFF2-40B4-BE49-F238E27FC236}">
-                    <a16:creationId xmlns="" xmlns:a16="http://schemas.microsoft.com/office/drawing/2014/main" id="{C916F37C-FEE4-420B-AE8A-7CA4F54B8DED}"/>
+                    <a16:creationId xmlns:a16="http://schemas.microsoft.com/office/drawing/2014/main" xmlns="" id="{C916F37C-FEE4-420B-AE8A-7CA4F54B8DED}"/>
                   </a:ext>
                 </a:extLst>
               </p:cNvPr>
@@ -23557,7 +23557,7 @@
               <p:cNvPr id="80" name="Group 79">
                 <a:extLst>
                   <a:ext uri="{FF2B5EF4-FFF2-40B4-BE49-F238E27FC236}">
-                    <a16:creationId xmlns="" xmlns:a16="http://schemas.microsoft.com/office/drawing/2014/main" id="{8245CA0B-71BC-476F-B724-07C1A7884AB8}"/>
+                    <a16:creationId xmlns:a16="http://schemas.microsoft.com/office/drawing/2014/main" xmlns="" id="{8245CA0B-71BC-476F-B724-07C1A7884AB8}"/>
                   </a:ext>
                 </a:extLst>
               </p:cNvPr>
@@ -23577,7 +23577,7 @@
                 <p:cNvPr id="81" name="Picture 80">
                   <a:extLst>
                     <a:ext uri="{FF2B5EF4-FFF2-40B4-BE49-F238E27FC236}">
-                      <a16:creationId xmlns="" xmlns:a16="http://schemas.microsoft.com/office/drawing/2014/main" id="{2EF5CCF5-AAD4-4B46-ABEB-DD8C5E367C82}"/>
+                      <a16:creationId xmlns:a16="http://schemas.microsoft.com/office/drawing/2014/main" xmlns="" id="{2EF5CCF5-AAD4-4B46-ABEB-DD8C5E367C82}"/>
                     </a:ext>
                   </a:extLst>
                 </p:cNvPr>
@@ -23621,7 +23621,7 @@
                 <p:cNvPr id="82" name="Picture 81">
                   <a:extLst>
                     <a:ext uri="{FF2B5EF4-FFF2-40B4-BE49-F238E27FC236}">
-                      <a16:creationId xmlns="" xmlns:a16="http://schemas.microsoft.com/office/drawing/2014/main" id="{A5C44788-A675-4567-8E8D-B6D1147623DC}"/>
+                      <a16:creationId xmlns:a16="http://schemas.microsoft.com/office/drawing/2014/main" xmlns="" id="{A5C44788-A675-4567-8E8D-B6D1147623DC}"/>
                     </a:ext>
                   </a:extLst>
                 </p:cNvPr>
@@ -23665,7 +23665,7 @@
                 <p:cNvPr id="83" name="Picture 82">
                   <a:extLst>
                     <a:ext uri="{FF2B5EF4-FFF2-40B4-BE49-F238E27FC236}">
-                      <a16:creationId xmlns="" xmlns:a16="http://schemas.microsoft.com/office/drawing/2014/main" id="{36D592D0-3739-47AF-9271-C5BDC31C8A94}"/>
+                      <a16:creationId xmlns:a16="http://schemas.microsoft.com/office/drawing/2014/main" xmlns="" id="{36D592D0-3739-47AF-9271-C5BDC31C8A94}"/>
                     </a:ext>
                   </a:extLst>
                 </p:cNvPr>
@@ -23709,7 +23709,7 @@
                 <p:cNvPr id="84" name="TextBox 83">
                   <a:extLst>
                     <a:ext uri="{FF2B5EF4-FFF2-40B4-BE49-F238E27FC236}">
-                      <a16:creationId xmlns="" xmlns:a16="http://schemas.microsoft.com/office/drawing/2014/main" id="{8C9D5431-47C9-446E-8E17-F2D21D9E0F4E}"/>
+                      <a16:creationId xmlns:a16="http://schemas.microsoft.com/office/drawing/2014/main" xmlns="" id="{8C9D5431-47C9-446E-8E17-F2D21D9E0F4E}"/>
                     </a:ext>
                   </a:extLst>
                 </p:cNvPr>
@@ -23745,7 +23745,7 @@
                 <p:cNvPr id="85" name="TextBox 84">
                   <a:extLst>
                     <a:ext uri="{FF2B5EF4-FFF2-40B4-BE49-F238E27FC236}">
-                      <a16:creationId xmlns="" xmlns:a16="http://schemas.microsoft.com/office/drawing/2014/main" id="{C08A810E-0F9F-4B99-916F-CEC853B93B2E}"/>
+                      <a16:creationId xmlns:a16="http://schemas.microsoft.com/office/drawing/2014/main" xmlns="" id="{C08A810E-0F9F-4B99-916F-CEC853B93B2E}"/>
                     </a:ext>
                   </a:extLst>
                 </p:cNvPr>
@@ -23783,7 +23783,7 @@
             <p:cNvPr id="74" name="TextBox 73">
               <a:extLst>
                 <a:ext uri="{FF2B5EF4-FFF2-40B4-BE49-F238E27FC236}">
-                  <a16:creationId xmlns="" xmlns:a16="http://schemas.microsoft.com/office/drawing/2014/main" id="{8783E3E6-8DA0-4B43-8796-87BCCF6FDC3C}"/>
+                  <a16:creationId xmlns:a16="http://schemas.microsoft.com/office/drawing/2014/main" xmlns="" id="{8783E3E6-8DA0-4B43-8796-87BCCF6FDC3C}"/>
                 </a:ext>
               </a:extLst>
             </p:cNvPr>
@@ -23823,7 +23823,7 @@
             <p:cNvPr id="75" name="TextBox 74">
               <a:extLst>
                 <a:ext uri="{FF2B5EF4-FFF2-40B4-BE49-F238E27FC236}">
-                  <a16:creationId xmlns="" xmlns:a16="http://schemas.microsoft.com/office/drawing/2014/main" id="{E6E73A88-46EA-4CE7-9A89-D02616A68D39}"/>
+                  <a16:creationId xmlns:a16="http://schemas.microsoft.com/office/drawing/2014/main" xmlns="" id="{E6E73A88-46EA-4CE7-9A89-D02616A68D39}"/>
                 </a:ext>
               </a:extLst>
             </p:cNvPr>
@@ -23863,7 +23863,7 @@
             <p:cNvPr id="76" name="TextBox 75">
               <a:extLst>
                 <a:ext uri="{FF2B5EF4-FFF2-40B4-BE49-F238E27FC236}">
-                  <a16:creationId xmlns="" xmlns:a16="http://schemas.microsoft.com/office/drawing/2014/main" id="{E94ECADF-7BEE-4462-9B64-71E30E31F5F8}"/>
+                  <a16:creationId xmlns:a16="http://schemas.microsoft.com/office/drawing/2014/main" xmlns="" id="{E94ECADF-7BEE-4462-9B64-71E30E31F5F8}"/>
                 </a:ext>
               </a:extLst>
             </p:cNvPr>
@@ -23903,7 +23903,7 @@
             <p:cNvPr id="77" name="TextBox 76">
               <a:extLst>
                 <a:ext uri="{FF2B5EF4-FFF2-40B4-BE49-F238E27FC236}">
-                  <a16:creationId xmlns="" xmlns:a16="http://schemas.microsoft.com/office/drawing/2014/main" id="{1BEBFB0E-1131-4431-A1CB-0C5AB8076F74}"/>
+                  <a16:creationId xmlns:a16="http://schemas.microsoft.com/office/drawing/2014/main" xmlns="" id="{1BEBFB0E-1131-4431-A1CB-0C5AB8076F74}"/>
                 </a:ext>
               </a:extLst>
             </p:cNvPr>
@@ -23943,7 +23943,7 @@
             <p:cNvPr id="78" name="TextBox 77">
               <a:extLst>
                 <a:ext uri="{FF2B5EF4-FFF2-40B4-BE49-F238E27FC236}">
-                  <a16:creationId xmlns="" xmlns:a16="http://schemas.microsoft.com/office/drawing/2014/main" id="{0247A0ED-9373-4A7C-B2A7-CF82E9F82D9D}"/>
+                  <a16:creationId xmlns:a16="http://schemas.microsoft.com/office/drawing/2014/main" xmlns="" id="{0247A0ED-9373-4A7C-B2A7-CF82E9F82D9D}"/>
                 </a:ext>
               </a:extLst>
             </p:cNvPr>
@@ -23984,7 +23984,7 @@
           <p:cNvPr id="86" name="Group 85">
             <a:extLst>
               <a:ext uri="{FF2B5EF4-FFF2-40B4-BE49-F238E27FC236}">
-                <a16:creationId xmlns="" xmlns:a16="http://schemas.microsoft.com/office/drawing/2014/main" id="{77345A03-AF8A-4091-BFC4-B48BFBAC4FC3}"/>
+                <a16:creationId xmlns:a16="http://schemas.microsoft.com/office/drawing/2014/main" xmlns="" id="{77345A03-AF8A-4091-BFC4-B48BFBAC4FC3}"/>
               </a:ext>
             </a:extLst>
           </p:cNvPr>
@@ -24004,7 +24004,7 @@
             <p:cNvPr id="87" name="Group 86">
               <a:extLst>
                 <a:ext uri="{FF2B5EF4-FFF2-40B4-BE49-F238E27FC236}">
-                  <a16:creationId xmlns="" xmlns:a16="http://schemas.microsoft.com/office/drawing/2014/main" id="{96BB160D-7952-462E-8AB7-F23EFCD94AB7}"/>
+                  <a16:creationId xmlns:a16="http://schemas.microsoft.com/office/drawing/2014/main" xmlns="" id="{96BB160D-7952-462E-8AB7-F23EFCD94AB7}"/>
                 </a:ext>
               </a:extLst>
             </p:cNvPr>
@@ -24024,7 +24024,7 @@
               <p:cNvPr id="91" name="Group 90">
                 <a:extLst>
                   <a:ext uri="{FF2B5EF4-FFF2-40B4-BE49-F238E27FC236}">
-                    <a16:creationId xmlns="" xmlns:a16="http://schemas.microsoft.com/office/drawing/2014/main" id="{D877ED0F-2157-4E59-BE17-9E02CDA5B4FB}"/>
+                    <a16:creationId xmlns:a16="http://schemas.microsoft.com/office/drawing/2014/main" xmlns="" id="{D877ED0F-2157-4E59-BE17-9E02CDA5B4FB}"/>
                   </a:ext>
                 </a:extLst>
               </p:cNvPr>
@@ -24044,7 +24044,7 @@
                 <p:cNvPr id="93" name="TextBox 92">
                   <a:extLst>
                     <a:ext uri="{FF2B5EF4-FFF2-40B4-BE49-F238E27FC236}">
-                      <a16:creationId xmlns="" xmlns:a16="http://schemas.microsoft.com/office/drawing/2014/main" id="{E0F126E1-DD37-4C09-9297-4337CA2A2036}"/>
+                      <a16:creationId xmlns:a16="http://schemas.microsoft.com/office/drawing/2014/main" xmlns="" id="{E0F126E1-DD37-4C09-9297-4337CA2A2036}"/>
                     </a:ext>
                   </a:extLst>
                 </p:cNvPr>
@@ -24089,7 +24089,7 @@
                 <p:cNvPr id="94" name="Group 93">
                   <a:extLst>
                     <a:ext uri="{FF2B5EF4-FFF2-40B4-BE49-F238E27FC236}">
-                      <a16:creationId xmlns="" xmlns:a16="http://schemas.microsoft.com/office/drawing/2014/main" id="{B3828EFC-7000-46BF-BD2A-1FC171B21C1C}"/>
+                      <a16:creationId xmlns:a16="http://schemas.microsoft.com/office/drawing/2014/main" xmlns="" id="{B3828EFC-7000-46BF-BD2A-1FC171B21C1C}"/>
                     </a:ext>
                   </a:extLst>
                 </p:cNvPr>
@@ -24109,7 +24109,7 @@
                   <p:cNvPr id="95" name="Group 94">
                     <a:extLst>
                       <a:ext uri="{FF2B5EF4-FFF2-40B4-BE49-F238E27FC236}">
-                        <a16:creationId xmlns="" xmlns:a16="http://schemas.microsoft.com/office/drawing/2014/main" id="{A59C9991-9736-408F-A168-BFB599E667AC}"/>
+                        <a16:creationId xmlns:a16="http://schemas.microsoft.com/office/drawing/2014/main" xmlns="" id="{A59C9991-9736-408F-A168-BFB599E667AC}"/>
                       </a:ext>
                     </a:extLst>
                   </p:cNvPr>
@@ -24129,7 +24129,7 @@
                     <p:cNvPr id="97" name="Group 96">
                       <a:extLst>
                         <a:ext uri="{FF2B5EF4-FFF2-40B4-BE49-F238E27FC236}">
-                          <a16:creationId xmlns="" xmlns:a16="http://schemas.microsoft.com/office/drawing/2014/main" id="{DC5EF675-B421-4463-9738-25F436D61089}"/>
+                          <a16:creationId xmlns:a16="http://schemas.microsoft.com/office/drawing/2014/main" xmlns="" id="{DC5EF675-B421-4463-9738-25F436D61089}"/>
                         </a:ext>
                       </a:extLst>
                     </p:cNvPr>
@@ -24149,7 +24149,7 @@
                       <p:cNvPr id="101" name="Picture 100" descr="A close up of a device&#10;&#10;Description automatically generated">
                         <a:extLst>
                           <a:ext uri="{FF2B5EF4-FFF2-40B4-BE49-F238E27FC236}">
-                            <a16:creationId xmlns="" xmlns:a16="http://schemas.microsoft.com/office/drawing/2014/main" id="{3B7195B5-32C1-4328-86E8-011BFABB93A6}"/>
+                            <a16:creationId xmlns:a16="http://schemas.microsoft.com/office/drawing/2014/main" xmlns="" id="{3B7195B5-32C1-4328-86E8-011BFABB93A6}"/>
                           </a:ext>
                         </a:extLst>
                       </p:cNvPr>
@@ -24185,7 +24185,7 @@
                       <p:cNvPr id="102" name="Picture 101">
                         <a:extLst>
                           <a:ext uri="{FF2B5EF4-FFF2-40B4-BE49-F238E27FC236}">
-                            <a16:creationId xmlns="" xmlns:a16="http://schemas.microsoft.com/office/drawing/2014/main" id="{7E459366-728A-45AF-B85E-046A28505D58}"/>
+                            <a16:creationId xmlns:a16="http://schemas.microsoft.com/office/drawing/2014/main" xmlns="" id="{7E459366-728A-45AF-B85E-046A28505D58}"/>
                           </a:ext>
                         </a:extLst>
                       </p:cNvPr>
@@ -24222,7 +24222,7 @@
                     <p:cNvPr id="98" name="Picture 97" descr="A close up of a device&#10;&#10;Description automatically generated">
                       <a:extLst>
                         <a:ext uri="{FF2B5EF4-FFF2-40B4-BE49-F238E27FC236}">
-                          <a16:creationId xmlns="" xmlns:a16="http://schemas.microsoft.com/office/drawing/2014/main" id="{E24AD8BE-4DE1-4538-9331-4E3990B50345}"/>
+                          <a16:creationId xmlns:a16="http://schemas.microsoft.com/office/drawing/2014/main" xmlns="" id="{E24AD8BE-4DE1-4538-9331-4E3990B50345}"/>
                         </a:ext>
                       </a:extLst>
                     </p:cNvPr>
@@ -24257,7 +24257,7 @@
                     <p:cNvPr id="99" name="Picture 98" descr="A picture containing crossword puzzle, text, black, floor&#10;&#10;Description automatically generated">
                       <a:extLst>
                         <a:ext uri="{FF2B5EF4-FFF2-40B4-BE49-F238E27FC236}">
-                          <a16:creationId xmlns="" xmlns:a16="http://schemas.microsoft.com/office/drawing/2014/main" id="{C80C5476-8CCA-486C-90D3-FA0B1C5D7683}"/>
+                          <a16:creationId xmlns:a16="http://schemas.microsoft.com/office/drawing/2014/main" xmlns="" id="{C80C5476-8CCA-486C-90D3-FA0B1C5D7683}"/>
                         </a:ext>
                       </a:extLst>
                     </p:cNvPr>
@@ -24293,7 +24293,7 @@
                     <p:cNvPr id="100" name="Picture 99">
                       <a:extLst>
                         <a:ext uri="{FF2B5EF4-FFF2-40B4-BE49-F238E27FC236}">
-                          <a16:creationId xmlns="" xmlns:a16="http://schemas.microsoft.com/office/drawing/2014/main" id="{7B2482F8-8B5C-4925-B39C-C0974E45A424}"/>
+                          <a16:creationId xmlns:a16="http://schemas.microsoft.com/office/drawing/2014/main" xmlns="" id="{7B2482F8-8B5C-4925-B39C-C0974E45A424}"/>
                         </a:ext>
                       </a:extLst>
                     </p:cNvPr>
@@ -24330,7 +24330,7 @@
                   <p:cNvPr id="96" name="Rectangle: Rounded Corners 97">
                     <a:extLst>
                       <a:ext uri="{FF2B5EF4-FFF2-40B4-BE49-F238E27FC236}">
-                        <a16:creationId xmlns="" xmlns:a16="http://schemas.microsoft.com/office/drawing/2014/main" id="{7082610D-6AD0-4B72-8799-8EF096B5C63B}"/>
+                        <a16:creationId xmlns:a16="http://schemas.microsoft.com/office/drawing/2014/main" xmlns="" id="{7082610D-6AD0-4B72-8799-8EF096B5C63B}"/>
                       </a:ext>
                     </a:extLst>
                   </p:cNvPr>
@@ -24384,7 +24384,7 @@
               <p:cNvPr id="92" name="Speech Bubble: Oval 187">
                 <a:extLst>
                   <a:ext uri="{FF2B5EF4-FFF2-40B4-BE49-F238E27FC236}">
-                    <a16:creationId xmlns="" xmlns:a16="http://schemas.microsoft.com/office/drawing/2014/main" id="{078F6DC7-CB18-4D83-B6C3-E52851F35E01}"/>
+                    <a16:creationId xmlns:a16="http://schemas.microsoft.com/office/drawing/2014/main" xmlns="" id="{078F6DC7-CB18-4D83-B6C3-E52851F35E01}"/>
                   </a:ext>
                 </a:extLst>
               </p:cNvPr>
@@ -24447,7 +24447,7 @@
             <p:cNvPr id="88" name="Straight Arrow Connector 87">
               <a:extLst>
                 <a:ext uri="{FF2B5EF4-FFF2-40B4-BE49-F238E27FC236}">
-                  <a16:creationId xmlns="" xmlns:a16="http://schemas.microsoft.com/office/drawing/2014/main" id="{1338B41E-BE41-4E7F-AB5D-DBDF1AC91A9C}"/>
+                  <a16:creationId xmlns:a16="http://schemas.microsoft.com/office/drawing/2014/main" xmlns="" id="{1338B41E-BE41-4E7F-AB5D-DBDF1AC91A9C}"/>
                 </a:ext>
               </a:extLst>
             </p:cNvPr>
@@ -24489,7 +24489,7 @@
             <p:cNvPr id="89" name="Straight Arrow Connector 88">
               <a:extLst>
                 <a:ext uri="{FF2B5EF4-FFF2-40B4-BE49-F238E27FC236}">
-                  <a16:creationId xmlns="" xmlns:a16="http://schemas.microsoft.com/office/drawing/2014/main" id="{138E9ACB-E391-4CA5-9E66-988BB55833A3}"/>
+                  <a16:creationId xmlns:a16="http://schemas.microsoft.com/office/drawing/2014/main" xmlns="" id="{138E9ACB-E391-4CA5-9E66-988BB55833A3}"/>
                 </a:ext>
               </a:extLst>
             </p:cNvPr>
@@ -24531,7 +24531,7 @@
             <p:cNvPr id="90" name="Straight Arrow Connector 89">
               <a:extLst>
                 <a:ext uri="{FF2B5EF4-FFF2-40B4-BE49-F238E27FC236}">
-                  <a16:creationId xmlns="" xmlns:a16="http://schemas.microsoft.com/office/drawing/2014/main" id="{2C7BE932-3BC3-4A8A-9590-5CF30E25BF8F}"/>
+                  <a16:creationId xmlns:a16="http://schemas.microsoft.com/office/drawing/2014/main" xmlns="" id="{2C7BE932-3BC3-4A8A-9590-5CF30E25BF8F}"/>
                 </a:ext>
               </a:extLst>
             </p:cNvPr>
@@ -24913,7 +24913,7 @@
   <a:extraClrSchemeLst/>
   <a:extLst>
     <a:ext uri="{05A4C25C-085E-4340-85A3-A5531E510DB2}">
-      <thm15:themeFamily xmlns="" xmlns:thm15="http://schemas.microsoft.com/office/thememl/2012/main" name="Office Theme" id="{62F939B6-93AF-4DB8-9C6B-D6C7DFDC589F}" vid="{4A3C46E8-61CC-4603-A589-7422A47A8E4A}"/>
+      <thm15:themeFamily xmlns:thm15="http://schemas.microsoft.com/office/thememl/2012/main" xmlns="" name="Office Theme" id="{62F939B6-93AF-4DB8-9C6B-D6C7DFDC589F}" vid="{4A3C46E8-61CC-4603-A589-7422A47A8E4A}"/>
     </a:ext>
   </a:extLst>
 </a:theme>

--- a/poster-their-logo.pptx
+++ b/poster-their-logo.pptx
@@ -2,18 +2,18 @@
 <file path=ppt/presentation.xml><?xml version="1.0" encoding="utf-8"?>
 <p:presentation xmlns:a="http://schemas.openxmlformats.org/drawingml/2006/main" xmlns:r="http://schemas.openxmlformats.org/officeDocument/2006/relationships" xmlns:p="http://schemas.openxmlformats.org/presentationml/2006/main" saveSubsetFonts="1">
   <p:sldMasterIdLst>
-    <p:sldMasterId id="2147483660" r:id="rId1"/>
+    <p:sldMasterId id="2147483672" r:id="rId1"/>
   </p:sldMasterIdLst>
   <p:sldIdLst>
     <p:sldId id="260" r:id="rId2"/>
   </p:sldIdLst>
-  <p:sldSz cx="32404050" cy="43205400"/>
+  <p:sldSz cx="32399288" cy="43200638"/>
   <p:notesSz cx="6858000" cy="9144000"/>
   <p:defaultTextStyle>
     <a:defPPr>
       <a:defRPr lang="en-US"/>
     </a:defPPr>
-    <a:lvl1pPr marL="0" algn="l" defTabSz="457246" rtl="0" eaLnBrk="1" latinLnBrk="0" hangingPunct="1">
+    <a:lvl1pPr marL="0" algn="l" defTabSz="457200" rtl="0" eaLnBrk="1" latinLnBrk="0" hangingPunct="1">
       <a:defRPr sz="1800" kern="1200">
         <a:solidFill>
           <a:schemeClr val="tx1"/>
@@ -23,7 +23,7 @@
         <a:cs typeface="+mn-cs"/>
       </a:defRPr>
     </a:lvl1pPr>
-    <a:lvl2pPr marL="457246" algn="l" defTabSz="457246" rtl="0" eaLnBrk="1" latinLnBrk="0" hangingPunct="1">
+    <a:lvl2pPr marL="457200" algn="l" defTabSz="457200" rtl="0" eaLnBrk="1" latinLnBrk="0" hangingPunct="1">
       <a:defRPr sz="1800" kern="1200">
         <a:solidFill>
           <a:schemeClr val="tx1"/>
@@ -33,7 +33,7 @@
         <a:cs typeface="+mn-cs"/>
       </a:defRPr>
     </a:lvl2pPr>
-    <a:lvl3pPr marL="914491" algn="l" defTabSz="457246" rtl="0" eaLnBrk="1" latinLnBrk="0" hangingPunct="1">
+    <a:lvl3pPr marL="914400" algn="l" defTabSz="457200" rtl="0" eaLnBrk="1" latinLnBrk="0" hangingPunct="1">
       <a:defRPr sz="1800" kern="1200">
         <a:solidFill>
           <a:schemeClr val="tx1"/>
@@ -43,7 +43,7 @@
         <a:cs typeface="+mn-cs"/>
       </a:defRPr>
     </a:lvl3pPr>
-    <a:lvl4pPr marL="1371737" algn="l" defTabSz="457246" rtl="0" eaLnBrk="1" latinLnBrk="0" hangingPunct="1">
+    <a:lvl4pPr marL="1371600" algn="l" defTabSz="457200" rtl="0" eaLnBrk="1" latinLnBrk="0" hangingPunct="1">
       <a:defRPr sz="1800" kern="1200">
         <a:solidFill>
           <a:schemeClr val="tx1"/>
@@ -53,7 +53,7 @@
         <a:cs typeface="+mn-cs"/>
       </a:defRPr>
     </a:lvl4pPr>
-    <a:lvl5pPr marL="1828983" algn="l" defTabSz="457246" rtl="0" eaLnBrk="1" latinLnBrk="0" hangingPunct="1">
+    <a:lvl5pPr marL="1828800" algn="l" defTabSz="457200" rtl="0" eaLnBrk="1" latinLnBrk="0" hangingPunct="1">
       <a:defRPr sz="1800" kern="1200">
         <a:solidFill>
           <a:schemeClr val="tx1"/>
@@ -63,7 +63,7 @@
         <a:cs typeface="+mn-cs"/>
       </a:defRPr>
     </a:lvl5pPr>
-    <a:lvl6pPr marL="2286229" algn="l" defTabSz="457246" rtl="0" eaLnBrk="1" latinLnBrk="0" hangingPunct="1">
+    <a:lvl6pPr marL="2286000" algn="l" defTabSz="457200" rtl="0" eaLnBrk="1" latinLnBrk="0" hangingPunct="1">
       <a:defRPr sz="1800" kern="1200">
         <a:solidFill>
           <a:schemeClr val="tx1"/>
@@ -73,7 +73,7 @@
         <a:cs typeface="+mn-cs"/>
       </a:defRPr>
     </a:lvl6pPr>
-    <a:lvl7pPr marL="2743474" algn="l" defTabSz="457246" rtl="0" eaLnBrk="1" latinLnBrk="0" hangingPunct="1">
+    <a:lvl7pPr marL="2743200" algn="l" defTabSz="457200" rtl="0" eaLnBrk="1" latinLnBrk="0" hangingPunct="1">
       <a:defRPr sz="1800" kern="1200">
         <a:solidFill>
           <a:schemeClr val="tx1"/>
@@ -83,7 +83,7 @@
         <a:cs typeface="+mn-cs"/>
       </a:defRPr>
     </a:lvl7pPr>
-    <a:lvl8pPr marL="3200720" algn="l" defTabSz="457246" rtl="0" eaLnBrk="1" latinLnBrk="0" hangingPunct="1">
+    <a:lvl8pPr marL="3200400" algn="l" defTabSz="457200" rtl="0" eaLnBrk="1" latinLnBrk="0" hangingPunct="1">
       <a:defRPr sz="1800" kern="1200">
         <a:solidFill>
           <a:schemeClr val="tx1"/>
@@ -93,7 +93,7 @@
         <a:cs typeface="+mn-cs"/>
       </a:defRPr>
     </a:lvl8pPr>
-    <a:lvl9pPr marL="3657966" algn="l" defTabSz="457246" rtl="0" eaLnBrk="1" latinLnBrk="0" hangingPunct="1">
+    <a:lvl9pPr marL="3657600" algn="l" defTabSz="457200" rtl="0" eaLnBrk="1" latinLnBrk="0" hangingPunct="1">
       <a:defRPr sz="1800" kern="1200">
         <a:solidFill>
           <a:schemeClr val="tx1"/>
@@ -106,13 +106,23 @@
   </p:defaultTextStyle>
   <p:extLst>
     <p:ext uri="{EFAFB233-063F-42B5-8137-9DF3F51BA10A}">
-      <p15:sldGuideLst xmlns:p15="http://schemas.microsoft.com/office/powerpoint/2012/main" xmlns="">
-        <p15:guide id="1" orient="horz" pos="13606">
+      <p15:sldGuideLst xmlns:p15="http://schemas.microsoft.com/office/powerpoint/2012/main">
+        <p15:guide id="1" orient="horz" pos="13605" userDrawn="1">
           <p15:clr>
             <a:srgbClr val="A4A3A4"/>
           </p15:clr>
         </p15:guide>
-        <p15:guide id="2" pos="10204">
+        <p15:guide id="2" pos="10203" userDrawn="1">
+          <p15:clr>
+            <a:srgbClr val="A4A3A4"/>
+          </p15:clr>
+        </p15:guide>
+        <p15:guide id="3" orient="horz" pos="13606" userDrawn="1">
+          <p15:clr>
+            <a:srgbClr val="A4A3A4"/>
+          </p15:clr>
+        </p15:guide>
+        <p15:guide id="4" pos="10204" userDrawn="1">
           <p15:clr>
             <a:srgbClr val="A4A3A4"/>
           </p15:clr>
@@ -152,15 +162,15 @@
         </p:nvSpPr>
         <p:spPr>
           <a:xfrm>
-            <a:off x="2430305" y="7070887"/>
-            <a:ext cx="27543443" cy="15041880"/>
+            <a:off x="2429947" y="7070108"/>
+            <a:ext cx="27539395" cy="15040222"/>
           </a:xfrm>
         </p:spPr>
         <p:txBody>
           <a:bodyPr anchor="b"/>
           <a:lstStyle>
             <a:lvl1pPr algn="ctr">
-              <a:defRPr sz="21300"/>
+              <a:defRPr sz="21259"/>
             </a:lvl1pPr>
           </a:lstStyle>
           <a:p>
@@ -184,8 +194,8 @@
         </p:nvSpPr>
         <p:spPr>
           <a:xfrm>
-            <a:off x="4050506" y="22692840"/>
-            <a:ext cx="24303038" cy="10431301"/>
+            <a:off x="4049911" y="22690338"/>
+            <a:ext cx="24299466" cy="10430151"/>
           </a:xfrm>
         </p:spPr>
         <p:txBody>
@@ -193,39 +203,39 @@
           <a:lstStyle>
             <a:lvl1pPr marL="0" indent="0" algn="ctr">
               <a:buNone/>
-              <a:defRPr sz="8500"/>
+              <a:defRPr sz="8504"/>
             </a:lvl1pPr>
-            <a:lvl2pPr marL="1620113" indent="0" algn="ctr">
+            <a:lvl2pPr marL="1619951" indent="0" algn="ctr">
               <a:buNone/>
-              <a:defRPr sz="7100"/>
+              <a:defRPr sz="7086"/>
             </a:lvl2pPr>
-            <a:lvl3pPr marL="3240226" indent="0" algn="ctr">
+            <a:lvl3pPr marL="3239902" indent="0" algn="ctr">
               <a:buNone/>
-              <a:defRPr sz="6400"/>
+              <a:defRPr sz="6378"/>
             </a:lvl3pPr>
-            <a:lvl4pPr marL="4860339" indent="0" algn="ctr">
+            <a:lvl4pPr marL="4859853" indent="0" algn="ctr">
               <a:buNone/>
-              <a:defRPr sz="5700"/>
+              <a:defRPr sz="5669"/>
             </a:lvl4pPr>
-            <a:lvl5pPr marL="6480452" indent="0" algn="ctr">
+            <a:lvl5pPr marL="6479804" indent="0" algn="ctr">
               <a:buNone/>
-              <a:defRPr sz="5700"/>
+              <a:defRPr sz="5669"/>
             </a:lvl5pPr>
-            <a:lvl6pPr marL="8100565" indent="0" algn="ctr">
+            <a:lvl6pPr marL="8099755" indent="0" algn="ctr">
               <a:buNone/>
-              <a:defRPr sz="5700"/>
+              <a:defRPr sz="5669"/>
             </a:lvl6pPr>
-            <a:lvl7pPr marL="9720678" indent="0" algn="ctr">
+            <a:lvl7pPr marL="9719706" indent="0" algn="ctr">
               <a:buNone/>
-              <a:defRPr sz="5700"/>
+              <a:defRPr sz="5669"/>
             </a:lvl7pPr>
-            <a:lvl8pPr marL="11340791" indent="0" algn="ctr">
+            <a:lvl8pPr marL="11339657" indent="0" algn="ctr">
               <a:buNone/>
-              <a:defRPr sz="5700"/>
+              <a:defRPr sz="5669"/>
             </a:lvl8pPr>
-            <a:lvl9pPr marL="12960904" indent="0" algn="ctr">
+            <a:lvl9pPr marL="12959608" indent="0" algn="ctr">
               <a:buNone/>
-              <a:defRPr sz="5700"/>
+              <a:defRPr sz="5669"/>
             </a:lvl9pPr>
           </a:lstStyle>
           <a:p>
@@ -254,7 +264,7 @@
           <a:p>
             <a:fld id="{FD4B236B-4127-4146-99ED-6A730B7745F6}" type="datetimeFigureOut">
               <a:rPr lang="en-US" smtClean="0"/>
-              <a:t>30-May-19</a:t>
+              <a:t>5/31/2019</a:t>
             </a:fld>
             <a:endParaRPr lang="en-US"/>
           </a:p>
@@ -262,7 +272,7 @@
       </p:sp>
       <p:sp>
         <p:nvSpPr>
-          <p:cNvPr id="5" name="Footer Placeholder 4" hidden="1"/>
+          <p:cNvPr id="5" name="Footer Placeholder 4"/>
           <p:cNvSpPr>
             <a:spLocks noGrp="1"/>
           </p:cNvSpPr>
@@ -305,7 +315,7 @@
     </p:spTree>
     <p:extLst>
       <p:ext uri="{BB962C8B-B14F-4D97-AF65-F5344CB8AC3E}">
-        <p14:creationId xmlns:p14="http://schemas.microsoft.com/office/powerpoint/2010/main" val="1217651398"/>
+        <p14:creationId xmlns:p14="http://schemas.microsoft.com/office/powerpoint/2010/main" val="4217376125"/>
       </p:ext>
     </p:extLst>
   </p:cSld>
@@ -424,7 +434,7 @@
           <a:p>
             <a:fld id="{FD4B236B-4127-4146-99ED-6A730B7745F6}" type="datetimeFigureOut">
               <a:rPr lang="en-US" smtClean="0"/>
-              <a:t>30-May-19</a:t>
+              <a:t>5/31/2019</a:t>
             </a:fld>
             <a:endParaRPr lang="en-US"/>
           </a:p>
@@ -432,7 +442,7 @@
       </p:sp>
       <p:sp>
         <p:nvSpPr>
-          <p:cNvPr id="5" name="Footer Placeholder 4" hidden="1"/>
+          <p:cNvPr id="5" name="Footer Placeholder 4"/>
           <p:cNvSpPr>
             <a:spLocks noGrp="1"/>
           </p:cNvSpPr>
@@ -475,7 +485,7 @@
     </p:spTree>
     <p:extLst>
       <p:ext uri="{BB962C8B-B14F-4D97-AF65-F5344CB8AC3E}">
-        <p14:creationId xmlns:p14="http://schemas.microsoft.com/office/powerpoint/2010/main" val="3390715884"/>
+        <p14:creationId xmlns:p14="http://schemas.microsoft.com/office/powerpoint/2010/main" val="1555360918"/>
       </p:ext>
     </p:extLst>
   </p:cSld>
@@ -514,8 +524,8 @@
         </p:nvSpPr>
         <p:spPr>
           <a:xfrm>
-            <a:off x="23189150" y="2300287"/>
-            <a:ext cx="6987123" cy="36614580"/>
+            <a:off x="23185742" y="2300034"/>
+            <a:ext cx="6986096" cy="36610544"/>
           </a:xfrm>
         </p:spPr>
         <p:txBody>
@@ -542,8 +552,8 @@
         </p:nvSpPr>
         <p:spPr>
           <a:xfrm>
-            <a:off x="2227780" y="2300287"/>
-            <a:ext cx="20556319" cy="36614580"/>
+            <a:off x="2227453" y="2300034"/>
+            <a:ext cx="20553298" cy="36610544"/>
           </a:xfrm>
         </p:spPr>
         <p:txBody>
@@ -604,7 +614,7 @@
           <a:p>
             <a:fld id="{FD4B236B-4127-4146-99ED-6A730B7745F6}" type="datetimeFigureOut">
               <a:rPr lang="en-US" smtClean="0"/>
-              <a:t>30-May-19</a:t>
+              <a:t>5/31/2019</a:t>
             </a:fld>
             <a:endParaRPr lang="en-US"/>
           </a:p>
@@ -612,7 +622,7 @@
       </p:sp>
       <p:sp>
         <p:nvSpPr>
-          <p:cNvPr id="5" name="Footer Placeholder 4" hidden="1"/>
+          <p:cNvPr id="5" name="Footer Placeholder 4"/>
           <p:cNvSpPr>
             <a:spLocks noGrp="1"/>
           </p:cNvSpPr>
@@ -655,7 +665,7 @@
     </p:spTree>
     <p:extLst>
       <p:ext uri="{BB962C8B-B14F-4D97-AF65-F5344CB8AC3E}">
-        <p14:creationId xmlns:p14="http://schemas.microsoft.com/office/powerpoint/2010/main" val="4028642836"/>
+        <p14:creationId xmlns:p14="http://schemas.microsoft.com/office/powerpoint/2010/main" val="1440150583"/>
       </p:ext>
     </p:extLst>
   </p:cSld>
@@ -774,7 +784,7 @@
           <a:p>
             <a:fld id="{FD4B236B-4127-4146-99ED-6A730B7745F6}" type="datetimeFigureOut">
               <a:rPr lang="en-US" smtClean="0"/>
-              <a:t>30-May-19</a:t>
+              <a:t>5/31/2019</a:t>
             </a:fld>
             <a:endParaRPr lang="en-US"/>
           </a:p>
@@ -782,7 +792,7 @@
       </p:sp>
       <p:sp>
         <p:nvSpPr>
-          <p:cNvPr id="5" name="Footer Placeholder 4" hidden="1"/>
+          <p:cNvPr id="5" name="Footer Placeholder 4"/>
           <p:cNvSpPr>
             <a:spLocks noGrp="1"/>
           </p:cNvSpPr>
@@ -825,7 +835,7 @@
     </p:spTree>
     <p:extLst>
       <p:ext uri="{BB962C8B-B14F-4D97-AF65-F5344CB8AC3E}">
-        <p14:creationId xmlns:p14="http://schemas.microsoft.com/office/powerpoint/2010/main" val="852661473"/>
+        <p14:creationId xmlns:p14="http://schemas.microsoft.com/office/powerpoint/2010/main" val="337054921"/>
       </p:ext>
     </p:extLst>
   </p:cSld>
@@ -864,15 +874,15 @@
         </p:nvSpPr>
         <p:spPr>
           <a:xfrm>
-            <a:off x="2210903" y="10771359"/>
-            <a:ext cx="27948493" cy="17972243"/>
+            <a:off x="2210578" y="10770172"/>
+            <a:ext cx="27944386" cy="17970262"/>
           </a:xfrm>
         </p:spPr>
         <p:txBody>
           <a:bodyPr anchor="b"/>
           <a:lstStyle>
             <a:lvl1pPr>
-              <a:defRPr sz="21300"/>
+              <a:defRPr sz="21259"/>
             </a:lvl1pPr>
           </a:lstStyle>
           <a:p>
@@ -896,8 +906,8 @@
         </p:nvSpPr>
         <p:spPr>
           <a:xfrm>
-            <a:off x="2210903" y="28913627"/>
-            <a:ext cx="27948493" cy="9451178"/>
+            <a:off x="2210578" y="28910440"/>
+            <a:ext cx="27944386" cy="9450136"/>
           </a:xfrm>
         </p:spPr>
         <p:txBody>
@@ -905,15 +915,15 @@
           <a:lstStyle>
             <a:lvl1pPr marL="0" indent="0">
               <a:buNone/>
-              <a:defRPr sz="8500">
+              <a:defRPr sz="8504">
                 <a:solidFill>
                   <a:schemeClr val="tx1"/>
                 </a:solidFill>
               </a:defRPr>
             </a:lvl1pPr>
-            <a:lvl2pPr marL="1620113" indent="0">
+            <a:lvl2pPr marL="1619951" indent="0">
               <a:buNone/>
-              <a:defRPr sz="7100">
+              <a:defRPr sz="7086">
                 <a:solidFill>
                   <a:schemeClr val="tx1">
                     <a:tint val="75000"/>
@@ -921,9 +931,9 @@
                 </a:solidFill>
               </a:defRPr>
             </a:lvl2pPr>
-            <a:lvl3pPr marL="3240226" indent="0">
+            <a:lvl3pPr marL="3239902" indent="0">
               <a:buNone/>
-              <a:defRPr sz="6400">
+              <a:defRPr sz="6378">
                 <a:solidFill>
                   <a:schemeClr val="tx1">
                     <a:tint val="75000"/>
@@ -931,9 +941,9 @@
                 </a:solidFill>
               </a:defRPr>
             </a:lvl3pPr>
-            <a:lvl4pPr marL="4860339" indent="0">
+            <a:lvl4pPr marL="4859853" indent="0">
               <a:buNone/>
-              <a:defRPr sz="5700">
+              <a:defRPr sz="5669">
                 <a:solidFill>
                   <a:schemeClr val="tx1">
                     <a:tint val="75000"/>
@@ -941,9 +951,9 @@
                 </a:solidFill>
               </a:defRPr>
             </a:lvl4pPr>
-            <a:lvl5pPr marL="6480452" indent="0">
+            <a:lvl5pPr marL="6479804" indent="0">
               <a:buNone/>
-              <a:defRPr sz="5700">
+              <a:defRPr sz="5669">
                 <a:solidFill>
                   <a:schemeClr val="tx1">
                     <a:tint val="75000"/>
@@ -951,9 +961,9 @@
                 </a:solidFill>
               </a:defRPr>
             </a:lvl5pPr>
-            <a:lvl6pPr marL="8100565" indent="0">
+            <a:lvl6pPr marL="8099755" indent="0">
               <a:buNone/>
-              <a:defRPr sz="5700">
+              <a:defRPr sz="5669">
                 <a:solidFill>
                   <a:schemeClr val="tx1">
                     <a:tint val="75000"/>
@@ -961,9 +971,9 @@
                 </a:solidFill>
               </a:defRPr>
             </a:lvl6pPr>
-            <a:lvl7pPr marL="9720678" indent="0">
+            <a:lvl7pPr marL="9719706" indent="0">
               <a:buNone/>
-              <a:defRPr sz="5700">
+              <a:defRPr sz="5669">
                 <a:solidFill>
                   <a:schemeClr val="tx1">
                     <a:tint val="75000"/>
@@ -971,9 +981,9 @@
                 </a:solidFill>
               </a:defRPr>
             </a:lvl7pPr>
-            <a:lvl8pPr marL="11340791" indent="0">
+            <a:lvl8pPr marL="11339657" indent="0">
               <a:buNone/>
-              <a:defRPr sz="5700">
+              <a:defRPr sz="5669">
                 <a:solidFill>
                   <a:schemeClr val="tx1">
                     <a:tint val="75000"/>
@@ -981,9 +991,9 @@
                 </a:solidFill>
               </a:defRPr>
             </a:lvl8pPr>
-            <a:lvl9pPr marL="12960904" indent="0">
+            <a:lvl9pPr marL="12959608" indent="0">
               <a:buNone/>
-              <a:defRPr sz="5700">
+              <a:defRPr sz="5669">
                 <a:solidFill>
                   <a:schemeClr val="tx1">
                     <a:tint val="75000"/>
@@ -1018,7 +1028,7 @@
           <a:p>
             <a:fld id="{FD4B236B-4127-4146-99ED-6A730B7745F6}" type="datetimeFigureOut">
               <a:rPr lang="en-US" smtClean="0"/>
-              <a:t>30-May-19</a:t>
+              <a:t>5/31/2019</a:t>
             </a:fld>
             <a:endParaRPr lang="en-US"/>
           </a:p>
@@ -1026,7 +1036,7 @@
       </p:sp>
       <p:sp>
         <p:nvSpPr>
-          <p:cNvPr id="5" name="Footer Placeholder 4" hidden="1"/>
+          <p:cNvPr id="5" name="Footer Placeholder 4"/>
           <p:cNvSpPr>
             <a:spLocks noGrp="1"/>
           </p:cNvSpPr>
@@ -1069,7 +1079,7 @@
     </p:spTree>
     <p:extLst>
       <p:ext uri="{BB962C8B-B14F-4D97-AF65-F5344CB8AC3E}">
-        <p14:creationId xmlns:p14="http://schemas.microsoft.com/office/powerpoint/2010/main" val="3897732631"/>
+        <p14:creationId xmlns:p14="http://schemas.microsoft.com/office/powerpoint/2010/main" val="208891317"/>
       </p:ext>
     </p:extLst>
   </p:cSld>
@@ -1131,8 +1141,8 @@
         </p:nvSpPr>
         <p:spPr>
           <a:xfrm>
-            <a:off x="2227779" y="11501438"/>
-            <a:ext cx="13771721" cy="27413429"/>
+            <a:off x="2227451" y="11500170"/>
+            <a:ext cx="13769697" cy="27410408"/>
           </a:xfrm>
         </p:spPr>
         <p:txBody>
@@ -1188,8 +1198,8 @@
         </p:nvSpPr>
         <p:spPr>
           <a:xfrm>
-            <a:off x="16404551" y="11501438"/>
-            <a:ext cx="13771721" cy="27413429"/>
+            <a:off x="16402140" y="11500170"/>
+            <a:ext cx="13769697" cy="27410408"/>
           </a:xfrm>
         </p:spPr>
         <p:txBody>
@@ -1250,7 +1260,7 @@
           <a:p>
             <a:fld id="{FD4B236B-4127-4146-99ED-6A730B7745F6}" type="datetimeFigureOut">
               <a:rPr lang="en-US" smtClean="0"/>
-              <a:t>30-May-19</a:t>
+              <a:t>5/31/2019</a:t>
             </a:fld>
             <a:endParaRPr lang="en-US"/>
           </a:p>
@@ -1258,7 +1268,7 @@
       </p:sp>
       <p:sp>
         <p:nvSpPr>
-          <p:cNvPr id="6" name="Footer Placeholder 5" hidden="1"/>
+          <p:cNvPr id="6" name="Footer Placeholder 5"/>
           <p:cNvSpPr>
             <a:spLocks noGrp="1"/>
           </p:cNvSpPr>
@@ -1301,7 +1311,7 @@
     </p:spTree>
     <p:extLst>
       <p:ext uri="{BB962C8B-B14F-4D97-AF65-F5344CB8AC3E}">
-        <p14:creationId xmlns:p14="http://schemas.microsoft.com/office/powerpoint/2010/main" val="346185079"/>
+        <p14:creationId xmlns:p14="http://schemas.microsoft.com/office/powerpoint/2010/main" val="717145825"/>
       </p:ext>
     </p:extLst>
   </p:cSld>
@@ -1340,8 +1350,8 @@
         </p:nvSpPr>
         <p:spPr>
           <a:xfrm>
-            <a:off x="2231999" y="2300298"/>
-            <a:ext cx="27948493" cy="8351046"/>
+            <a:off x="2231671" y="2300044"/>
+            <a:ext cx="27944386" cy="8350126"/>
           </a:xfrm>
         </p:spPr>
         <p:txBody>
@@ -1368,8 +1378,8 @@
         </p:nvSpPr>
         <p:spPr>
           <a:xfrm>
-            <a:off x="2232003" y="10591328"/>
-            <a:ext cx="13708430" cy="5190645"/>
+            <a:off x="2231675" y="10590160"/>
+            <a:ext cx="13706415" cy="5190073"/>
           </a:xfrm>
         </p:spPr>
         <p:txBody>
@@ -1377,39 +1387,39 @@
           <a:lstStyle>
             <a:lvl1pPr marL="0" indent="0">
               <a:buNone/>
-              <a:defRPr sz="8500" b="1"/>
+              <a:defRPr sz="8504" b="1"/>
             </a:lvl1pPr>
-            <a:lvl2pPr marL="1620113" indent="0">
+            <a:lvl2pPr marL="1619951" indent="0">
               <a:buNone/>
-              <a:defRPr sz="7100" b="1"/>
+              <a:defRPr sz="7086" b="1"/>
             </a:lvl2pPr>
-            <a:lvl3pPr marL="3240226" indent="0">
+            <a:lvl3pPr marL="3239902" indent="0">
               <a:buNone/>
-              <a:defRPr sz="6400" b="1"/>
+              <a:defRPr sz="6378" b="1"/>
             </a:lvl3pPr>
-            <a:lvl4pPr marL="4860339" indent="0">
+            <a:lvl4pPr marL="4859853" indent="0">
               <a:buNone/>
-              <a:defRPr sz="5700" b="1"/>
+              <a:defRPr sz="5669" b="1"/>
             </a:lvl4pPr>
-            <a:lvl5pPr marL="6480452" indent="0">
+            <a:lvl5pPr marL="6479804" indent="0">
               <a:buNone/>
-              <a:defRPr sz="5700" b="1"/>
+              <a:defRPr sz="5669" b="1"/>
             </a:lvl5pPr>
-            <a:lvl6pPr marL="8100565" indent="0">
+            <a:lvl6pPr marL="8099755" indent="0">
               <a:buNone/>
-              <a:defRPr sz="5700" b="1"/>
+              <a:defRPr sz="5669" b="1"/>
             </a:lvl6pPr>
-            <a:lvl7pPr marL="9720678" indent="0">
+            <a:lvl7pPr marL="9719706" indent="0">
               <a:buNone/>
-              <a:defRPr sz="5700" b="1"/>
+              <a:defRPr sz="5669" b="1"/>
             </a:lvl7pPr>
-            <a:lvl8pPr marL="11340791" indent="0">
+            <a:lvl8pPr marL="11339657" indent="0">
               <a:buNone/>
-              <a:defRPr sz="5700" b="1"/>
+              <a:defRPr sz="5669" b="1"/>
             </a:lvl8pPr>
-            <a:lvl9pPr marL="12960904" indent="0">
+            <a:lvl9pPr marL="12959608" indent="0">
               <a:buNone/>
-              <a:defRPr sz="5700" b="1"/>
+              <a:defRPr sz="5669" b="1"/>
             </a:lvl9pPr>
           </a:lstStyle>
           <a:p>
@@ -1433,8 +1443,8 @@
         </p:nvSpPr>
         <p:spPr>
           <a:xfrm>
-            <a:off x="2232003" y="15781973"/>
-            <a:ext cx="13708430" cy="23212904"/>
+            <a:off x="2231675" y="15780233"/>
+            <a:ext cx="13706415" cy="23210346"/>
           </a:xfrm>
         </p:spPr>
         <p:txBody>
@@ -1490,8 +1500,8 @@
         </p:nvSpPr>
         <p:spPr>
           <a:xfrm>
-            <a:off x="16404553" y="10591328"/>
-            <a:ext cx="13775941" cy="5190645"/>
+            <a:off x="16402142" y="10590160"/>
+            <a:ext cx="13773917" cy="5190073"/>
           </a:xfrm>
         </p:spPr>
         <p:txBody>
@@ -1499,39 +1509,39 @@
           <a:lstStyle>
             <a:lvl1pPr marL="0" indent="0">
               <a:buNone/>
-              <a:defRPr sz="8500" b="1"/>
+              <a:defRPr sz="8504" b="1"/>
             </a:lvl1pPr>
-            <a:lvl2pPr marL="1620113" indent="0">
+            <a:lvl2pPr marL="1619951" indent="0">
               <a:buNone/>
-              <a:defRPr sz="7100" b="1"/>
+              <a:defRPr sz="7086" b="1"/>
             </a:lvl2pPr>
-            <a:lvl3pPr marL="3240226" indent="0">
+            <a:lvl3pPr marL="3239902" indent="0">
               <a:buNone/>
-              <a:defRPr sz="6400" b="1"/>
+              <a:defRPr sz="6378" b="1"/>
             </a:lvl3pPr>
-            <a:lvl4pPr marL="4860339" indent="0">
+            <a:lvl4pPr marL="4859853" indent="0">
               <a:buNone/>
-              <a:defRPr sz="5700" b="1"/>
+              <a:defRPr sz="5669" b="1"/>
             </a:lvl4pPr>
-            <a:lvl5pPr marL="6480452" indent="0">
+            <a:lvl5pPr marL="6479804" indent="0">
               <a:buNone/>
-              <a:defRPr sz="5700" b="1"/>
+              <a:defRPr sz="5669" b="1"/>
             </a:lvl5pPr>
-            <a:lvl6pPr marL="8100565" indent="0">
+            <a:lvl6pPr marL="8099755" indent="0">
               <a:buNone/>
-              <a:defRPr sz="5700" b="1"/>
+              <a:defRPr sz="5669" b="1"/>
             </a:lvl6pPr>
-            <a:lvl7pPr marL="9720678" indent="0">
+            <a:lvl7pPr marL="9719706" indent="0">
               <a:buNone/>
-              <a:defRPr sz="5700" b="1"/>
+              <a:defRPr sz="5669" b="1"/>
             </a:lvl7pPr>
-            <a:lvl8pPr marL="11340791" indent="0">
+            <a:lvl8pPr marL="11339657" indent="0">
               <a:buNone/>
-              <a:defRPr sz="5700" b="1"/>
+              <a:defRPr sz="5669" b="1"/>
             </a:lvl8pPr>
-            <a:lvl9pPr marL="12960904" indent="0">
+            <a:lvl9pPr marL="12959608" indent="0">
               <a:buNone/>
-              <a:defRPr sz="5700" b="1"/>
+              <a:defRPr sz="5669" b="1"/>
             </a:lvl9pPr>
           </a:lstStyle>
           <a:p>
@@ -1555,8 +1565,8 @@
         </p:nvSpPr>
         <p:spPr>
           <a:xfrm>
-            <a:off x="16404553" y="15781973"/>
-            <a:ext cx="13775941" cy="23212904"/>
+            <a:off x="16402142" y="15780233"/>
+            <a:ext cx="13773917" cy="23210346"/>
           </a:xfrm>
         </p:spPr>
         <p:txBody>
@@ -1617,7 +1627,7 @@
           <a:p>
             <a:fld id="{FD4B236B-4127-4146-99ED-6A730B7745F6}" type="datetimeFigureOut">
               <a:rPr lang="en-US" smtClean="0"/>
-              <a:t>30-May-19</a:t>
+              <a:t>5/31/2019</a:t>
             </a:fld>
             <a:endParaRPr lang="en-US"/>
           </a:p>
@@ -1625,7 +1635,7 @@
       </p:sp>
       <p:sp>
         <p:nvSpPr>
-          <p:cNvPr id="8" name="Footer Placeholder 7" hidden="1"/>
+          <p:cNvPr id="8" name="Footer Placeholder 7"/>
           <p:cNvSpPr>
             <a:spLocks noGrp="1"/>
           </p:cNvSpPr>
@@ -1668,7 +1678,7 @@
     </p:spTree>
     <p:extLst>
       <p:ext uri="{BB962C8B-B14F-4D97-AF65-F5344CB8AC3E}">
-        <p14:creationId xmlns:p14="http://schemas.microsoft.com/office/powerpoint/2010/main" val="303387935"/>
+        <p14:creationId xmlns:p14="http://schemas.microsoft.com/office/powerpoint/2010/main" val="1002844353"/>
       </p:ext>
     </p:extLst>
   </p:cSld>
@@ -1735,7 +1745,7 @@
           <a:p>
             <a:fld id="{FD4B236B-4127-4146-99ED-6A730B7745F6}" type="datetimeFigureOut">
               <a:rPr lang="en-US" smtClean="0"/>
-              <a:t>30-May-19</a:t>
+              <a:t>5/31/2019</a:t>
             </a:fld>
             <a:endParaRPr lang="en-US"/>
           </a:p>
@@ -1743,7 +1753,7 @@
       </p:sp>
       <p:sp>
         <p:nvSpPr>
-          <p:cNvPr id="4" name="Footer Placeholder 3" hidden="1"/>
+          <p:cNvPr id="4" name="Footer Placeholder 3"/>
           <p:cNvSpPr>
             <a:spLocks noGrp="1"/>
           </p:cNvSpPr>
@@ -1786,7 +1796,7 @@
     </p:spTree>
     <p:extLst>
       <p:ext uri="{BB962C8B-B14F-4D97-AF65-F5344CB8AC3E}">
-        <p14:creationId xmlns:p14="http://schemas.microsoft.com/office/powerpoint/2010/main" val="3733594330"/>
+        <p14:creationId xmlns:p14="http://schemas.microsoft.com/office/powerpoint/2010/main" val="3805613395"/>
       </p:ext>
     </p:extLst>
   </p:cSld>
@@ -1830,7 +1840,7 @@
           <a:p>
             <a:fld id="{FD4B236B-4127-4146-99ED-6A730B7745F6}" type="datetimeFigureOut">
               <a:rPr lang="en-US" smtClean="0"/>
-              <a:t>30-May-19</a:t>
+              <a:t>5/31/2019</a:t>
             </a:fld>
             <a:endParaRPr lang="en-US"/>
           </a:p>
@@ -1838,7 +1848,7 @@
       </p:sp>
       <p:sp>
         <p:nvSpPr>
-          <p:cNvPr id="3" name="Footer Placeholder 2" hidden="1"/>
+          <p:cNvPr id="3" name="Footer Placeholder 2"/>
           <p:cNvSpPr>
             <a:spLocks noGrp="1"/>
           </p:cNvSpPr>
@@ -1881,7 +1891,7 @@
     </p:spTree>
     <p:extLst>
       <p:ext uri="{BB962C8B-B14F-4D97-AF65-F5344CB8AC3E}">
-        <p14:creationId xmlns:p14="http://schemas.microsoft.com/office/powerpoint/2010/main" val="2627030470"/>
+        <p14:creationId xmlns:p14="http://schemas.microsoft.com/office/powerpoint/2010/main" val="973736640"/>
       </p:ext>
     </p:extLst>
   </p:cSld>
@@ -1920,15 +1930,15 @@
         </p:nvSpPr>
         <p:spPr>
           <a:xfrm>
-            <a:off x="2231999" y="2880360"/>
-            <a:ext cx="10451150" cy="10081260"/>
+            <a:off x="2231671" y="2880042"/>
+            <a:ext cx="10449614" cy="10080149"/>
           </a:xfrm>
         </p:spPr>
         <p:txBody>
           <a:bodyPr anchor="b"/>
           <a:lstStyle>
             <a:lvl1pPr>
-              <a:defRPr sz="11300"/>
+              <a:defRPr sz="11338"/>
             </a:lvl1pPr>
           </a:lstStyle>
           <a:p>
@@ -1952,39 +1962,39 @@
         </p:nvSpPr>
         <p:spPr>
           <a:xfrm>
-            <a:off x="13775941" y="6220788"/>
-            <a:ext cx="16404551" cy="30703837"/>
+            <a:off x="13773917" y="6220102"/>
+            <a:ext cx="16402140" cy="30700453"/>
           </a:xfrm>
         </p:spPr>
         <p:txBody>
           <a:bodyPr/>
           <a:lstStyle>
             <a:lvl1pPr>
-              <a:defRPr sz="11300"/>
+              <a:defRPr sz="11338"/>
             </a:lvl1pPr>
             <a:lvl2pPr>
-              <a:defRPr sz="9900"/>
+              <a:defRPr sz="9921"/>
             </a:lvl2pPr>
             <a:lvl3pPr>
-              <a:defRPr sz="8500"/>
+              <a:defRPr sz="8504"/>
             </a:lvl3pPr>
             <a:lvl4pPr>
-              <a:defRPr sz="7100"/>
+              <a:defRPr sz="7086"/>
             </a:lvl4pPr>
             <a:lvl5pPr>
-              <a:defRPr sz="7100"/>
+              <a:defRPr sz="7086"/>
             </a:lvl5pPr>
             <a:lvl6pPr>
-              <a:defRPr sz="7100"/>
+              <a:defRPr sz="7086"/>
             </a:lvl6pPr>
             <a:lvl7pPr>
-              <a:defRPr sz="7100"/>
+              <a:defRPr sz="7086"/>
             </a:lvl7pPr>
             <a:lvl8pPr>
-              <a:defRPr sz="7100"/>
+              <a:defRPr sz="7086"/>
             </a:lvl8pPr>
             <a:lvl9pPr>
-              <a:defRPr sz="7100"/>
+              <a:defRPr sz="7086"/>
             </a:lvl9pPr>
           </a:lstStyle>
           <a:p>
@@ -2037,8 +2047,8 @@
         </p:nvSpPr>
         <p:spPr>
           <a:xfrm>
-            <a:off x="2231999" y="12961619"/>
-            <a:ext cx="10451150" cy="24013005"/>
+            <a:off x="2231671" y="12960191"/>
+            <a:ext cx="10449614" cy="24010358"/>
           </a:xfrm>
         </p:spPr>
         <p:txBody>
@@ -2046,39 +2056,39 @@
           <a:lstStyle>
             <a:lvl1pPr marL="0" indent="0">
               <a:buNone/>
-              <a:defRPr sz="5700"/>
+              <a:defRPr sz="5669"/>
             </a:lvl1pPr>
-            <a:lvl2pPr marL="1620113" indent="0">
+            <a:lvl2pPr marL="1619951" indent="0">
               <a:buNone/>
-              <a:defRPr sz="5000"/>
+              <a:defRPr sz="4960"/>
             </a:lvl2pPr>
-            <a:lvl3pPr marL="3240226" indent="0">
+            <a:lvl3pPr marL="3239902" indent="0">
               <a:buNone/>
-              <a:defRPr sz="4300"/>
+              <a:defRPr sz="4252"/>
             </a:lvl3pPr>
-            <a:lvl4pPr marL="4860339" indent="0">
+            <a:lvl4pPr marL="4859853" indent="0">
               <a:buNone/>
-              <a:defRPr sz="3500"/>
+              <a:defRPr sz="3543"/>
             </a:lvl4pPr>
-            <a:lvl5pPr marL="6480452" indent="0">
+            <a:lvl5pPr marL="6479804" indent="0">
               <a:buNone/>
-              <a:defRPr sz="3500"/>
+              <a:defRPr sz="3543"/>
             </a:lvl5pPr>
-            <a:lvl6pPr marL="8100565" indent="0">
+            <a:lvl6pPr marL="8099755" indent="0">
               <a:buNone/>
-              <a:defRPr sz="3500"/>
+              <a:defRPr sz="3543"/>
             </a:lvl6pPr>
-            <a:lvl7pPr marL="9720678" indent="0">
+            <a:lvl7pPr marL="9719706" indent="0">
               <a:buNone/>
-              <a:defRPr sz="3500"/>
+              <a:defRPr sz="3543"/>
             </a:lvl7pPr>
-            <a:lvl8pPr marL="11340791" indent="0">
+            <a:lvl8pPr marL="11339657" indent="0">
               <a:buNone/>
-              <a:defRPr sz="3500"/>
+              <a:defRPr sz="3543"/>
             </a:lvl8pPr>
-            <a:lvl9pPr marL="12960904" indent="0">
+            <a:lvl9pPr marL="12959608" indent="0">
               <a:buNone/>
-              <a:defRPr sz="3500"/>
+              <a:defRPr sz="3543"/>
             </a:lvl9pPr>
           </a:lstStyle>
           <a:p>
@@ -2107,7 +2117,7 @@
           <a:p>
             <a:fld id="{FD4B236B-4127-4146-99ED-6A730B7745F6}" type="datetimeFigureOut">
               <a:rPr lang="en-US" smtClean="0"/>
-              <a:t>30-May-19</a:t>
+              <a:t>5/31/2019</a:t>
             </a:fld>
             <a:endParaRPr lang="en-US"/>
           </a:p>
@@ -2115,7 +2125,7 @@
       </p:sp>
       <p:sp>
         <p:nvSpPr>
-          <p:cNvPr id="6" name="Footer Placeholder 5" hidden="1"/>
+          <p:cNvPr id="6" name="Footer Placeholder 5"/>
           <p:cNvSpPr>
             <a:spLocks noGrp="1"/>
           </p:cNvSpPr>
@@ -2158,7 +2168,7 @@
     </p:spTree>
     <p:extLst>
       <p:ext uri="{BB962C8B-B14F-4D97-AF65-F5344CB8AC3E}">
-        <p14:creationId xmlns:p14="http://schemas.microsoft.com/office/powerpoint/2010/main" val="2458445359"/>
+        <p14:creationId xmlns:p14="http://schemas.microsoft.com/office/powerpoint/2010/main" val="2040724130"/>
       </p:ext>
     </p:extLst>
   </p:cSld>
@@ -2197,15 +2207,15 @@
         </p:nvSpPr>
         <p:spPr>
           <a:xfrm>
-            <a:off x="2231999" y="2880360"/>
-            <a:ext cx="10451150" cy="10081260"/>
+            <a:off x="2231671" y="2880042"/>
+            <a:ext cx="10449614" cy="10080149"/>
           </a:xfrm>
         </p:spPr>
         <p:txBody>
           <a:bodyPr anchor="b"/>
           <a:lstStyle>
             <a:lvl1pPr>
-              <a:defRPr sz="11300"/>
+              <a:defRPr sz="11338"/>
             </a:lvl1pPr>
           </a:lstStyle>
           <a:p>
@@ -2229,8 +2239,8 @@
         </p:nvSpPr>
         <p:spPr>
           <a:xfrm>
-            <a:off x="13775941" y="6220788"/>
-            <a:ext cx="16404551" cy="30703837"/>
+            <a:off x="13773917" y="6220102"/>
+            <a:ext cx="16402140" cy="30700453"/>
           </a:xfrm>
         </p:spPr>
         <p:txBody>
@@ -2238,39 +2248,39 @@
           <a:lstStyle>
             <a:lvl1pPr marL="0" indent="0">
               <a:buNone/>
-              <a:defRPr sz="11300"/>
+              <a:defRPr sz="11338"/>
             </a:lvl1pPr>
-            <a:lvl2pPr marL="1620113" indent="0">
+            <a:lvl2pPr marL="1619951" indent="0">
               <a:buNone/>
-              <a:defRPr sz="9900"/>
+              <a:defRPr sz="9921"/>
             </a:lvl2pPr>
-            <a:lvl3pPr marL="3240226" indent="0">
+            <a:lvl3pPr marL="3239902" indent="0">
               <a:buNone/>
-              <a:defRPr sz="8500"/>
+              <a:defRPr sz="8504"/>
             </a:lvl3pPr>
-            <a:lvl4pPr marL="4860339" indent="0">
+            <a:lvl4pPr marL="4859853" indent="0">
               <a:buNone/>
-              <a:defRPr sz="7100"/>
+              <a:defRPr sz="7086"/>
             </a:lvl4pPr>
-            <a:lvl5pPr marL="6480452" indent="0">
+            <a:lvl5pPr marL="6479804" indent="0">
               <a:buNone/>
-              <a:defRPr sz="7100"/>
+              <a:defRPr sz="7086"/>
             </a:lvl5pPr>
-            <a:lvl6pPr marL="8100565" indent="0">
+            <a:lvl6pPr marL="8099755" indent="0">
               <a:buNone/>
-              <a:defRPr sz="7100"/>
+              <a:defRPr sz="7086"/>
             </a:lvl6pPr>
-            <a:lvl7pPr marL="9720678" indent="0">
+            <a:lvl7pPr marL="9719706" indent="0">
               <a:buNone/>
-              <a:defRPr sz="7100"/>
+              <a:defRPr sz="7086"/>
             </a:lvl7pPr>
-            <a:lvl8pPr marL="11340791" indent="0">
+            <a:lvl8pPr marL="11339657" indent="0">
               <a:buNone/>
-              <a:defRPr sz="7100"/>
+              <a:defRPr sz="7086"/>
             </a:lvl8pPr>
-            <a:lvl9pPr marL="12960904" indent="0">
+            <a:lvl9pPr marL="12959608" indent="0">
               <a:buNone/>
-              <a:defRPr sz="7100"/>
+              <a:defRPr sz="7086"/>
             </a:lvl9pPr>
           </a:lstStyle>
           <a:p>
@@ -2294,8 +2304,8 @@
         </p:nvSpPr>
         <p:spPr>
           <a:xfrm>
-            <a:off x="2231999" y="12961619"/>
-            <a:ext cx="10451150" cy="24013005"/>
+            <a:off x="2231671" y="12960191"/>
+            <a:ext cx="10449614" cy="24010358"/>
           </a:xfrm>
         </p:spPr>
         <p:txBody>
@@ -2303,39 +2313,39 @@
           <a:lstStyle>
             <a:lvl1pPr marL="0" indent="0">
               <a:buNone/>
-              <a:defRPr sz="5700"/>
+              <a:defRPr sz="5669"/>
             </a:lvl1pPr>
-            <a:lvl2pPr marL="1620113" indent="0">
+            <a:lvl2pPr marL="1619951" indent="0">
               <a:buNone/>
-              <a:defRPr sz="5000"/>
+              <a:defRPr sz="4960"/>
             </a:lvl2pPr>
-            <a:lvl3pPr marL="3240226" indent="0">
+            <a:lvl3pPr marL="3239902" indent="0">
               <a:buNone/>
-              <a:defRPr sz="4300"/>
+              <a:defRPr sz="4252"/>
             </a:lvl3pPr>
-            <a:lvl4pPr marL="4860339" indent="0">
+            <a:lvl4pPr marL="4859853" indent="0">
               <a:buNone/>
-              <a:defRPr sz="3500"/>
+              <a:defRPr sz="3543"/>
             </a:lvl4pPr>
-            <a:lvl5pPr marL="6480452" indent="0">
+            <a:lvl5pPr marL="6479804" indent="0">
               <a:buNone/>
-              <a:defRPr sz="3500"/>
+              <a:defRPr sz="3543"/>
             </a:lvl5pPr>
-            <a:lvl6pPr marL="8100565" indent="0">
+            <a:lvl6pPr marL="8099755" indent="0">
               <a:buNone/>
-              <a:defRPr sz="3500"/>
+              <a:defRPr sz="3543"/>
             </a:lvl6pPr>
-            <a:lvl7pPr marL="9720678" indent="0">
+            <a:lvl7pPr marL="9719706" indent="0">
               <a:buNone/>
-              <a:defRPr sz="3500"/>
+              <a:defRPr sz="3543"/>
             </a:lvl7pPr>
-            <a:lvl8pPr marL="11340791" indent="0">
+            <a:lvl8pPr marL="11339657" indent="0">
               <a:buNone/>
-              <a:defRPr sz="3500"/>
+              <a:defRPr sz="3543"/>
             </a:lvl8pPr>
-            <a:lvl9pPr marL="12960904" indent="0">
+            <a:lvl9pPr marL="12959608" indent="0">
               <a:buNone/>
-              <a:defRPr sz="3500"/>
+              <a:defRPr sz="3543"/>
             </a:lvl9pPr>
           </a:lstStyle>
           <a:p>
@@ -2364,7 +2374,7 @@
           <a:p>
             <a:fld id="{FD4B236B-4127-4146-99ED-6A730B7745F6}" type="datetimeFigureOut">
               <a:rPr lang="en-US" smtClean="0"/>
-              <a:t>30-May-19</a:t>
+              <a:t>5/31/2019</a:t>
             </a:fld>
             <a:endParaRPr lang="en-US"/>
           </a:p>
@@ -2372,7 +2382,7 @@
       </p:sp>
       <p:sp>
         <p:nvSpPr>
-          <p:cNvPr id="6" name="Footer Placeholder 5" hidden="1"/>
+          <p:cNvPr id="6" name="Footer Placeholder 5"/>
           <p:cNvSpPr>
             <a:spLocks noGrp="1"/>
           </p:cNvSpPr>
@@ -2415,7 +2425,7 @@
     </p:spTree>
     <p:extLst>
       <p:ext uri="{BB962C8B-B14F-4D97-AF65-F5344CB8AC3E}">
-        <p14:creationId xmlns:p14="http://schemas.microsoft.com/office/powerpoint/2010/main" val="328666405"/>
+        <p14:creationId xmlns:p14="http://schemas.microsoft.com/office/powerpoint/2010/main" val="3186998766"/>
       </p:ext>
     </p:extLst>
   </p:cSld>
@@ -2459,15 +2469,15 @@
         </p:nvSpPr>
         <p:spPr>
           <a:xfrm>
-            <a:off x="2227779" y="2300298"/>
-            <a:ext cx="27948493" cy="8351046"/>
+            <a:off x="2227451" y="2300044"/>
+            <a:ext cx="27944386" cy="8350126"/>
           </a:xfrm>
           <a:prstGeom prst="rect">
             <a:avLst/>
           </a:prstGeom>
         </p:spPr>
         <p:txBody>
-          <a:bodyPr vert="horz" lIns="91449" tIns="45725" rIns="91449" bIns="45725" rtlCol="0" anchor="ctr">
+          <a:bodyPr vert="horz" lIns="91440" tIns="45720" rIns="91440" bIns="45720" rtlCol="0" anchor="ctr">
             <a:normAutofit/>
           </a:bodyPr>
           <a:lstStyle/>
@@ -2492,15 +2502,15 @@
         </p:nvSpPr>
         <p:spPr>
           <a:xfrm>
-            <a:off x="2227779" y="11501438"/>
-            <a:ext cx="27948493" cy="27413429"/>
+            <a:off x="2227451" y="11500170"/>
+            <a:ext cx="27944386" cy="27410408"/>
           </a:xfrm>
           <a:prstGeom prst="rect">
             <a:avLst/>
           </a:prstGeom>
         </p:spPr>
         <p:txBody>
-          <a:bodyPr vert="horz" lIns="91449" tIns="45725" rIns="91449" bIns="45725" rtlCol="0">
+          <a:bodyPr vert="horz" lIns="91440" tIns="45720" rIns="91440" bIns="45720" rtlCol="0">
             <a:normAutofit/>
           </a:bodyPr>
           <a:lstStyle/>
@@ -2554,18 +2564,18 @@
         </p:nvSpPr>
         <p:spPr>
           <a:xfrm>
-            <a:off x="2227779" y="40045014"/>
-            <a:ext cx="7290911" cy="2300288"/>
+            <a:off x="2227451" y="40040601"/>
+            <a:ext cx="7289840" cy="2300034"/>
           </a:xfrm>
           <a:prstGeom prst="rect">
             <a:avLst/>
           </a:prstGeom>
         </p:spPr>
         <p:txBody>
-          <a:bodyPr vert="horz" lIns="91449" tIns="45725" rIns="91449" bIns="45725" rtlCol="0" anchor="ctr"/>
+          <a:bodyPr vert="horz" lIns="91440" tIns="45720" rIns="91440" bIns="45720" rtlCol="0" anchor="ctr"/>
           <a:lstStyle>
             <a:lvl1pPr algn="l">
-              <a:defRPr sz="4300">
+              <a:defRPr sz="4252">
                 <a:solidFill>
                   <a:schemeClr val="tx1">
                     <a:tint val="75000"/>
@@ -2577,7 +2587,7 @@
           <a:p>
             <a:fld id="{FD4B236B-4127-4146-99ED-6A730B7745F6}" type="datetimeFigureOut">
               <a:rPr lang="en-US" smtClean="0"/>
-              <a:t>30-May-19</a:t>
+              <a:t>5/31/2019</a:t>
             </a:fld>
             <a:endParaRPr lang="en-US"/>
           </a:p>
@@ -2585,7 +2595,7 @@
       </p:sp>
       <p:sp>
         <p:nvSpPr>
-          <p:cNvPr id="5" name="Footer Placeholder 4" hidden="1"/>
+          <p:cNvPr id="5" name="Footer Placeholder 4"/>
           <p:cNvSpPr>
             <a:spLocks noGrp="1"/>
           </p:cNvSpPr>
@@ -2595,18 +2605,18 @@
         </p:nvSpPr>
         <p:spPr>
           <a:xfrm>
-            <a:off x="10733842" y="40045014"/>
-            <a:ext cx="10936367" cy="2300288"/>
+            <a:off x="10732264" y="40040601"/>
+            <a:ext cx="10934760" cy="2300034"/>
           </a:xfrm>
           <a:prstGeom prst="rect">
             <a:avLst/>
           </a:prstGeom>
         </p:spPr>
         <p:txBody>
-          <a:bodyPr vert="horz" lIns="91449" tIns="45725" rIns="91449" bIns="45725" rtlCol="0" anchor="ctr"/>
+          <a:bodyPr vert="horz" lIns="91440" tIns="45720" rIns="91440" bIns="45720" rtlCol="0" anchor="ctr"/>
           <a:lstStyle>
             <a:lvl1pPr algn="ctr">
-              <a:defRPr sz="4300">
+              <a:defRPr sz="4252">
                 <a:solidFill>
                   <a:schemeClr val="tx1">
                     <a:tint val="75000"/>
@@ -2632,18 +2642,18 @@
         </p:nvSpPr>
         <p:spPr>
           <a:xfrm>
-            <a:off x="22885360" y="40045014"/>
-            <a:ext cx="7290911" cy="2300288"/>
+            <a:off x="22881997" y="40040601"/>
+            <a:ext cx="7289840" cy="2300034"/>
           </a:xfrm>
           <a:prstGeom prst="rect">
             <a:avLst/>
           </a:prstGeom>
         </p:spPr>
         <p:txBody>
-          <a:bodyPr vert="horz" lIns="91449" tIns="45725" rIns="91449" bIns="45725" rtlCol="0" anchor="ctr"/>
+          <a:bodyPr vert="horz" lIns="91440" tIns="45720" rIns="91440" bIns="45720" rtlCol="0" anchor="ctr"/>
           <a:lstStyle>
             <a:lvl1pPr algn="r">
-              <a:defRPr sz="4300">
+              <a:defRPr sz="4252">
                 <a:solidFill>
                   <a:schemeClr val="tx1">
                     <a:tint val="75000"/>
@@ -2664,27 +2674,27 @@
     </p:spTree>
     <p:extLst>
       <p:ext uri="{BB962C8B-B14F-4D97-AF65-F5344CB8AC3E}">
-        <p14:creationId xmlns:p14="http://schemas.microsoft.com/office/powerpoint/2010/main" val="832580591"/>
+        <p14:creationId xmlns:p14="http://schemas.microsoft.com/office/powerpoint/2010/main" val="867111874"/>
       </p:ext>
     </p:extLst>
   </p:cSld>
   <p:clrMap bg1="lt1" tx1="dk1" bg2="lt2" tx2="dk2" accent1="accent1" accent2="accent2" accent3="accent3" accent4="accent4" accent5="accent5" accent6="accent6" hlink="hlink" folHlink="folHlink"/>
   <p:sldLayoutIdLst>
-    <p:sldLayoutId id="2147483661" r:id="rId1"/>
-    <p:sldLayoutId id="2147483662" r:id="rId2"/>
-    <p:sldLayoutId id="2147483663" r:id="rId3"/>
-    <p:sldLayoutId id="2147483664" r:id="rId4"/>
-    <p:sldLayoutId id="2147483665" r:id="rId5"/>
-    <p:sldLayoutId id="2147483666" r:id="rId6"/>
-    <p:sldLayoutId id="2147483667" r:id="rId7"/>
-    <p:sldLayoutId id="2147483668" r:id="rId8"/>
-    <p:sldLayoutId id="2147483669" r:id="rId9"/>
-    <p:sldLayoutId id="2147483670" r:id="rId10"/>
-    <p:sldLayoutId id="2147483671" r:id="rId11"/>
+    <p:sldLayoutId id="2147483673" r:id="rId1"/>
+    <p:sldLayoutId id="2147483674" r:id="rId2"/>
+    <p:sldLayoutId id="2147483675" r:id="rId3"/>
+    <p:sldLayoutId id="2147483676" r:id="rId4"/>
+    <p:sldLayoutId id="2147483677" r:id="rId5"/>
+    <p:sldLayoutId id="2147483678" r:id="rId6"/>
+    <p:sldLayoutId id="2147483679" r:id="rId7"/>
+    <p:sldLayoutId id="2147483680" r:id="rId8"/>
+    <p:sldLayoutId id="2147483681" r:id="rId9"/>
+    <p:sldLayoutId id="2147483682" r:id="rId10"/>
+    <p:sldLayoutId id="2147483683" r:id="rId11"/>
   </p:sldLayoutIdLst>
   <p:txStyles>
     <p:titleStyle>
-      <a:lvl1pPr algn="l" defTabSz="3240226" rtl="0" eaLnBrk="1" latinLnBrk="0" hangingPunct="1">
+      <a:lvl1pPr algn="l" defTabSz="3239902" rtl="0" eaLnBrk="1" latinLnBrk="0" hangingPunct="1">
         <a:lnSpc>
           <a:spcPct val="90000"/>
         </a:lnSpc>
@@ -2692,7 +2702,7 @@
           <a:spcPct val="0"/>
         </a:spcBef>
         <a:buNone/>
-        <a:defRPr sz="15600" kern="1200">
+        <a:defRPr sz="15590" kern="1200">
           <a:solidFill>
             <a:schemeClr val="tx1"/>
           </a:solidFill>
@@ -2703,7 +2713,7 @@
       </a:lvl1pPr>
     </p:titleStyle>
     <p:bodyStyle>
-      <a:lvl1pPr marL="810057" indent="-810057" algn="l" defTabSz="3240226" rtl="0" eaLnBrk="1" latinLnBrk="0" hangingPunct="1">
+      <a:lvl1pPr marL="809976" indent="-809976" algn="l" defTabSz="3239902" rtl="0" eaLnBrk="1" latinLnBrk="0" hangingPunct="1">
         <a:lnSpc>
           <a:spcPct val="90000"/>
         </a:lnSpc>
@@ -2712,7 +2722,7 @@
         </a:spcBef>
         <a:buFont typeface="Arial" panose="020B0604020202020204" pitchFamily="34" charset="0"/>
         <a:buChar char="•"/>
-        <a:defRPr sz="9900" kern="1200">
+        <a:defRPr sz="9921" kern="1200">
           <a:solidFill>
             <a:schemeClr val="tx1"/>
           </a:solidFill>
@@ -2721,7 +2731,7 @@
           <a:cs typeface="+mn-cs"/>
         </a:defRPr>
       </a:lvl1pPr>
-      <a:lvl2pPr marL="2430170" indent="-810057" algn="l" defTabSz="3240226" rtl="0" eaLnBrk="1" latinLnBrk="0" hangingPunct="1">
+      <a:lvl2pPr marL="2429927" indent="-809976" algn="l" defTabSz="3239902" rtl="0" eaLnBrk="1" latinLnBrk="0" hangingPunct="1">
         <a:lnSpc>
           <a:spcPct val="90000"/>
         </a:lnSpc>
@@ -2730,7 +2740,7 @@
         </a:spcBef>
         <a:buFont typeface="Arial" panose="020B0604020202020204" pitchFamily="34" charset="0"/>
         <a:buChar char="•"/>
-        <a:defRPr sz="8500" kern="1200">
+        <a:defRPr sz="8504" kern="1200">
           <a:solidFill>
             <a:schemeClr val="tx1"/>
           </a:solidFill>
@@ -2739,7 +2749,7 @@
           <a:cs typeface="+mn-cs"/>
         </a:defRPr>
       </a:lvl2pPr>
-      <a:lvl3pPr marL="4050283" indent="-810057" algn="l" defTabSz="3240226" rtl="0" eaLnBrk="1" latinLnBrk="0" hangingPunct="1">
+      <a:lvl3pPr marL="4049878" indent="-809976" algn="l" defTabSz="3239902" rtl="0" eaLnBrk="1" latinLnBrk="0" hangingPunct="1">
         <a:lnSpc>
           <a:spcPct val="90000"/>
         </a:lnSpc>
@@ -2748,7 +2758,7 @@
         </a:spcBef>
         <a:buFont typeface="Arial" panose="020B0604020202020204" pitchFamily="34" charset="0"/>
         <a:buChar char="•"/>
-        <a:defRPr sz="7100" kern="1200">
+        <a:defRPr sz="7086" kern="1200">
           <a:solidFill>
             <a:schemeClr val="tx1"/>
           </a:solidFill>
@@ -2757,7 +2767,7 @@
           <a:cs typeface="+mn-cs"/>
         </a:defRPr>
       </a:lvl3pPr>
-      <a:lvl4pPr marL="5670396" indent="-810057" algn="l" defTabSz="3240226" rtl="0" eaLnBrk="1" latinLnBrk="0" hangingPunct="1">
+      <a:lvl4pPr marL="5669829" indent="-809976" algn="l" defTabSz="3239902" rtl="0" eaLnBrk="1" latinLnBrk="0" hangingPunct="1">
         <a:lnSpc>
           <a:spcPct val="90000"/>
         </a:lnSpc>
@@ -2766,7 +2776,7 @@
         </a:spcBef>
         <a:buFont typeface="Arial" panose="020B0604020202020204" pitchFamily="34" charset="0"/>
         <a:buChar char="•"/>
-        <a:defRPr sz="6400" kern="1200">
+        <a:defRPr sz="6378" kern="1200">
           <a:solidFill>
             <a:schemeClr val="tx1"/>
           </a:solidFill>
@@ -2775,7 +2785,7 @@
           <a:cs typeface="+mn-cs"/>
         </a:defRPr>
       </a:lvl4pPr>
-      <a:lvl5pPr marL="7290509" indent="-810057" algn="l" defTabSz="3240226" rtl="0" eaLnBrk="1" latinLnBrk="0" hangingPunct="1">
+      <a:lvl5pPr marL="7289780" indent="-809976" algn="l" defTabSz="3239902" rtl="0" eaLnBrk="1" latinLnBrk="0" hangingPunct="1">
         <a:lnSpc>
           <a:spcPct val="90000"/>
         </a:lnSpc>
@@ -2784,7 +2794,7 @@
         </a:spcBef>
         <a:buFont typeface="Arial" panose="020B0604020202020204" pitchFamily="34" charset="0"/>
         <a:buChar char="•"/>
-        <a:defRPr sz="6400" kern="1200">
+        <a:defRPr sz="6378" kern="1200">
           <a:solidFill>
             <a:schemeClr val="tx1"/>
           </a:solidFill>
@@ -2793,7 +2803,7 @@
           <a:cs typeface="+mn-cs"/>
         </a:defRPr>
       </a:lvl5pPr>
-      <a:lvl6pPr marL="8910622" indent="-810057" algn="l" defTabSz="3240226" rtl="0" eaLnBrk="1" latinLnBrk="0" hangingPunct="1">
+      <a:lvl6pPr marL="8909731" indent="-809976" algn="l" defTabSz="3239902" rtl="0" eaLnBrk="1" latinLnBrk="0" hangingPunct="1">
         <a:lnSpc>
           <a:spcPct val="90000"/>
         </a:lnSpc>
@@ -2802,7 +2812,7 @@
         </a:spcBef>
         <a:buFont typeface="Arial" panose="020B0604020202020204" pitchFamily="34" charset="0"/>
         <a:buChar char="•"/>
-        <a:defRPr sz="6400" kern="1200">
+        <a:defRPr sz="6378" kern="1200">
           <a:solidFill>
             <a:schemeClr val="tx1"/>
           </a:solidFill>
@@ -2811,7 +2821,7 @@
           <a:cs typeface="+mn-cs"/>
         </a:defRPr>
       </a:lvl6pPr>
-      <a:lvl7pPr marL="10530735" indent="-810057" algn="l" defTabSz="3240226" rtl="0" eaLnBrk="1" latinLnBrk="0" hangingPunct="1">
+      <a:lvl7pPr marL="10529682" indent="-809976" algn="l" defTabSz="3239902" rtl="0" eaLnBrk="1" latinLnBrk="0" hangingPunct="1">
         <a:lnSpc>
           <a:spcPct val="90000"/>
         </a:lnSpc>
@@ -2820,7 +2830,7 @@
         </a:spcBef>
         <a:buFont typeface="Arial" panose="020B0604020202020204" pitchFamily="34" charset="0"/>
         <a:buChar char="•"/>
-        <a:defRPr sz="6400" kern="1200">
+        <a:defRPr sz="6378" kern="1200">
           <a:solidFill>
             <a:schemeClr val="tx1"/>
           </a:solidFill>
@@ -2829,7 +2839,7 @@
           <a:cs typeface="+mn-cs"/>
         </a:defRPr>
       </a:lvl7pPr>
-      <a:lvl8pPr marL="12150848" indent="-810057" algn="l" defTabSz="3240226" rtl="0" eaLnBrk="1" latinLnBrk="0" hangingPunct="1">
+      <a:lvl8pPr marL="12149633" indent="-809976" algn="l" defTabSz="3239902" rtl="0" eaLnBrk="1" latinLnBrk="0" hangingPunct="1">
         <a:lnSpc>
           <a:spcPct val="90000"/>
         </a:lnSpc>
@@ -2838,7 +2848,7 @@
         </a:spcBef>
         <a:buFont typeface="Arial" panose="020B0604020202020204" pitchFamily="34" charset="0"/>
         <a:buChar char="•"/>
-        <a:defRPr sz="6400" kern="1200">
+        <a:defRPr sz="6378" kern="1200">
           <a:solidFill>
             <a:schemeClr val="tx1"/>
           </a:solidFill>
@@ -2847,7 +2857,7 @@
           <a:cs typeface="+mn-cs"/>
         </a:defRPr>
       </a:lvl8pPr>
-      <a:lvl9pPr marL="13770961" indent="-810057" algn="l" defTabSz="3240226" rtl="0" eaLnBrk="1" latinLnBrk="0" hangingPunct="1">
+      <a:lvl9pPr marL="13769584" indent="-809976" algn="l" defTabSz="3239902" rtl="0" eaLnBrk="1" latinLnBrk="0" hangingPunct="1">
         <a:lnSpc>
           <a:spcPct val="90000"/>
         </a:lnSpc>
@@ -2856,7 +2866,7 @@
         </a:spcBef>
         <a:buFont typeface="Arial" panose="020B0604020202020204" pitchFamily="34" charset="0"/>
         <a:buChar char="•"/>
-        <a:defRPr sz="6400" kern="1200">
+        <a:defRPr sz="6378" kern="1200">
           <a:solidFill>
             <a:schemeClr val="tx1"/>
           </a:solidFill>
@@ -2870,8 +2880,8 @@
       <a:defPPr>
         <a:defRPr lang="en-US"/>
       </a:defPPr>
-      <a:lvl1pPr marL="0" algn="l" defTabSz="3240226" rtl="0" eaLnBrk="1" latinLnBrk="0" hangingPunct="1">
-        <a:defRPr sz="6400" kern="1200">
+      <a:lvl1pPr marL="0" algn="l" defTabSz="3239902" rtl="0" eaLnBrk="1" latinLnBrk="0" hangingPunct="1">
+        <a:defRPr sz="6378" kern="1200">
           <a:solidFill>
             <a:schemeClr val="tx1"/>
           </a:solidFill>
@@ -2880,8 +2890,8 @@
           <a:cs typeface="+mn-cs"/>
         </a:defRPr>
       </a:lvl1pPr>
-      <a:lvl2pPr marL="1620113" algn="l" defTabSz="3240226" rtl="0" eaLnBrk="1" latinLnBrk="0" hangingPunct="1">
-        <a:defRPr sz="6400" kern="1200">
+      <a:lvl2pPr marL="1619951" algn="l" defTabSz="3239902" rtl="0" eaLnBrk="1" latinLnBrk="0" hangingPunct="1">
+        <a:defRPr sz="6378" kern="1200">
           <a:solidFill>
             <a:schemeClr val="tx1"/>
           </a:solidFill>
@@ -2890,8 +2900,8 @@
           <a:cs typeface="+mn-cs"/>
         </a:defRPr>
       </a:lvl2pPr>
-      <a:lvl3pPr marL="3240226" algn="l" defTabSz="3240226" rtl="0" eaLnBrk="1" latinLnBrk="0" hangingPunct="1">
-        <a:defRPr sz="6400" kern="1200">
+      <a:lvl3pPr marL="3239902" algn="l" defTabSz="3239902" rtl="0" eaLnBrk="1" latinLnBrk="0" hangingPunct="1">
+        <a:defRPr sz="6378" kern="1200">
           <a:solidFill>
             <a:schemeClr val="tx1"/>
           </a:solidFill>
@@ -2900,8 +2910,8 @@
           <a:cs typeface="+mn-cs"/>
         </a:defRPr>
       </a:lvl3pPr>
-      <a:lvl4pPr marL="4860339" algn="l" defTabSz="3240226" rtl="0" eaLnBrk="1" latinLnBrk="0" hangingPunct="1">
-        <a:defRPr sz="6400" kern="1200">
+      <a:lvl4pPr marL="4859853" algn="l" defTabSz="3239902" rtl="0" eaLnBrk="1" latinLnBrk="0" hangingPunct="1">
+        <a:defRPr sz="6378" kern="1200">
           <a:solidFill>
             <a:schemeClr val="tx1"/>
           </a:solidFill>
@@ -2910,8 +2920,8 @@
           <a:cs typeface="+mn-cs"/>
         </a:defRPr>
       </a:lvl4pPr>
-      <a:lvl5pPr marL="6480452" algn="l" defTabSz="3240226" rtl="0" eaLnBrk="1" latinLnBrk="0" hangingPunct="1">
-        <a:defRPr sz="6400" kern="1200">
+      <a:lvl5pPr marL="6479804" algn="l" defTabSz="3239902" rtl="0" eaLnBrk="1" latinLnBrk="0" hangingPunct="1">
+        <a:defRPr sz="6378" kern="1200">
           <a:solidFill>
             <a:schemeClr val="tx1"/>
           </a:solidFill>
@@ -2920,8 +2930,8 @@
           <a:cs typeface="+mn-cs"/>
         </a:defRPr>
       </a:lvl5pPr>
-      <a:lvl6pPr marL="8100565" algn="l" defTabSz="3240226" rtl="0" eaLnBrk="1" latinLnBrk="0" hangingPunct="1">
-        <a:defRPr sz="6400" kern="1200">
+      <a:lvl6pPr marL="8099755" algn="l" defTabSz="3239902" rtl="0" eaLnBrk="1" latinLnBrk="0" hangingPunct="1">
+        <a:defRPr sz="6378" kern="1200">
           <a:solidFill>
             <a:schemeClr val="tx1"/>
           </a:solidFill>
@@ -2930,8 +2940,8 @@
           <a:cs typeface="+mn-cs"/>
         </a:defRPr>
       </a:lvl6pPr>
-      <a:lvl7pPr marL="9720678" algn="l" defTabSz="3240226" rtl="0" eaLnBrk="1" latinLnBrk="0" hangingPunct="1">
-        <a:defRPr sz="6400" kern="1200">
+      <a:lvl7pPr marL="9719706" algn="l" defTabSz="3239902" rtl="0" eaLnBrk="1" latinLnBrk="0" hangingPunct="1">
+        <a:defRPr sz="6378" kern="1200">
           <a:solidFill>
             <a:schemeClr val="tx1"/>
           </a:solidFill>
@@ -2940,8 +2950,8 @@
           <a:cs typeface="+mn-cs"/>
         </a:defRPr>
       </a:lvl7pPr>
-      <a:lvl8pPr marL="11340791" algn="l" defTabSz="3240226" rtl="0" eaLnBrk="1" latinLnBrk="0" hangingPunct="1">
-        <a:defRPr sz="6400" kern="1200">
+      <a:lvl8pPr marL="11339657" algn="l" defTabSz="3239902" rtl="0" eaLnBrk="1" latinLnBrk="0" hangingPunct="1">
+        <a:defRPr sz="6378" kern="1200">
           <a:solidFill>
             <a:schemeClr val="tx1"/>
           </a:solidFill>
@@ -2950,8 +2960,8 @@
           <a:cs typeface="+mn-cs"/>
         </a:defRPr>
       </a:lvl8pPr>
-      <a:lvl9pPr marL="12960904" algn="l" defTabSz="3240226" rtl="0" eaLnBrk="1" latinLnBrk="0" hangingPunct="1">
-        <a:defRPr sz="6400" kern="1200">
+      <a:lvl9pPr marL="12959608" algn="l" defTabSz="3239902" rtl="0" eaLnBrk="1" latinLnBrk="0" hangingPunct="1">
+        <a:defRPr sz="6378" kern="1200">
           <a:solidFill>
             <a:schemeClr val="tx1"/>
           </a:solidFill>
@@ -3002,7 +3012,7 @@
         </p:blipFill>
         <p:spPr bwMode="auto">
           <a:xfrm>
-            <a:off x="-32248" y="15048"/>
+            <a:off x="0" y="0"/>
             <a:ext cx="32400000" cy="43200000"/>
           </a:xfrm>
           <a:prstGeom prst="rect">
@@ -3023,7 +3033,7 @@
           <p:cNvPr id="5" name="TextBox 4">
             <a:extLst>
               <a:ext uri="{FF2B5EF4-FFF2-40B4-BE49-F238E27FC236}">
-                <a16:creationId xmlns:a16="http://schemas.microsoft.com/office/drawing/2014/main" xmlns="" id="{21C35AA9-4CC2-4426-A6E4-1B8D70582002}"/>
+                <a16:creationId xmlns:a16="http://schemas.microsoft.com/office/drawing/2014/main" id="{21C35AA9-4CC2-4426-A6E4-1B8D70582002}"/>
               </a:ext>
             </a:extLst>
           </p:cNvPr>
@@ -3032,7 +3042,7 @@
         </p:nvSpPr>
         <p:spPr>
           <a:xfrm>
-            <a:off x="19996573" y="29842389"/>
+            <a:off x="19994193" y="29840008"/>
             <a:ext cx="9721429" cy="554008"/>
           </a:xfrm>
           <a:prstGeom prst="rect">
@@ -3075,7 +3085,7 @@
           <p:cNvPr id="6" name="Group 5">
             <a:extLst>
               <a:ext uri="{FF2B5EF4-FFF2-40B4-BE49-F238E27FC236}">
-                <a16:creationId xmlns:a16="http://schemas.microsoft.com/office/drawing/2014/main" xmlns="" id="{BCEB0613-7A4B-4017-B08D-16B2F3CF6257}"/>
+                <a16:creationId xmlns:a16="http://schemas.microsoft.com/office/drawing/2014/main" id="{BCEB0613-7A4B-4017-B08D-16B2F3CF6257}"/>
               </a:ext>
             </a:extLst>
           </p:cNvPr>
@@ -3086,7 +3096,7 @@
         </p:nvGrpSpPr>
         <p:grpSpPr>
           <a:xfrm>
-            <a:off x="720106" y="21640831"/>
+            <a:off x="717726" y="21638450"/>
             <a:ext cx="13682011" cy="3284066"/>
             <a:chOff x="0" y="1"/>
             <a:chExt cx="2936623" cy="926166"/>
@@ -3097,7 +3107,7 @@
             <p:cNvPr id="7" name="תיבת טקסט 18">
               <a:extLst>
                 <a:ext uri="{FF2B5EF4-FFF2-40B4-BE49-F238E27FC236}">
-                  <a16:creationId xmlns:a16="http://schemas.microsoft.com/office/drawing/2014/main" xmlns="" id="{16681B08-B5BB-4072-8771-E8321F8CFC99}"/>
+                  <a16:creationId xmlns:a16="http://schemas.microsoft.com/office/drawing/2014/main" id="{16681B08-B5BB-4072-8771-E8321F8CFC99}"/>
                 </a:ext>
               </a:extLst>
             </p:cNvPr>
@@ -3190,7 +3200,7 @@
             <p:cNvPr id="8" name="Text Box 24">
               <a:extLst>
                 <a:ext uri="{FF2B5EF4-FFF2-40B4-BE49-F238E27FC236}">
-                  <a16:creationId xmlns:a16="http://schemas.microsoft.com/office/drawing/2014/main" xmlns="" id="{381F52DF-4A25-4DD5-9D0F-C809759D92B7}"/>
+                  <a16:creationId xmlns:a16="http://schemas.microsoft.com/office/drawing/2014/main" id="{381F52DF-4A25-4DD5-9D0F-C809759D92B7}"/>
                 </a:ext>
               </a:extLst>
             </p:cNvPr>
@@ -3250,7 +3260,7 @@
           <p:cNvPr id="9" name="Group 8">
             <a:extLst>
               <a:ext uri="{FF2B5EF4-FFF2-40B4-BE49-F238E27FC236}">
-                <a16:creationId xmlns:a16="http://schemas.microsoft.com/office/drawing/2014/main" xmlns="" id="{213AB796-6D44-478C-94D2-A45B981805E4}"/>
+                <a16:creationId xmlns:a16="http://schemas.microsoft.com/office/drawing/2014/main" id="{213AB796-6D44-478C-94D2-A45B981805E4}"/>
               </a:ext>
             </a:extLst>
           </p:cNvPr>
@@ -3259,7 +3269,7 @@
         </p:nvGrpSpPr>
         <p:grpSpPr>
           <a:xfrm>
-            <a:off x="18002645" y="9313983"/>
+            <a:off x="18000265" y="9311602"/>
             <a:ext cx="13682011" cy="3622580"/>
             <a:chOff x="0" y="1"/>
             <a:chExt cx="2936623" cy="1021633"/>
@@ -3270,7 +3280,7 @@
             <p:cNvPr id="10" name="תיבת טקסט 18">
               <a:extLst>
                 <a:ext uri="{FF2B5EF4-FFF2-40B4-BE49-F238E27FC236}">
-                  <a16:creationId xmlns:a16="http://schemas.microsoft.com/office/drawing/2014/main" xmlns="" id="{5829F93E-C6BE-4714-B2D5-973472A44C1D}"/>
+                  <a16:creationId xmlns:a16="http://schemas.microsoft.com/office/drawing/2014/main" id="{5829F93E-C6BE-4714-B2D5-973472A44C1D}"/>
                 </a:ext>
               </a:extLst>
             </p:cNvPr>
@@ -3348,7 +3358,7 @@
             <p:cNvPr id="11" name="Text Box 24">
               <a:extLst>
                 <a:ext uri="{FF2B5EF4-FFF2-40B4-BE49-F238E27FC236}">
-                  <a16:creationId xmlns:a16="http://schemas.microsoft.com/office/drawing/2014/main" xmlns="" id="{61B4D10A-7422-45CD-A48E-E673CACB8BE8}"/>
+                  <a16:creationId xmlns:a16="http://schemas.microsoft.com/office/drawing/2014/main" id="{61B4D10A-7422-45CD-A48E-E673CACB8BE8}"/>
                 </a:ext>
               </a:extLst>
             </p:cNvPr>
@@ -3408,7 +3418,7 @@
           <p:cNvPr id="12" name="Group 11">
             <a:extLst>
               <a:ext uri="{FF2B5EF4-FFF2-40B4-BE49-F238E27FC236}">
-                <a16:creationId xmlns:a16="http://schemas.microsoft.com/office/drawing/2014/main" xmlns="" id="{EEA89EBD-FDDE-48A6-8855-66923377C367}"/>
+                <a16:creationId xmlns:a16="http://schemas.microsoft.com/office/drawing/2014/main" id="{EEA89EBD-FDDE-48A6-8855-66923377C367}"/>
               </a:ext>
             </a:extLst>
           </p:cNvPr>
@@ -3417,7 +3427,7 @@
         </p:nvGrpSpPr>
         <p:grpSpPr>
           <a:xfrm>
-            <a:off x="720106" y="30341626"/>
+            <a:off x="717726" y="30339246"/>
             <a:ext cx="13682011" cy="1921565"/>
             <a:chOff x="0" y="1"/>
             <a:chExt cx="2936623" cy="541916"/>
@@ -3428,7 +3438,7 @@
             <p:cNvPr id="13" name="תיבת טקסט 18">
               <a:extLst>
                 <a:ext uri="{FF2B5EF4-FFF2-40B4-BE49-F238E27FC236}">
-                  <a16:creationId xmlns:a16="http://schemas.microsoft.com/office/drawing/2014/main" xmlns="" id="{EFAD3A93-6265-4D90-B121-E7210ACAD82E}"/>
+                  <a16:creationId xmlns:a16="http://schemas.microsoft.com/office/drawing/2014/main" id="{EFAD3A93-6265-4D90-B121-E7210ACAD82E}"/>
                 </a:ext>
               </a:extLst>
             </p:cNvPr>
@@ -3471,7 +3481,7 @@
             <p:cNvPr id="14" name="Text Box 24">
               <a:extLst>
                 <a:ext uri="{FF2B5EF4-FFF2-40B4-BE49-F238E27FC236}">
-                  <a16:creationId xmlns:a16="http://schemas.microsoft.com/office/drawing/2014/main" xmlns="" id="{2D0005CC-35A2-4D6D-ABF5-9D776BB2B284}"/>
+                  <a16:creationId xmlns:a16="http://schemas.microsoft.com/office/drawing/2014/main" id="{2D0005CC-35A2-4D6D-ABF5-9D776BB2B284}"/>
                 </a:ext>
               </a:extLst>
             </p:cNvPr>
@@ -3531,7 +3541,7 @@
           <p:cNvPr id="15" name="Group 14">
             <a:extLst>
               <a:ext uri="{FF2B5EF4-FFF2-40B4-BE49-F238E27FC236}">
-                <a16:creationId xmlns:a16="http://schemas.microsoft.com/office/drawing/2014/main" xmlns="" id="{86DF5ED0-1140-4DE6-9986-617C295E9972}"/>
+                <a16:creationId xmlns:a16="http://schemas.microsoft.com/office/drawing/2014/main" id="{86DF5ED0-1140-4DE6-9986-617C295E9972}"/>
               </a:ext>
             </a:extLst>
           </p:cNvPr>
@@ -3540,7 +3550,7 @@
         </p:nvGrpSpPr>
         <p:grpSpPr>
           <a:xfrm>
-            <a:off x="10781912" y="6278692"/>
+            <a:off x="10779532" y="6276311"/>
             <a:ext cx="10801587" cy="2155440"/>
             <a:chOff x="0" y="1"/>
             <a:chExt cx="2936623" cy="607873"/>
@@ -3551,7 +3561,7 @@
             <p:cNvPr id="16" name="תיבת טקסט 18">
               <a:extLst>
                 <a:ext uri="{FF2B5EF4-FFF2-40B4-BE49-F238E27FC236}">
-                  <a16:creationId xmlns:a16="http://schemas.microsoft.com/office/drawing/2014/main" xmlns="" id="{7231FC04-FE29-41A3-A56A-F24A16325C5E}"/>
+                  <a16:creationId xmlns:a16="http://schemas.microsoft.com/office/drawing/2014/main" id="{7231FC04-FE29-41A3-A56A-F24A16325C5E}"/>
                 </a:ext>
               </a:extLst>
             </p:cNvPr>
@@ -3595,7 +3605,7 @@
             <p:cNvPr id="17" name="Text Box 24">
               <a:extLst>
                 <a:ext uri="{FF2B5EF4-FFF2-40B4-BE49-F238E27FC236}">
-                  <a16:creationId xmlns:a16="http://schemas.microsoft.com/office/drawing/2014/main" xmlns="" id="{BBDFD652-0BF1-49B2-8BA9-681958173701}"/>
+                  <a16:creationId xmlns:a16="http://schemas.microsoft.com/office/drawing/2014/main" id="{BBDFD652-0BF1-49B2-8BA9-681958173701}"/>
                 </a:ext>
               </a:extLst>
             </p:cNvPr>
@@ -3653,7 +3663,7 @@
           <p:cNvPr id="18" name="Group 17">
             <a:extLst>
               <a:ext uri="{FF2B5EF4-FFF2-40B4-BE49-F238E27FC236}">
-                <a16:creationId xmlns:a16="http://schemas.microsoft.com/office/drawing/2014/main" xmlns="" id="{806CC6DC-751D-431B-A607-96ED6DCDB3E7}"/>
+                <a16:creationId xmlns:a16="http://schemas.microsoft.com/office/drawing/2014/main" id="{806CC6DC-751D-431B-A607-96ED6DCDB3E7}"/>
               </a:ext>
             </a:extLst>
           </p:cNvPr>
@@ -3662,7 +3672,7 @@
         </p:nvGrpSpPr>
         <p:grpSpPr>
           <a:xfrm>
-            <a:off x="10803444" y="38194137"/>
+            <a:off x="10801064" y="38191756"/>
             <a:ext cx="10801587" cy="2817614"/>
             <a:chOff x="0" y="1"/>
             <a:chExt cx="2936623" cy="794618"/>
@@ -3673,7 +3683,7 @@
             <p:cNvPr id="19" name="תיבת טקסט 18">
               <a:extLst>
                 <a:ext uri="{FF2B5EF4-FFF2-40B4-BE49-F238E27FC236}">
-                  <a16:creationId xmlns:a16="http://schemas.microsoft.com/office/drawing/2014/main" xmlns="" id="{C990978E-F894-4DC0-BF26-414CBC82D697}"/>
+                  <a16:creationId xmlns:a16="http://schemas.microsoft.com/office/drawing/2014/main" id="{C990978E-F894-4DC0-BF26-414CBC82D697}"/>
                 </a:ext>
               </a:extLst>
             </p:cNvPr>
@@ -3748,7 +3758,7 @@
             <p:cNvPr id="20" name="Text Box 24">
               <a:extLst>
                 <a:ext uri="{FF2B5EF4-FFF2-40B4-BE49-F238E27FC236}">
-                  <a16:creationId xmlns:a16="http://schemas.microsoft.com/office/drawing/2014/main" xmlns="" id="{268AC337-F800-4C0F-A092-659D9DC33F98}"/>
+                  <a16:creationId xmlns:a16="http://schemas.microsoft.com/office/drawing/2014/main" id="{268AC337-F800-4C0F-A092-659D9DC33F98}"/>
                 </a:ext>
               </a:extLst>
             </p:cNvPr>
@@ -3806,7 +3816,7 @@
           <p:cNvPr id="21" name="names">
             <a:extLst>
               <a:ext uri="{FF2B5EF4-FFF2-40B4-BE49-F238E27FC236}">
-                <a16:creationId xmlns:a16="http://schemas.microsoft.com/office/drawing/2014/main" xmlns="" id="{50263BFB-E418-4A74-AECE-CAD600D1406C}"/>
+                <a16:creationId xmlns:a16="http://schemas.microsoft.com/office/drawing/2014/main" id="{50263BFB-E418-4A74-AECE-CAD600D1406C}"/>
               </a:ext>
             </a:extLst>
           </p:cNvPr>
@@ -3817,7 +3827,7 @@
         </p:nvSpPr>
         <p:spPr bwMode="auto">
           <a:xfrm>
-            <a:off x="11423690" y="3220187"/>
+            <a:off x="11421310" y="3217806"/>
             <a:ext cx="9518031" cy="2400922"/>
           </a:xfrm>
           <a:prstGeom prst="rect">
@@ -3948,7 +3958,7 @@
           <p:cNvPr id="22" name="Title">
             <a:extLst>
               <a:ext uri="{FF2B5EF4-FFF2-40B4-BE49-F238E27FC236}">
-                <a16:creationId xmlns:a16="http://schemas.microsoft.com/office/drawing/2014/main" xmlns="" id="{815970DA-DF7D-459C-9C4D-F65236746442}"/>
+                <a16:creationId xmlns:a16="http://schemas.microsoft.com/office/drawing/2014/main" id="{815970DA-DF7D-459C-9C4D-F65236746442}"/>
               </a:ext>
             </a:extLst>
           </p:cNvPr>
@@ -3957,7 +3967,7 @@
         </p:nvSpPr>
         <p:spPr>
           <a:xfrm>
-            <a:off x="11728726" y="1882934"/>
+            <a:off x="11726346" y="1880554"/>
             <a:ext cx="8907959" cy="1647813"/>
           </a:xfrm>
           <a:prstGeom prst="rect">
@@ -4021,7 +4031,7 @@
           <p:cNvPr id="23" name="Picture 22" descr="A close up of a logo&#10;&#10;Description automatically generated">
             <a:extLst>
               <a:ext uri="{FF2B5EF4-FFF2-40B4-BE49-F238E27FC236}">
-                <a16:creationId xmlns:a16="http://schemas.microsoft.com/office/drawing/2014/main" xmlns="" id="{1B0E9798-6ED7-438D-99F7-E4A7EAF64FE6}"/>
+                <a16:creationId xmlns:a16="http://schemas.microsoft.com/office/drawing/2014/main" id="{1B0E9798-6ED7-438D-99F7-E4A7EAF64FE6}"/>
               </a:ext>
             </a:extLst>
           </p:cNvPr>
@@ -4044,7 +4054,7 @@
         </p:blipFill>
         <p:spPr>
           <a:xfrm>
-            <a:off x="1493515" y="4820803"/>
+            <a:off x="1491134" y="4818423"/>
             <a:ext cx="9170422" cy="4197337"/>
           </a:xfrm>
           <a:prstGeom prst="rect">
@@ -4057,7 +4067,7 @@
           <p:cNvPr id="24" name="Group 23">
             <a:extLst>
               <a:ext uri="{FF2B5EF4-FFF2-40B4-BE49-F238E27FC236}">
-                <a16:creationId xmlns:a16="http://schemas.microsoft.com/office/drawing/2014/main" xmlns="" id="{53C697AF-52E9-4D36-A2E7-D8ED4F552308}"/>
+                <a16:creationId xmlns:a16="http://schemas.microsoft.com/office/drawing/2014/main" id="{53C697AF-52E9-4D36-A2E7-D8ED4F552308}"/>
               </a:ext>
             </a:extLst>
           </p:cNvPr>
@@ -4066,7 +4076,7 @@
         </p:nvGrpSpPr>
         <p:grpSpPr>
           <a:xfrm>
-            <a:off x="720106" y="18667885"/>
+            <a:off x="717726" y="18665505"/>
             <a:ext cx="13682011" cy="1921565"/>
             <a:chOff x="0" y="1"/>
             <a:chExt cx="2936623" cy="541916"/>
@@ -4077,7 +4087,7 @@
             <p:cNvPr id="25" name="תיבת טקסט 18">
               <a:extLst>
                 <a:ext uri="{FF2B5EF4-FFF2-40B4-BE49-F238E27FC236}">
-                  <a16:creationId xmlns:a16="http://schemas.microsoft.com/office/drawing/2014/main" xmlns="" id="{6C754D3D-FCC2-4053-9892-AAF25C0F628F}"/>
+                  <a16:creationId xmlns:a16="http://schemas.microsoft.com/office/drawing/2014/main" id="{6C754D3D-FCC2-4053-9892-AAF25C0F628F}"/>
                 </a:ext>
               </a:extLst>
             </p:cNvPr>
@@ -4146,7 +4156,7 @@
             <p:cNvPr id="26" name="Text Box 24">
               <a:extLst>
                 <a:ext uri="{FF2B5EF4-FFF2-40B4-BE49-F238E27FC236}">
-                  <a16:creationId xmlns:a16="http://schemas.microsoft.com/office/drawing/2014/main" xmlns="" id="{5784222E-502A-4E2C-92F0-7F73523B69C2}"/>
+                  <a16:creationId xmlns:a16="http://schemas.microsoft.com/office/drawing/2014/main" id="{5784222E-502A-4E2C-92F0-7F73523B69C2}"/>
                 </a:ext>
               </a:extLst>
             </p:cNvPr>
@@ -4204,7 +4214,7 @@
           <p:cNvPr id="27" name="Group 26">
             <a:extLst>
               <a:ext uri="{FF2B5EF4-FFF2-40B4-BE49-F238E27FC236}">
-                <a16:creationId xmlns:a16="http://schemas.microsoft.com/office/drawing/2014/main" xmlns="" id="{BE2EB11C-DC87-4601-B21E-EF3216172AD9}"/>
+                <a16:creationId xmlns:a16="http://schemas.microsoft.com/office/drawing/2014/main" id="{BE2EB11C-DC87-4601-B21E-EF3216172AD9}"/>
               </a:ext>
             </a:extLst>
           </p:cNvPr>
@@ -4213,7 +4223,7 @@
         </p:nvGrpSpPr>
         <p:grpSpPr>
           <a:xfrm>
-            <a:off x="18002645" y="17517873"/>
+            <a:off x="18000265" y="17515493"/>
             <a:ext cx="13682011" cy="1964385"/>
             <a:chOff x="0" y="1"/>
             <a:chExt cx="2936623" cy="553992"/>
@@ -4224,7 +4234,7 @@
             <p:cNvPr id="28" name="תיבת טקסט 18">
               <a:extLst>
                 <a:ext uri="{FF2B5EF4-FFF2-40B4-BE49-F238E27FC236}">
-                  <a16:creationId xmlns:a16="http://schemas.microsoft.com/office/drawing/2014/main" xmlns="" id="{533A65D4-67FB-4E41-9421-FD9DB044B4D3}"/>
+                  <a16:creationId xmlns:a16="http://schemas.microsoft.com/office/drawing/2014/main" id="{533A65D4-67FB-4E41-9421-FD9DB044B4D3}"/>
                 </a:ext>
               </a:extLst>
             </p:cNvPr>
@@ -4268,7 +4278,7 @@
             <p:cNvPr id="29" name="Text Box 24">
               <a:extLst>
                 <a:ext uri="{FF2B5EF4-FFF2-40B4-BE49-F238E27FC236}">
-                  <a16:creationId xmlns:a16="http://schemas.microsoft.com/office/drawing/2014/main" xmlns="" id="{2A78BB05-F2A3-49E9-8FBE-55ACFE4F4914}"/>
+                  <a16:creationId xmlns:a16="http://schemas.microsoft.com/office/drawing/2014/main" id="{2A78BB05-F2A3-49E9-8FBE-55ACFE4F4914}"/>
                 </a:ext>
               </a:extLst>
             </p:cNvPr>
@@ -4326,7 +4336,7 @@
           <p:cNvPr id="31" name="Picture 30">
             <a:extLst>
               <a:ext uri="{FF2B5EF4-FFF2-40B4-BE49-F238E27FC236}">
-                <a16:creationId xmlns:a16="http://schemas.microsoft.com/office/drawing/2014/main" xmlns="" id="{B3F83FF5-25B8-41FA-9C74-5B360C983A7E}"/>
+                <a16:creationId xmlns:a16="http://schemas.microsoft.com/office/drawing/2014/main" id="{B3F83FF5-25B8-41FA-9C74-5B360C983A7E}"/>
               </a:ext>
             </a:extLst>
           </p:cNvPr>
@@ -4348,7 +4358,7 @@
         </p:blipFill>
         <p:spPr>
           <a:xfrm>
-            <a:off x="9853327" y="41669701"/>
+            <a:off x="9850947" y="41667321"/>
             <a:ext cx="3268975" cy="1437771"/>
           </a:xfrm>
           <a:prstGeom prst="rect">
@@ -4361,7 +4371,7 @@
           <p:cNvPr id="32" name="Picture 31">
             <a:extLst>
               <a:ext uri="{FF2B5EF4-FFF2-40B4-BE49-F238E27FC236}">
-                <a16:creationId xmlns:a16="http://schemas.microsoft.com/office/drawing/2014/main" xmlns="" id="{AF35BE45-91AC-4A08-8BFB-02C0C1E2C7A6}"/>
+                <a16:creationId xmlns:a16="http://schemas.microsoft.com/office/drawing/2014/main" id="{AF35BE45-91AC-4A08-8BFB-02C0C1E2C7A6}"/>
               </a:ext>
             </a:extLst>
           </p:cNvPr>
@@ -4384,7 +4394,7 @@
         </p:blipFill>
         <p:spPr>
           <a:xfrm>
-            <a:off x="6298947" y="41954333"/>
+            <a:off x="6296567" y="41951953"/>
             <a:ext cx="3483683" cy="1010267"/>
           </a:xfrm>
           <a:prstGeom prst="rect">
@@ -4397,7 +4407,7 @@
           <p:cNvPr id="33" name="Picture 32">
             <a:extLst>
               <a:ext uri="{FF2B5EF4-FFF2-40B4-BE49-F238E27FC236}">
-                <a16:creationId xmlns:a16="http://schemas.microsoft.com/office/drawing/2014/main" xmlns="" id="{57D61071-AC5B-42B2-9AC8-47E326D48F9D}"/>
+                <a16:creationId xmlns:a16="http://schemas.microsoft.com/office/drawing/2014/main" id="{57D61071-AC5B-42B2-9AC8-47E326D48F9D}"/>
               </a:ext>
             </a:extLst>
           </p:cNvPr>
@@ -4420,7 +4430,7 @@
         </p:blipFill>
         <p:spPr>
           <a:xfrm>
-            <a:off x="240006" y="42033267"/>
+            <a:off x="237625" y="42030886"/>
             <a:ext cx="3456162" cy="827736"/>
           </a:xfrm>
           <a:prstGeom prst="rect">
@@ -4433,7 +4443,7 @@
           <p:cNvPr id="34" name="Picture 33">
             <a:extLst>
               <a:ext uri="{FF2B5EF4-FFF2-40B4-BE49-F238E27FC236}">
-                <a16:creationId xmlns:a16="http://schemas.microsoft.com/office/drawing/2014/main" xmlns="" id="{96007492-C48A-41CF-AD99-39166572FA35}"/>
+                <a16:creationId xmlns:a16="http://schemas.microsoft.com/office/drawing/2014/main" id="{96007492-C48A-41CF-AD99-39166572FA35}"/>
               </a:ext>
             </a:extLst>
           </p:cNvPr>
@@ -4456,7 +4466,7 @@
         </p:blipFill>
         <p:spPr>
           <a:xfrm>
-            <a:off x="4000228" y="41601549"/>
+            <a:off x="3997848" y="41599169"/>
             <a:ext cx="1889203" cy="1574077"/>
           </a:xfrm>
           <a:prstGeom prst="rect">
@@ -4479,7 +4489,7 @@
           <p:cNvPr id="35" name="TextBox 34">
             <a:extLst>
               <a:ext uri="{FF2B5EF4-FFF2-40B4-BE49-F238E27FC236}">
-                <a16:creationId xmlns:a16="http://schemas.microsoft.com/office/drawing/2014/main" xmlns="" id="{FD1E00FF-0C3B-4DEB-9A22-B15A2A4305D1}"/>
+                <a16:creationId xmlns:a16="http://schemas.microsoft.com/office/drawing/2014/main" id="{FD1E00FF-0C3B-4DEB-9A22-B15A2A4305D1}"/>
               </a:ext>
             </a:extLst>
           </p:cNvPr>
@@ -4488,7 +4498,7 @@
         </p:nvSpPr>
         <p:spPr>
           <a:xfrm>
-            <a:off x="30131910" y="0"/>
+            <a:off x="30129529" y="-2381"/>
             <a:ext cx="2272140" cy="554059"/>
           </a:xfrm>
           <a:prstGeom prst="rect">
@@ -4524,7 +4534,7 @@
           <p:cNvPr id="36" name="Group 35">
             <a:extLst>
               <a:ext uri="{FF2B5EF4-FFF2-40B4-BE49-F238E27FC236}">
-                <a16:creationId xmlns:a16="http://schemas.microsoft.com/office/drawing/2014/main" xmlns="" id="{FA965725-A401-41A8-8CF1-A77E14832757}"/>
+                <a16:creationId xmlns:a16="http://schemas.microsoft.com/office/drawing/2014/main" id="{FA965725-A401-41A8-8CF1-A77E14832757}"/>
               </a:ext>
             </a:extLst>
           </p:cNvPr>
@@ -4533,7 +4543,7 @@
         </p:nvGrpSpPr>
         <p:grpSpPr>
           <a:xfrm>
-            <a:off x="720106" y="9314685"/>
+            <a:off x="717726" y="9312304"/>
             <a:ext cx="13682011" cy="4706376"/>
             <a:chOff x="0" y="1"/>
             <a:chExt cx="2936623" cy="1327283"/>
@@ -4544,7 +4554,7 @@
             <p:cNvPr id="37" name="תיבת טקסט 18">
               <a:extLst>
                 <a:ext uri="{FF2B5EF4-FFF2-40B4-BE49-F238E27FC236}">
-                  <a16:creationId xmlns:a16="http://schemas.microsoft.com/office/drawing/2014/main" xmlns="" id="{DFA3AD4F-9BEE-44BC-8F51-FA5B66553EE6}"/>
+                  <a16:creationId xmlns:a16="http://schemas.microsoft.com/office/drawing/2014/main" id="{DFA3AD4F-9BEE-44BC-8F51-FA5B66553EE6}"/>
                 </a:ext>
               </a:extLst>
             </p:cNvPr>
@@ -4648,7 +4658,7 @@
             <p:cNvPr id="38" name="Text Box 24">
               <a:extLst>
                 <a:ext uri="{FF2B5EF4-FFF2-40B4-BE49-F238E27FC236}">
-                  <a16:creationId xmlns:a16="http://schemas.microsoft.com/office/drawing/2014/main" xmlns="" id="{A9FDB1ED-C4C0-480D-80A6-DF5E91D7F8BC}"/>
+                  <a16:creationId xmlns:a16="http://schemas.microsoft.com/office/drawing/2014/main" id="{A9FDB1ED-C4C0-480D-80A6-DF5E91D7F8BC}"/>
                 </a:ext>
               </a:extLst>
             </p:cNvPr>
@@ -4706,7 +4716,7 @@
           <p:cNvPr id="39" name="Group 38">
             <a:extLst>
               <a:ext uri="{FF2B5EF4-FFF2-40B4-BE49-F238E27FC236}">
-                <a16:creationId xmlns:a16="http://schemas.microsoft.com/office/drawing/2014/main" xmlns="" id="{AB331618-4256-41BA-8FDD-536DA6766F66}"/>
+                <a16:creationId xmlns:a16="http://schemas.microsoft.com/office/drawing/2014/main" id="{AB331618-4256-41BA-8FDD-536DA6766F66}"/>
               </a:ext>
             </a:extLst>
           </p:cNvPr>
@@ -4717,7 +4727,7 @@
         </p:nvGrpSpPr>
         <p:grpSpPr>
           <a:xfrm>
-            <a:off x="1256335" y="32603154"/>
+            <a:off x="1253954" y="32600774"/>
             <a:ext cx="12601852" cy="4810427"/>
             <a:chOff x="10360762" y="23839323"/>
             <a:chExt cx="11775842" cy="4495285"/>
@@ -4728,7 +4738,7 @@
             <p:cNvPr id="40" name="Group 39">
               <a:extLst>
                 <a:ext uri="{FF2B5EF4-FFF2-40B4-BE49-F238E27FC236}">
-                  <a16:creationId xmlns:a16="http://schemas.microsoft.com/office/drawing/2014/main" xmlns="" id="{5B9B95DD-047D-422E-9197-8EB8322A507F}"/>
+                  <a16:creationId xmlns:a16="http://schemas.microsoft.com/office/drawing/2014/main" id="{5B9B95DD-047D-422E-9197-8EB8322A507F}"/>
                 </a:ext>
               </a:extLst>
             </p:cNvPr>
@@ -4748,7 +4758,7 @@
               <p:cNvPr id="42" name="Group 41">
                 <a:extLst>
                   <a:ext uri="{FF2B5EF4-FFF2-40B4-BE49-F238E27FC236}">
-                    <a16:creationId xmlns:a16="http://schemas.microsoft.com/office/drawing/2014/main" xmlns="" id="{0F05674C-EA0D-400B-AF01-2B79607B49E6}"/>
+                    <a16:creationId xmlns:a16="http://schemas.microsoft.com/office/drawing/2014/main" id="{0F05674C-EA0D-400B-AF01-2B79607B49E6}"/>
                   </a:ext>
                 </a:extLst>
               </p:cNvPr>
@@ -4768,7 +4778,7 @@
                 <p:cNvPr id="44" name="Group 43">
                   <a:extLst>
                     <a:ext uri="{FF2B5EF4-FFF2-40B4-BE49-F238E27FC236}">
-                      <a16:creationId xmlns:a16="http://schemas.microsoft.com/office/drawing/2014/main" xmlns="" id="{B60FC61F-D124-4385-9B15-65551D1814D4}"/>
+                      <a16:creationId xmlns:a16="http://schemas.microsoft.com/office/drawing/2014/main" id="{B60FC61F-D124-4385-9B15-65551D1814D4}"/>
                     </a:ext>
                   </a:extLst>
                 </p:cNvPr>
@@ -4788,7 +4798,7 @@
                   <p:cNvPr id="46" name="Group 45">
                     <a:extLst>
                       <a:ext uri="{FF2B5EF4-FFF2-40B4-BE49-F238E27FC236}">
-                        <a16:creationId xmlns:a16="http://schemas.microsoft.com/office/drawing/2014/main" xmlns="" id="{7EE2AEAC-C313-4E78-9FAF-E53B60D27895}"/>
+                        <a16:creationId xmlns:a16="http://schemas.microsoft.com/office/drawing/2014/main" id="{7EE2AEAC-C313-4E78-9FAF-E53B60D27895}"/>
                       </a:ext>
                     </a:extLst>
                   </p:cNvPr>
@@ -4810,7 +4820,7 @@
                     <p:cNvPr id="48" name="Picture 47" descr="A close up of a mans face&#10;&#10;Description automatically generated">
                       <a:extLst>
                         <a:ext uri="{FF2B5EF4-FFF2-40B4-BE49-F238E27FC236}">
-                          <a16:creationId xmlns:a16="http://schemas.microsoft.com/office/drawing/2014/main" xmlns="" id="{2957E089-22FB-4FBD-A6DA-88A57E473D60}"/>
+                          <a16:creationId xmlns:a16="http://schemas.microsoft.com/office/drawing/2014/main" id="{2957E089-22FB-4FBD-A6DA-88A57E473D60}"/>
                         </a:ext>
                       </a:extLst>
                     </p:cNvPr>
@@ -4846,7 +4856,7 @@
                     <p:cNvPr id="49" name="Picture 48" descr="A picture containing crossword puzzle&#10;&#10;Description automatically generated">
                       <a:extLst>
                         <a:ext uri="{FF2B5EF4-FFF2-40B4-BE49-F238E27FC236}">
-                          <a16:creationId xmlns:a16="http://schemas.microsoft.com/office/drawing/2014/main" xmlns="" id="{E1BEC1F8-4C66-44D4-BBC9-5E470E373D7F}"/>
+                          <a16:creationId xmlns:a16="http://schemas.microsoft.com/office/drawing/2014/main" id="{E1BEC1F8-4C66-44D4-BBC9-5E470E373D7F}"/>
                         </a:ext>
                       </a:extLst>
                     </p:cNvPr>
@@ -4882,7 +4892,7 @@
                     <p:cNvPr id="50" name="Picture 49" descr="A close up of a logo&#10;&#10;Description automatically generated">
                       <a:extLst>
                         <a:ext uri="{FF2B5EF4-FFF2-40B4-BE49-F238E27FC236}">
-                          <a16:creationId xmlns:a16="http://schemas.microsoft.com/office/drawing/2014/main" xmlns="" id="{D06E24C7-E118-4768-A7AF-D5733E2080D1}"/>
+                          <a16:creationId xmlns:a16="http://schemas.microsoft.com/office/drawing/2014/main" id="{D06E24C7-E118-4768-A7AF-D5733E2080D1}"/>
                         </a:ext>
                       </a:extLst>
                     </p:cNvPr>
@@ -4919,7 +4929,7 @@
                   <p:cNvPr id="47" name="TextBox 46">
                     <a:extLst>
                       <a:ext uri="{FF2B5EF4-FFF2-40B4-BE49-F238E27FC236}">
-                        <a16:creationId xmlns:a16="http://schemas.microsoft.com/office/drawing/2014/main" xmlns="" id="{C79294A2-E6F5-4FE6-A5C7-31B7AD74C375}"/>
+                        <a16:creationId xmlns:a16="http://schemas.microsoft.com/office/drawing/2014/main" id="{C79294A2-E6F5-4FE6-A5C7-31B7AD74C375}"/>
                       </a:ext>
                     </a:extLst>
                   </p:cNvPr>
@@ -4965,7 +4975,7 @@
                 <p:cNvPr id="45" name="TextBox 44">
                   <a:extLst>
                     <a:ext uri="{FF2B5EF4-FFF2-40B4-BE49-F238E27FC236}">
-                      <a16:creationId xmlns:a16="http://schemas.microsoft.com/office/drawing/2014/main" xmlns="" id="{1B59A4E0-9B34-4F5E-95D6-EC4DB8C829AC}"/>
+                      <a16:creationId xmlns:a16="http://schemas.microsoft.com/office/drawing/2014/main" id="{1B59A4E0-9B34-4F5E-95D6-EC4DB8C829AC}"/>
                     </a:ext>
                   </a:extLst>
                 </p:cNvPr>
@@ -5008,7 +5018,7 @@
               <p:cNvPr id="43" name="TextBox 42">
                 <a:extLst>
                   <a:ext uri="{FF2B5EF4-FFF2-40B4-BE49-F238E27FC236}">
-                    <a16:creationId xmlns:a16="http://schemas.microsoft.com/office/drawing/2014/main" xmlns="" id="{4902E1DB-BD07-4673-82A5-D643E909A61D}"/>
+                    <a16:creationId xmlns:a16="http://schemas.microsoft.com/office/drawing/2014/main" id="{4902E1DB-BD07-4673-82A5-D643E909A61D}"/>
                   </a:ext>
                 </a:extLst>
               </p:cNvPr>
@@ -5051,7 +5061,7 @@
             <p:cNvPr id="41" name="TextBox 40">
               <a:extLst>
                 <a:ext uri="{FF2B5EF4-FFF2-40B4-BE49-F238E27FC236}">
-                  <a16:creationId xmlns:a16="http://schemas.microsoft.com/office/drawing/2014/main" xmlns="" id="{B6393C5B-F0A1-46CD-AD56-C03B7F835399}"/>
+                  <a16:creationId xmlns:a16="http://schemas.microsoft.com/office/drawing/2014/main" id="{B6393C5B-F0A1-46CD-AD56-C03B7F835399}"/>
                 </a:ext>
               </a:extLst>
             </p:cNvPr>
@@ -5094,7 +5104,7 @@
           <p:cNvPr id="51" name="Group 50">
             <a:extLst>
               <a:ext uri="{FF2B5EF4-FFF2-40B4-BE49-F238E27FC236}">
-                <a16:creationId xmlns:a16="http://schemas.microsoft.com/office/drawing/2014/main" xmlns="" id="{A6F5447A-CAD7-4B0C-AAAD-385327A25D87}"/>
+                <a16:creationId xmlns:a16="http://schemas.microsoft.com/office/drawing/2014/main" id="{A6F5447A-CAD7-4B0C-AAAD-385327A25D87}"/>
               </a:ext>
             </a:extLst>
           </p:cNvPr>
@@ -5103,7 +5113,7 @@
         </p:nvGrpSpPr>
         <p:grpSpPr>
           <a:xfrm>
-            <a:off x="18002645" y="30768991"/>
+            <a:off x="18000265" y="30766611"/>
             <a:ext cx="13682011" cy="2585567"/>
             <a:chOff x="0" y="1"/>
             <a:chExt cx="2936623" cy="729177"/>
@@ -5114,7 +5124,7 @@
             <p:cNvPr id="52" name="תיבת טקסט 18">
               <a:extLst>
                 <a:ext uri="{FF2B5EF4-FFF2-40B4-BE49-F238E27FC236}">
-                  <a16:creationId xmlns:a16="http://schemas.microsoft.com/office/drawing/2014/main" xmlns="" id="{2B868D60-4E17-4C1B-82F1-887DBBBB59F6}"/>
+                  <a16:creationId xmlns:a16="http://schemas.microsoft.com/office/drawing/2014/main" id="{2B868D60-4E17-4C1B-82F1-887DBBBB59F6}"/>
                 </a:ext>
               </a:extLst>
             </p:cNvPr>
@@ -5169,7 +5179,7 @@
             <p:cNvPr id="53" name="Text Box 24">
               <a:extLst>
                 <a:ext uri="{FF2B5EF4-FFF2-40B4-BE49-F238E27FC236}">
-                  <a16:creationId xmlns:a16="http://schemas.microsoft.com/office/drawing/2014/main" xmlns="" id="{C182ADF9-CED3-4761-B7DC-EEDC3DB3BE98}"/>
+                  <a16:creationId xmlns:a16="http://schemas.microsoft.com/office/drawing/2014/main" id="{C182ADF9-CED3-4761-B7DC-EEDC3DB3BE98}"/>
                 </a:ext>
               </a:extLst>
             </p:cNvPr>
@@ -5227,7 +5237,7 @@
           <p:cNvPr id="54" name="TextBox 53">
             <a:extLst>
               <a:ext uri="{FF2B5EF4-FFF2-40B4-BE49-F238E27FC236}">
-                <a16:creationId xmlns:a16="http://schemas.microsoft.com/office/drawing/2014/main" xmlns="" id="{5A745D60-7A1A-45E0-8C8E-624EF6E2C95C}"/>
+                <a16:creationId xmlns:a16="http://schemas.microsoft.com/office/drawing/2014/main" id="{5A745D60-7A1A-45E0-8C8E-624EF6E2C95C}"/>
               </a:ext>
             </a:extLst>
           </p:cNvPr>
@@ -5236,7 +5246,7 @@
         </p:nvSpPr>
         <p:spPr>
           <a:xfrm>
-            <a:off x="19245949" y="37313298"/>
+            <a:off x="19243569" y="37310918"/>
             <a:ext cx="11448111" cy="554059"/>
           </a:xfrm>
           <a:prstGeom prst="rect">
@@ -5279,7 +5289,7 @@
           <p:cNvPr id="55" name="Picture 54">
             <a:extLst>
               <a:ext uri="{FF2B5EF4-FFF2-40B4-BE49-F238E27FC236}">
-                <a16:creationId xmlns:a16="http://schemas.microsoft.com/office/drawing/2014/main" xmlns="" id="{603A7175-7B04-40A4-994D-D93110F266A4}"/>
+                <a16:creationId xmlns:a16="http://schemas.microsoft.com/office/drawing/2014/main" id="{603A7175-7B04-40A4-994D-D93110F266A4}"/>
               </a:ext>
             </a:extLst>
           </p:cNvPr>
@@ -5303,7 +5313,7 @@
         </p:blipFill>
         <p:spPr>
           <a:xfrm>
-            <a:off x="9878739" y="15212932"/>
+            <a:off x="9876358" y="15210552"/>
             <a:ext cx="12601852" cy="12601389"/>
           </a:xfrm>
           <a:prstGeom prst="ellipse">
@@ -5324,7 +5334,7 @@
               <p:cNvPr id="56" name="Table 55">
                 <a:extLst>
                   <a:ext uri="{FF2B5EF4-FFF2-40B4-BE49-F238E27FC236}">
-                    <a16:creationId xmlns:a16="http://schemas.microsoft.com/office/drawing/2014/main" xmlns="" id="{DC293643-0FF5-47CC-9190-0D1D19D1CA0B}"/>
+                    <a16:creationId xmlns:a16="http://schemas.microsoft.com/office/drawing/2014/main" id="{DC293643-0FF5-47CC-9190-0D1D19D1CA0B}"/>
                   </a:ext>
                 </a:extLst>
               </p:cNvPr>
@@ -5340,7 +5350,7 @@
               </p:nvPr>
             </p:nvGraphicFramePr>
             <p:xfrm>
-              <a:off x="18430858" y="19794325"/>
+              <a:off x="18428478" y="19791945"/>
               <a:ext cx="12817883" cy="9947729"/>
             </p:xfrm>
             <a:graphic>
@@ -5353,56 +5363,56 @@
                     <a:gridCol w="2556376">
                       <a:extLst>
                         <a:ext uri="{9D8B030D-6E8A-4147-A177-3AD203B41FA5}">
-                          <a16:colId xmlns:a16="http://schemas.microsoft.com/office/drawing/2014/main" xmlns="" val="1946601345"/>
+                          <a16:colId xmlns:a16="http://schemas.microsoft.com/office/drawing/2014/main" val="1946601345"/>
                         </a:ext>
                       </a:extLst>
                     </a:gridCol>
                     <a:gridCol w="1188175">
                       <a:extLst>
                         <a:ext uri="{9D8B030D-6E8A-4147-A177-3AD203B41FA5}">
-                          <a16:colId xmlns:a16="http://schemas.microsoft.com/office/drawing/2014/main" xmlns="" val="1319595562"/>
+                          <a16:colId xmlns:a16="http://schemas.microsoft.com/office/drawing/2014/main" val="1319595562"/>
                         </a:ext>
                       </a:extLst>
                     </a:gridCol>
                     <a:gridCol w="1404206">
                       <a:extLst>
                         <a:ext uri="{9D8B030D-6E8A-4147-A177-3AD203B41FA5}">
-                          <a16:colId xmlns:a16="http://schemas.microsoft.com/office/drawing/2014/main" xmlns="" val="3671013873"/>
+                          <a16:colId xmlns:a16="http://schemas.microsoft.com/office/drawing/2014/main" val="3671013873"/>
                         </a:ext>
                       </a:extLst>
                     </a:gridCol>
                     <a:gridCol w="1404206">
                       <a:extLst>
                         <a:ext uri="{9D8B030D-6E8A-4147-A177-3AD203B41FA5}">
-                          <a16:colId xmlns:a16="http://schemas.microsoft.com/office/drawing/2014/main" xmlns="" val="2049267816"/>
+                          <a16:colId xmlns:a16="http://schemas.microsoft.com/office/drawing/2014/main" val="2049267816"/>
                         </a:ext>
                       </a:extLst>
                     </a:gridCol>
                     <a:gridCol w="1728254">
                       <a:extLst>
                         <a:ext uri="{9D8B030D-6E8A-4147-A177-3AD203B41FA5}">
-                          <a16:colId xmlns:a16="http://schemas.microsoft.com/office/drawing/2014/main" xmlns="" val="966686260"/>
+                          <a16:colId xmlns:a16="http://schemas.microsoft.com/office/drawing/2014/main" val="966686260"/>
                         </a:ext>
                       </a:extLst>
                     </a:gridCol>
                     <a:gridCol w="1404206">
                       <a:extLst>
                         <a:ext uri="{9D8B030D-6E8A-4147-A177-3AD203B41FA5}">
-                          <a16:colId xmlns:a16="http://schemas.microsoft.com/office/drawing/2014/main" xmlns="" val="2377125529"/>
+                          <a16:colId xmlns:a16="http://schemas.microsoft.com/office/drawing/2014/main" val="2377125529"/>
                         </a:ext>
                       </a:extLst>
                     </a:gridCol>
                     <a:gridCol w="1404206">
                       <a:extLst>
                         <a:ext uri="{9D8B030D-6E8A-4147-A177-3AD203B41FA5}">
-                          <a16:colId xmlns:a16="http://schemas.microsoft.com/office/drawing/2014/main" xmlns="" val="1858987758"/>
+                          <a16:colId xmlns:a16="http://schemas.microsoft.com/office/drawing/2014/main" val="1858987758"/>
                         </a:ext>
                       </a:extLst>
                     </a:gridCol>
                     <a:gridCol w="1728254">
                       <a:extLst>
                         <a:ext uri="{9D8B030D-6E8A-4147-A177-3AD203B41FA5}">
-                          <a16:colId xmlns:a16="http://schemas.microsoft.com/office/drawing/2014/main" xmlns="" val="922372244"/>
+                          <a16:colId xmlns:a16="http://schemas.microsoft.com/office/drawing/2014/main" val="922372244"/>
                         </a:ext>
                       </a:extLst>
                     </a:gridCol>
@@ -5746,7 +5756,7 @@
                     </a:tc>
                     <a:extLst>
                       <a:ext uri="{0D108BD9-81ED-4DB2-BD59-A6C34878D82A}">
-                        <a16:rowId xmlns:a16="http://schemas.microsoft.com/office/drawing/2014/main" xmlns="" val="1487559327"/>
+                        <a16:rowId xmlns:a16="http://schemas.microsoft.com/office/drawing/2014/main" val="1487559327"/>
                       </a:ext>
                     </a:extLst>
                   </a:tr>
@@ -6138,7 +6148,7 @@
                     </a:tc>
                     <a:extLst>
                       <a:ext uri="{0D108BD9-81ED-4DB2-BD59-A6C34878D82A}">
-                        <a16:rowId xmlns:a16="http://schemas.microsoft.com/office/drawing/2014/main" xmlns="" val="2670774814"/>
+                        <a16:rowId xmlns:a16="http://schemas.microsoft.com/office/drawing/2014/main" val="2670774814"/>
                       </a:ext>
                     </a:extLst>
                   </a:tr>
@@ -6333,7 +6343,7 @@
                     </a:tc>
                     <a:extLst>
                       <a:ext uri="{0D108BD9-81ED-4DB2-BD59-A6C34878D82A}">
-                        <a16:rowId xmlns:a16="http://schemas.microsoft.com/office/drawing/2014/main" xmlns="" val="2343822438"/>
+                        <a16:rowId xmlns:a16="http://schemas.microsoft.com/office/drawing/2014/main" val="2343822438"/>
                       </a:ext>
                     </a:extLst>
                   </a:tr>
@@ -6542,7 +6552,7 @@
                     </a:tc>
                     <a:extLst>
                       <a:ext uri="{0D108BD9-81ED-4DB2-BD59-A6C34878D82A}">
-                        <a16:rowId xmlns:a16="http://schemas.microsoft.com/office/drawing/2014/main" xmlns="" val="4008647147"/>
+                        <a16:rowId xmlns:a16="http://schemas.microsoft.com/office/drawing/2014/main" val="4008647147"/>
                       </a:ext>
                     </a:extLst>
                   </a:tr>
@@ -6721,7 +6731,7 @@
                     </a:tc>
                     <a:extLst>
                       <a:ext uri="{0D108BD9-81ED-4DB2-BD59-A6C34878D82A}">
-                        <a16:rowId xmlns:a16="http://schemas.microsoft.com/office/drawing/2014/main" xmlns="" val="1184920339"/>
+                        <a16:rowId xmlns:a16="http://schemas.microsoft.com/office/drawing/2014/main" val="1184920339"/>
                       </a:ext>
                     </a:extLst>
                   </a:tr>
@@ -6898,7 +6908,7 @@
                     </a:tc>
                     <a:extLst>
                       <a:ext uri="{0D108BD9-81ED-4DB2-BD59-A6C34878D82A}">
-                        <a16:rowId xmlns:a16="http://schemas.microsoft.com/office/drawing/2014/main" xmlns="" val="161192191"/>
+                        <a16:rowId xmlns:a16="http://schemas.microsoft.com/office/drawing/2014/main" val="161192191"/>
                       </a:ext>
                     </a:extLst>
                   </a:tr>
@@ -7087,7 +7097,7 @@
                                 <m:sSubPr>
                                   <m:ctrlPr>
                                     <a:rPr lang="en-US" sz="3000" b="1" i="1" smtClean="0">
-                                      <a:latin typeface="Cambria Math"/>
+                                      <a:latin typeface="Cambria Math" panose="02040503050406030204" pitchFamily="18" charset="0"/>
                                     </a:rPr>
                                   </m:ctrlPr>
                                 </m:sSubPr>
@@ -7281,7 +7291,7 @@
                                 <m:sSubPr>
                                   <m:ctrlPr>
                                     <a:rPr lang="en-US" sz="3000" b="1" i="1" smtClean="0">
-                                      <a:latin typeface="Cambria Math"/>
+                                      <a:latin typeface="Cambria Math" panose="02040503050406030204" pitchFamily="18" charset="0"/>
                                     </a:rPr>
                                   </m:ctrlPr>
                                 </m:sSubPr>
@@ -7405,7 +7415,7 @@
                     </a:tc>
                     <a:extLst>
                       <a:ext uri="{0D108BD9-81ED-4DB2-BD59-A6C34878D82A}">
-                        <a16:rowId xmlns:a16="http://schemas.microsoft.com/office/drawing/2014/main" xmlns="" val="2324081285"/>
+                        <a16:rowId xmlns:a16="http://schemas.microsoft.com/office/drawing/2014/main" val="2324081285"/>
                       </a:ext>
                     </a:extLst>
                   </a:tr>
@@ -7585,7 +7595,7 @@
                                 <m:sSubPr>
                                   <m:ctrlPr>
                                     <a:rPr lang="en-US" sz="3000" b="1" i="1" smtClean="0">
-                                      <a:latin typeface="Cambria Math"/>
+                                      <a:latin typeface="Cambria Math" panose="02040503050406030204" pitchFamily="18" charset="0"/>
                                     </a:rPr>
                                   </m:ctrlPr>
                                 </m:sSubPr>
@@ -7776,7 +7786,7 @@
                                 <m:sSubPr>
                                   <m:ctrlPr>
                                     <a:rPr lang="en-US" sz="3000" b="1" i="1" smtClean="0">
-                                      <a:latin typeface="Cambria Math"/>
+                                      <a:latin typeface="Cambria Math" panose="02040503050406030204" pitchFamily="18" charset="0"/>
                                     </a:rPr>
                                   </m:ctrlPr>
                                 </m:sSubPr>
@@ -7900,7 +7910,7 @@
                     </a:tc>
                     <a:extLst>
                       <a:ext uri="{0D108BD9-81ED-4DB2-BD59-A6C34878D82A}">
-                        <a16:rowId xmlns:a16="http://schemas.microsoft.com/office/drawing/2014/main" xmlns="" val="1330813689"/>
+                        <a16:rowId xmlns:a16="http://schemas.microsoft.com/office/drawing/2014/main" val="1330813689"/>
                       </a:ext>
                     </a:extLst>
                   </a:tr>
@@ -8080,7 +8090,7 @@
                                 <m:sSubPr>
                                   <m:ctrlPr>
                                     <a:rPr lang="en-US" sz="3000" b="1" i="1" smtClean="0">
-                                      <a:latin typeface="Cambria Math"/>
+                                      <a:latin typeface="Cambria Math" panose="02040503050406030204" pitchFamily="18" charset="0"/>
                                     </a:rPr>
                                   </m:ctrlPr>
                                 </m:sSubPr>
@@ -8272,7 +8282,7 @@
                                 <m:sSubPr>
                                   <m:ctrlPr>
                                     <a:rPr lang="en-US" sz="3000" b="1" i="1" smtClean="0">
-                                      <a:latin typeface="Cambria Math"/>
+                                      <a:latin typeface="Cambria Math" panose="02040503050406030204" pitchFamily="18" charset="0"/>
                                     </a:rPr>
                                   </m:ctrlPr>
                                 </m:sSubPr>
@@ -8397,7 +8407,7 @@
                     </a:tc>
                     <a:extLst>
                       <a:ext uri="{0D108BD9-81ED-4DB2-BD59-A6C34878D82A}">
-                        <a16:rowId xmlns:a16="http://schemas.microsoft.com/office/drawing/2014/main" xmlns="" val="1559508821"/>
+                        <a16:rowId xmlns:a16="http://schemas.microsoft.com/office/drawing/2014/main" val="1559508821"/>
                       </a:ext>
                     </a:extLst>
                   </a:tr>
@@ -8841,7 +8851,7 @@
                     </a:tc>
                     <a:extLst>
                       <a:ext uri="{0D108BD9-81ED-4DB2-BD59-A6C34878D82A}">
-                        <a16:rowId xmlns:a16="http://schemas.microsoft.com/office/drawing/2014/main" xmlns="" val="1073051094"/>
+                        <a16:rowId xmlns:a16="http://schemas.microsoft.com/office/drawing/2014/main" val="1073051094"/>
                       </a:ext>
                     </a:extLst>
                   </a:tr>
@@ -9030,7 +9040,7 @@
                                 <m:sSubPr>
                                   <m:ctrlPr>
                                     <a:rPr lang="en-US" sz="3000" b="1" i="1" smtClean="0">
-                                      <a:latin typeface="Cambria Math"/>
+                                      <a:latin typeface="Cambria Math" panose="02040503050406030204" pitchFamily="18" charset="0"/>
                                     </a:rPr>
                                   </m:ctrlPr>
                                 </m:sSubPr>
@@ -9226,7 +9236,7 @@
                                 <m:sSubPr>
                                   <m:ctrlPr>
                                     <a:rPr lang="en-US" sz="3000" b="1" i="1" smtClean="0">
-                                      <a:latin typeface="Cambria Math"/>
+                                      <a:latin typeface="Cambria Math" panose="02040503050406030204" pitchFamily="18" charset="0"/>
                                     </a:rPr>
                                   </m:ctrlPr>
                                 </m:sSubPr>
@@ -9352,7 +9362,7 @@
                     </a:tc>
                     <a:extLst>
                       <a:ext uri="{0D108BD9-81ED-4DB2-BD59-A6C34878D82A}">
-                        <a16:rowId xmlns:a16="http://schemas.microsoft.com/office/drawing/2014/main" xmlns="" val="653722751"/>
+                        <a16:rowId xmlns:a16="http://schemas.microsoft.com/office/drawing/2014/main" val="653722751"/>
                       </a:ext>
                     </a:extLst>
                   </a:tr>
@@ -9532,7 +9542,7 @@
                                 <m:sSubPr>
                                   <m:ctrlPr>
                                     <a:rPr lang="en-US" sz="3000" b="1" i="1" smtClean="0">
-                                      <a:latin typeface="Cambria Math"/>
+                                      <a:latin typeface="Cambria Math" panose="02040503050406030204" pitchFamily="18" charset="0"/>
                                     </a:rPr>
                                   </m:ctrlPr>
                                 </m:sSubPr>
@@ -9725,7 +9735,7 @@
                                 <m:sSubPr>
                                   <m:ctrlPr>
                                     <a:rPr lang="en-US" sz="3000" b="1" i="1" smtClean="0">
-                                      <a:latin typeface="Cambria Math"/>
+                                      <a:latin typeface="Cambria Math" panose="02040503050406030204" pitchFamily="18" charset="0"/>
                                     </a:rPr>
                                   </m:ctrlPr>
                                 </m:sSubPr>
@@ -9851,7 +9861,7 @@
                     </a:tc>
                     <a:extLst>
                       <a:ext uri="{0D108BD9-81ED-4DB2-BD59-A6C34878D82A}">
-                        <a16:rowId xmlns:a16="http://schemas.microsoft.com/office/drawing/2014/main" xmlns="" val="2111612218"/>
+                        <a16:rowId xmlns:a16="http://schemas.microsoft.com/office/drawing/2014/main" val="2111612218"/>
                       </a:ext>
                     </a:extLst>
                   </a:tr>
@@ -10031,7 +10041,7 @@
                                 <m:sSubPr>
                                   <m:ctrlPr>
                                     <a:rPr lang="en-US" sz="3000" b="1" i="1" smtClean="0">
-                                      <a:latin typeface="Cambria Math"/>
+                                      <a:latin typeface="Cambria Math" panose="02040503050406030204" pitchFamily="18" charset="0"/>
                                     </a:rPr>
                                   </m:ctrlPr>
                                 </m:sSubPr>
@@ -10225,7 +10235,7 @@
                                 <m:sSubPr>
                                   <m:ctrlPr>
                                     <a:rPr lang="en-US" sz="3000" b="1" i="1" smtClean="0">
-                                      <a:latin typeface="Cambria Math"/>
+                                      <a:latin typeface="Cambria Math" panose="02040503050406030204" pitchFamily="18" charset="0"/>
                                     </a:rPr>
                                   </m:ctrlPr>
                                 </m:sSubPr>
@@ -10352,7 +10362,7 @@
                     </a:tc>
                     <a:extLst>
                       <a:ext uri="{0D108BD9-81ED-4DB2-BD59-A6C34878D82A}">
-                        <a16:rowId xmlns:a16="http://schemas.microsoft.com/office/drawing/2014/main" xmlns="" val="1638457691"/>
+                        <a16:rowId xmlns:a16="http://schemas.microsoft.com/office/drawing/2014/main" val="1638457691"/>
                       </a:ext>
                     </a:extLst>
                   </a:tr>
@@ -10800,7 +10810,7 @@
                     </a:tc>
                     <a:extLst>
                       <a:ext uri="{0D108BD9-81ED-4DB2-BD59-A6C34878D82A}">
-                        <a16:rowId xmlns:a16="http://schemas.microsoft.com/office/drawing/2014/main" xmlns="" val="3317433048"/>
+                        <a16:rowId xmlns:a16="http://schemas.microsoft.com/office/drawing/2014/main" val="3317433048"/>
                       </a:ext>
                     </a:extLst>
                   </a:tr>
@@ -10989,7 +10999,7 @@
                                 <m:sSubPr>
                                   <m:ctrlPr>
                                     <a:rPr lang="en-US" sz="3000" b="1" i="1" smtClean="0">
-                                      <a:latin typeface="Cambria Math"/>
+                                      <a:latin typeface="Cambria Math" panose="02040503050406030204" pitchFamily="18" charset="0"/>
                                     </a:rPr>
                                   </m:ctrlPr>
                                 </m:sSubPr>
@@ -11185,7 +11195,7 @@
                                 <m:sSubPr>
                                   <m:ctrlPr>
                                     <a:rPr lang="en-US" sz="3000" b="1" i="1" smtClean="0">
-                                      <a:latin typeface="Cambria Math"/>
+                                      <a:latin typeface="Cambria Math" panose="02040503050406030204" pitchFamily="18" charset="0"/>
                                     </a:rPr>
                                   </m:ctrlPr>
                                 </m:sSubPr>
@@ -11316,7 +11326,7 @@
                     </a:tc>
                     <a:extLst>
                       <a:ext uri="{0D108BD9-81ED-4DB2-BD59-A6C34878D82A}">
-                        <a16:rowId xmlns:a16="http://schemas.microsoft.com/office/drawing/2014/main" xmlns="" val="1150070244"/>
+                        <a16:rowId xmlns:a16="http://schemas.microsoft.com/office/drawing/2014/main" val="1150070244"/>
                       </a:ext>
                     </a:extLst>
                   </a:tr>
@@ -11750,7 +11760,7 @@
                     </a:tc>
                     <a:extLst>
                       <a:ext uri="{0D108BD9-81ED-4DB2-BD59-A6C34878D82A}">
-                        <a16:rowId xmlns:a16="http://schemas.microsoft.com/office/drawing/2014/main" xmlns="" val="1352560717"/>
+                        <a16:rowId xmlns:a16="http://schemas.microsoft.com/office/drawing/2014/main" val="1352560717"/>
                       </a:ext>
                     </a:extLst>
                   </a:tr>
@@ -11939,7 +11949,7 @@
                                 <m:sSubPr>
                                   <m:ctrlPr>
                                     <a:rPr lang="en-US" sz="3000" b="1" i="1" smtClean="0">
-                                      <a:latin typeface="Cambria Math"/>
+                                      <a:latin typeface="Cambria Math" panose="02040503050406030204" pitchFamily="18" charset="0"/>
                                     </a:rPr>
                                   </m:ctrlPr>
                                 </m:sSubPr>
@@ -12136,7 +12146,7 @@
                                 <m:sSubPr>
                                   <m:ctrlPr>
                                     <a:rPr lang="en-US" sz="3000" b="1" i="1" smtClean="0">
-                                      <a:latin typeface="Cambria Math"/>
+                                      <a:latin typeface="Cambria Math" panose="02040503050406030204" pitchFamily="18" charset="0"/>
                                     </a:rPr>
                                   </m:ctrlPr>
                                 </m:sSubPr>
@@ -12267,7 +12277,7 @@
                     </a:tc>
                     <a:extLst>
                       <a:ext uri="{0D108BD9-81ED-4DB2-BD59-A6C34878D82A}">
-                        <a16:rowId xmlns:a16="http://schemas.microsoft.com/office/drawing/2014/main" xmlns="" val="2159292062"/>
+                        <a16:rowId xmlns:a16="http://schemas.microsoft.com/office/drawing/2014/main" val="2159292062"/>
                       </a:ext>
                     </a:extLst>
                   </a:tr>
@@ -12701,7 +12711,7 @@
                     </a:tc>
                     <a:extLst>
                       <a:ext uri="{0D108BD9-81ED-4DB2-BD59-A6C34878D82A}">
-                        <a16:rowId xmlns:a16="http://schemas.microsoft.com/office/drawing/2014/main" xmlns="" val="3057922804"/>
+                        <a16:rowId xmlns:a16="http://schemas.microsoft.com/office/drawing/2014/main" val="3057922804"/>
                       </a:ext>
                     </a:extLst>
                   </a:tr>
@@ -12890,7 +12900,7 @@
                                 <m:sSubPr>
                                   <m:ctrlPr>
                                     <a:rPr lang="en-US" sz="3000" b="1" i="1" smtClean="0">
-                                      <a:latin typeface="Cambria Math"/>
+                                      <a:latin typeface="Cambria Math" panose="02040503050406030204" pitchFamily="18" charset="0"/>
                                     </a:rPr>
                                   </m:ctrlPr>
                                 </m:sSubPr>
@@ -13086,7 +13096,7 @@
                                 <m:sSubPr>
                                   <m:ctrlPr>
                                     <a:rPr lang="en-US" sz="3000" b="1" i="1" smtClean="0">
-                                      <a:latin typeface="Cambria Math"/>
+                                      <a:latin typeface="Cambria Math" panose="02040503050406030204" pitchFamily="18" charset="0"/>
                                     </a:rPr>
                                   </m:ctrlPr>
                                 </m:sSubPr>
@@ -13212,7 +13222,7 @@
                     </a:tc>
                     <a:extLst>
                       <a:ext uri="{0D108BD9-81ED-4DB2-BD59-A6C34878D82A}">
-                        <a16:rowId xmlns:a16="http://schemas.microsoft.com/office/drawing/2014/main" xmlns="" val="861605503"/>
+                        <a16:rowId xmlns:a16="http://schemas.microsoft.com/office/drawing/2014/main" val="861605503"/>
                       </a:ext>
                     </a:extLst>
                   </a:tr>
@@ -13660,7 +13670,7 @@
                     </a:tc>
                     <a:extLst>
                       <a:ext uri="{0D108BD9-81ED-4DB2-BD59-A6C34878D82A}">
-                        <a16:rowId xmlns:a16="http://schemas.microsoft.com/office/drawing/2014/main" xmlns="" val="1158839360"/>
+                        <a16:rowId xmlns:a16="http://schemas.microsoft.com/office/drawing/2014/main" val="1158839360"/>
                       </a:ext>
                     </a:extLst>
                   </a:tr>
@@ -13675,7 +13685,7 @@
               <p:cNvPr id="56" name="Table 55">
                 <a:extLst>
                   <a:ext uri="{FF2B5EF4-FFF2-40B4-BE49-F238E27FC236}">
-                    <a16:creationId xmlns="" xmlns:a16="http://schemas.microsoft.com/office/drawing/2014/main" xmlns:a14="http://schemas.microsoft.com/office/drawing/2010/main" id="{DC293643-0FF5-47CC-9190-0D1D19D1CA0B}"/>
+                    <a16:creationId xmlns:a16="http://schemas.microsoft.com/office/drawing/2014/main" id="{DC293643-0FF5-47CC-9190-0D1D19D1CA0B}"/>
                   </a:ext>
                 </a:extLst>
               </p:cNvPr>
@@ -13691,7 +13701,7 @@
               </p:nvPr>
             </p:nvGraphicFramePr>
             <p:xfrm>
-              <a:off x="18430858" y="19794325"/>
+              <a:off x="18428478" y="19791945"/>
               <a:ext cx="12817883" cy="9947729"/>
             </p:xfrm>
             <a:graphic>
@@ -13704,56 +13714,56 @@
                     <a:gridCol w="2556376">
                       <a:extLst>
                         <a:ext uri="{9D8B030D-6E8A-4147-A177-3AD203B41FA5}">
-                          <a16:colId xmlns="" xmlns:a16="http://schemas.microsoft.com/office/drawing/2014/main" xmlns:a14="http://schemas.microsoft.com/office/drawing/2010/main" val="1946601345"/>
+                          <a16:colId xmlns:a16="http://schemas.microsoft.com/office/drawing/2014/main" val="1946601345"/>
                         </a:ext>
                       </a:extLst>
                     </a:gridCol>
                     <a:gridCol w="1188175">
                       <a:extLst>
                         <a:ext uri="{9D8B030D-6E8A-4147-A177-3AD203B41FA5}">
-                          <a16:colId xmlns="" xmlns:a16="http://schemas.microsoft.com/office/drawing/2014/main" xmlns:a14="http://schemas.microsoft.com/office/drawing/2010/main" val="1319595562"/>
+                          <a16:colId xmlns:a16="http://schemas.microsoft.com/office/drawing/2014/main" val="1319595562"/>
                         </a:ext>
                       </a:extLst>
                     </a:gridCol>
                     <a:gridCol w="1404206">
                       <a:extLst>
                         <a:ext uri="{9D8B030D-6E8A-4147-A177-3AD203B41FA5}">
-                          <a16:colId xmlns="" xmlns:a16="http://schemas.microsoft.com/office/drawing/2014/main" xmlns:a14="http://schemas.microsoft.com/office/drawing/2010/main" val="3671013873"/>
+                          <a16:colId xmlns:a16="http://schemas.microsoft.com/office/drawing/2014/main" val="3671013873"/>
                         </a:ext>
                       </a:extLst>
                     </a:gridCol>
                     <a:gridCol w="1404206">
                       <a:extLst>
                         <a:ext uri="{9D8B030D-6E8A-4147-A177-3AD203B41FA5}">
-                          <a16:colId xmlns="" xmlns:a16="http://schemas.microsoft.com/office/drawing/2014/main" xmlns:a14="http://schemas.microsoft.com/office/drawing/2010/main" val="2049267816"/>
+                          <a16:colId xmlns:a16="http://schemas.microsoft.com/office/drawing/2014/main" val="2049267816"/>
                         </a:ext>
                       </a:extLst>
                     </a:gridCol>
                     <a:gridCol w="1728254">
                       <a:extLst>
                         <a:ext uri="{9D8B030D-6E8A-4147-A177-3AD203B41FA5}">
-                          <a16:colId xmlns="" xmlns:a16="http://schemas.microsoft.com/office/drawing/2014/main" xmlns:a14="http://schemas.microsoft.com/office/drawing/2010/main" val="966686260"/>
+                          <a16:colId xmlns:a16="http://schemas.microsoft.com/office/drawing/2014/main" val="966686260"/>
                         </a:ext>
                       </a:extLst>
                     </a:gridCol>
                     <a:gridCol w="1404206">
                       <a:extLst>
                         <a:ext uri="{9D8B030D-6E8A-4147-A177-3AD203B41FA5}">
-                          <a16:colId xmlns="" xmlns:a16="http://schemas.microsoft.com/office/drawing/2014/main" xmlns:a14="http://schemas.microsoft.com/office/drawing/2010/main" val="2377125529"/>
+                          <a16:colId xmlns:a16="http://schemas.microsoft.com/office/drawing/2014/main" val="2377125529"/>
                         </a:ext>
                       </a:extLst>
                     </a:gridCol>
                     <a:gridCol w="1404206">
                       <a:extLst>
                         <a:ext uri="{9D8B030D-6E8A-4147-A177-3AD203B41FA5}">
-                          <a16:colId xmlns="" xmlns:a16="http://schemas.microsoft.com/office/drawing/2014/main" xmlns:a14="http://schemas.microsoft.com/office/drawing/2010/main" val="1858987758"/>
+                          <a16:colId xmlns:a16="http://schemas.microsoft.com/office/drawing/2014/main" val="1858987758"/>
                         </a:ext>
                       </a:extLst>
                     </a:gridCol>
                     <a:gridCol w="1728254">
                       <a:extLst>
                         <a:ext uri="{9D8B030D-6E8A-4147-A177-3AD203B41FA5}">
-                          <a16:colId xmlns="" xmlns:a16="http://schemas.microsoft.com/office/drawing/2014/main" xmlns:a14="http://schemas.microsoft.com/office/drawing/2010/main" val="922372244"/>
+                          <a16:colId xmlns:a16="http://schemas.microsoft.com/office/drawing/2014/main" val="922372244"/>
                         </a:ext>
                       </a:extLst>
                     </a:gridCol>
@@ -14097,7 +14107,7 @@
                     </a:tc>
                     <a:extLst>
                       <a:ext uri="{0D108BD9-81ED-4DB2-BD59-A6C34878D82A}">
-                        <a16:rowId xmlns="" xmlns:a16="http://schemas.microsoft.com/office/drawing/2014/main" xmlns:a14="http://schemas.microsoft.com/office/drawing/2010/main" val="1487559327"/>
+                        <a16:rowId xmlns:a16="http://schemas.microsoft.com/office/drawing/2014/main" val="1487559327"/>
                       </a:ext>
                     </a:extLst>
                   </a:tr>
@@ -14489,7 +14499,7 @@
                     </a:tc>
                     <a:extLst>
                       <a:ext uri="{0D108BD9-81ED-4DB2-BD59-A6C34878D82A}">
-                        <a16:rowId xmlns="" xmlns:a16="http://schemas.microsoft.com/office/drawing/2014/main" xmlns:a14="http://schemas.microsoft.com/office/drawing/2010/main" val="2670774814"/>
+                        <a16:rowId xmlns:a16="http://schemas.microsoft.com/office/drawing/2014/main" val="2670774814"/>
                       </a:ext>
                     </a:extLst>
                   </a:tr>
@@ -14684,7 +14694,7 @@
                     </a:tc>
                     <a:extLst>
                       <a:ext uri="{0D108BD9-81ED-4DB2-BD59-A6C34878D82A}">
-                        <a16:rowId xmlns="" xmlns:a16="http://schemas.microsoft.com/office/drawing/2014/main" xmlns:a14="http://schemas.microsoft.com/office/drawing/2010/main" val="2343822438"/>
+                        <a16:rowId xmlns:a16="http://schemas.microsoft.com/office/drawing/2014/main" val="2343822438"/>
                       </a:ext>
                     </a:extLst>
                   </a:tr>
@@ -14893,7 +14903,7 @@
                     </a:tc>
                     <a:extLst>
                       <a:ext uri="{0D108BD9-81ED-4DB2-BD59-A6C34878D82A}">
-                        <a16:rowId xmlns="" xmlns:a16="http://schemas.microsoft.com/office/drawing/2014/main" xmlns:a14="http://schemas.microsoft.com/office/drawing/2010/main" val="4008647147"/>
+                        <a16:rowId xmlns:a16="http://schemas.microsoft.com/office/drawing/2014/main" val="4008647147"/>
                       </a:ext>
                     </a:extLst>
                   </a:tr>
@@ -15072,7 +15082,7 @@
                     </a:tc>
                     <a:extLst>
                       <a:ext uri="{0D108BD9-81ED-4DB2-BD59-A6C34878D82A}">
-                        <a16:rowId xmlns="" xmlns:a16="http://schemas.microsoft.com/office/drawing/2014/main" xmlns:a14="http://schemas.microsoft.com/office/drawing/2010/main" val="1184920339"/>
+                        <a16:rowId xmlns:a16="http://schemas.microsoft.com/office/drawing/2014/main" val="1184920339"/>
                       </a:ext>
                     </a:extLst>
                   </a:tr>
@@ -15249,7 +15259,7 @@
                     </a:tc>
                     <a:extLst>
                       <a:ext uri="{0D108BD9-81ED-4DB2-BD59-A6C34878D82A}">
-                        <a16:rowId xmlns="" xmlns:a16="http://schemas.microsoft.com/office/drawing/2014/main" xmlns:a14="http://schemas.microsoft.com/office/drawing/2010/main" val="161192191"/>
+                        <a16:rowId xmlns:a16="http://schemas.microsoft.com/office/drawing/2014/main" val="161192191"/>
                       </a:ext>
                     </a:extLst>
                   </a:tr>
@@ -15467,10 +15477,10 @@
                           <a:headEnd type="none" w="med" len="med"/>
                           <a:tailEnd type="none" w="med" len="med"/>
                         </a:lnB>
-                        <a:blipFill rotWithShape="1">
+                        <a:blipFill>
                           <a:blip r:embed="rId13"/>
                           <a:stretch>
-                            <a:fillRect l="-367391" t="-426667" r="-447391" b="-1335556"/>
+                            <a:fillRect l="-369130" t="-425556" r="-449565" b="-1336667"/>
                           </a:stretch>
                         </a:blipFill>
                       </a:tcPr>
@@ -15632,10 +15642,10 @@
                           <a:headEnd type="none" w="med" len="med"/>
                           <a:tailEnd type="none" w="med" len="med"/>
                         </a:lnB>
-                        <a:blipFill rotWithShape="1">
+                        <a:blipFill>
                           <a:blip r:embed="rId13"/>
                           <a:stretch>
-                            <a:fillRect l="-690870" t="-426667" r="-123913" b="-1335556"/>
+                            <a:fillRect l="-692609" t="-425556" r="-126087" b="-1336667"/>
                           </a:stretch>
                         </a:blipFill>
                       </a:tcPr>
@@ -15698,7 +15708,7 @@
                     </a:tc>
                     <a:extLst>
                       <a:ext uri="{0D108BD9-81ED-4DB2-BD59-A6C34878D82A}">
-                        <a16:rowId xmlns="" xmlns:a16="http://schemas.microsoft.com/office/drawing/2014/main" xmlns:a14="http://schemas.microsoft.com/office/drawing/2010/main" val="2324081285"/>
+                        <a16:rowId xmlns:a16="http://schemas.microsoft.com/office/drawing/2014/main" val="2324081285"/>
                       </a:ext>
                     </a:extLst>
                   </a:tr>
@@ -15907,10 +15917,10 @@
                           <a:headEnd type="none" w="med" len="med"/>
                           <a:tailEnd type="none" w="med" len="med"/>
                         </a:lnB>
-                        <a:blipFill rotWithShape="1">
+                        <a:blipFill>
                           <a:blip r:embed="rId13"/>
                           <a:stretch>
-                            <a:fillRect l="-367391" t="-526667" r="-447391" b="-1235556"/>
+                            <a:fillRect l="-369130" t="-525556" r="-449565" b="-1236667"/>
                           </a:stretch>
                         </a:blipFill>
                       </a:tcPr>
@@ -16069,10 +16079,10 @@
                           <a:headEnd type="none" w="med" len="med"/>
                           <a:tailEnd type="none" w="med" len="med"/>
                         </a:lnB>
-                        <a:blipFill rotWithShape="1">
+                        <a:blipFill>
                           <a:blip r:embed="rId13"/>
                           <a:stretch>
-                            <a:fillRect l="-690870" t="-526667" r="-123913" b="-1235556"/>
+                            <a:fillRect l="-692609" t="-525556" r="-126087" b="-1236667"/>
                           </a:stretch>
                         </a:blipFill>
                       </a:tcPr>
@@ -16135,7 +16145,7 @@
                     </a:tc>
                     <a:extLst>
                       <a:ext uri="{0D108BD9-81ED-4DB2-BD59-A6C34878D82A}">
-                        <a16:rowId xmlns="" xmlns:a16="http://schemas.microsoft.com/office/drawing/2014/main" xmlns:a14="http://schemas.microsoft.com/office/drawing/2010/main" val="1330813689"/>
+                        <a16:rowId xmlns:a16="http://schemas.microsoft.com/office/drawing/2014/main" val="1330813689"/>
                       </a:ext>
                     </a:extLst>
                   </a:tr>
@@ -16344,10 +16354,10 @@
                           <a:headEnd type="none" w="med" len="med"/>
                           <a:tailEnd type="none" w="med" len="med"/>
                         </a:lnB>
-                        <a:blipFill rotWithShape="1">
+                        <a:blipFill>
                           <a:blip r:embed="rId13"/>
                           <a:stretch>
-                            <a:fillRect l="-367391" t="-626667" r="-447391" b="-1135556"/>
+                            <a:fillRect l="-369130" t="-625556" r="-449565" b="-1136667"/>
                           </a:stretch>
                         </a:blipFill>
                       </a:tcPr>
@@ -16506,10 +16516,10 @@
                           <a:headEnd type="none" w="med" len="med"/>
                           <a:tailEnd type="none" w="med" len="med"/>
                         </a:lnB>
-                        <a:blipFill rotWithShape="1">
+                        <a:blipFill>
                           <a:blip r:embed="rId13"/>
                           <a:stretch>
-                            <a:fillRect l="-690870" t="-626667" r="-123913" b="-1135556"/>
+                            <a:fillRect l="-692609" t="-625556" r="-126087" b="-1136667"/>
                           </a:stretch>
                         </a:blipFill>
                       </a:tcPr>
@@ -16572,7 +16582,7 @@
                     </a:tc>
                     <a:extLst>
                       <a:ext uri="{0D108BD9-81ED-4DB2-BD59-A6C34878D82A}">
-                        <a16:rowId xmlns="" xmlns:a16="http://schemas.microsoft.com/office/drawing/2014/main" xmlns:a14="http://schemas.microsoft.com/office/drawing/2010/main" val="1559508821"/>
+                        <a16:rowId xmlns:a16="http://schemas.microsoft.com/office/drawing/2014/main" val="1559508821"/>
                       </a:ext>
                     </a:extLst>
                   </a:tr>
@@ -17016,7 +17026,7 @@
                     </a:tc>
                     <a:extLst>
                       <a:ext uri="{0D108BD9-81ED-4DB2-BD59-A6C34878D82A}">
-                        <a16:rowId xmlns="" xmlns:a16="http://schemas.microsoft.com/office/drawing/2014/main" xmlns:a14="http://schemas.microsoft.com/office/drawing/2010/main" val="1073051094"/>
+                        <a16:rowId xmlns:a16="http://schemas.microsoft.com/office/drawing/2014/main" val="1073051094"/>
                       </a:ext>
                     </a:extLst>
                   </a:tr>
@@ -17234,10 +17244,10 @@
                           <a:headEnd type="none" w="med" len="med"/>
                           <a:tailEnd type="none" w="med" len="med"/>
                         </a:lnB>
-                        <a:blipFill rotWithShape="1">
+                        <a:blipFill>
                           <a:blip r:embed="rId13"/>
                           <a:stretch>
-                            <a:fillRect l="-367391" t="-826667" r="-447391" b="-935556"/>
+                            <a:fillRect l="-369130" t="-825556" r="-449565" b="-936667"/>
                           </a:stretch>
                         </a:blipFill>
                       </a:tcPr>
@@ -17401,10 +17411,10 @@
                           <a:headEnd type="none" w="med" len="med"/>
                           <a:tailEnd type="none" w="med" len="med"/>
                         </a:lnB>
-                        <a:blipFill rotWithShape="1">
+                        <a:blipFill>
                           <a:blip r:embed="rId13"/>
                           <a:stretch>
-                            <a:fillRect l="-690870" t="-826667" r="-123913" b="-935556"/>
+                            <a:fillRect l="-692609" t="-825556" r="-126087" b="-936667"/>
                           </a:stretch>
                         </a:blipFill>
                       </a:tcPr>
@@ -17469,7 +17479,7 @@
                     </a:tc>
                     <a:extLst>
                       <a:ext uri="{0D108BD9-81ED-4DB2-BD59-A6C34878D82A}">
-                        <a16:rowId xmlns="" xmlns:a16="http://schemas.microsoft.com/office/drawing/2014/main" xmlns:a14="http://schemas.microsoft.com/office/drawing/2010/main" val="653722751"/>
+                        <a16:rowId xmlns:a16="http://schemas.microsoft.com/office/drawing/2014/main" val="653722751"/>
                       </a:ext>
                     </a:extLst>
                   </a:tr>
@@ -17678,10 +17688,10 @@
                           <a:headEnd type="none" w="med" len="med"/>
                           <a:tailEnd type="none" w="med" len="med"/>
                         </a:lnB>
-                        <a:blipFill rotWithShape="1">
+                        <a:blipFill>
                           <a:blip r:embed="rId13"/>
                           <a:stretch>
-                            <a:fillRect l="-367391" t="-926667" r="-447391" b="-835556"/>
+                            <a:fillRect l="-369130" t="-925556" r="-449565" b="-836667"/>
                           </a:stretch>
                         </a:blipFill>
                       </a:tcPr>
@@ -17842,10 +17852,10 @@
                           <a:headEnd type="none" w="med" len="med"/>
                           <a:tailEnd type="none" w="med" len="med"/>
                         </a:lnB>
-                        <a:blipFill rotWithShape="1">
+                        <a:blipFill>
                           <a:blip r:embed="rId13"/>
                           <a:stretch>
-                            <a:fillRect l="-690870" t="-926667" r="-123913" b="-835556"/>
+                            <a:fillRect l="-692609" t="-925556" r="-126087" b="-836667"/>
                           </a:stretch>
                         </a:blipFill>
                       </a:tcPr>
@@ -17910,7 +17920,7 @@
                     </a:tc>
                     <a:extLst>
                       <a:ext uri="{0D108BD9-81ED-4DB2-BD59-A6C34878D82A}">
-                        <a16:rowId xmlns="" xmlns:a16="http://schemas.microsoft.com/office/drawing/2014/main" xmlns:a14="http://schemas.microsoft.com/office/drawing/2010/main" val="2111612218"/>
+                        <a16:rowId xmlns:a16="http://schemas.microsoft.com/office/drawing/2014/main" val="2111612218"/>
                       </a:ext>
                     </a:extLst>
                   </a:tr>
@@ -18119,10 +18129,10 @@
                           <a:headEnd type="none" w="med" len="med"/>
                           <a:tailEnd type="none" w="med" len="med"/>
                         </a:lnB>
-                        <a:blipFill rotWithShape="1">
+                        <a:blipFill>
                           <a:blip r:embed="rId13"/>
                           <a:stretch>
-                            <a:fillRect l="-367391" t="-1026667" r="-447391" b="-735556"/>
+                            <a:fillRect l="-369130" t="-1025556" r="-449565" b="-736667"/>
                           </a:stretch>
                         </a:blipFill>
                       </a:tcPr>
@@ -18283,10 +18293,10 @@
                           <a:headEnd type="none" w="med" len="med"/>
                           <a:tailEnd type="none" w="med" len="med"/>
                         </a:lnB>
-                        <a:blipFill rotWithShape="1">
+                        <a:blipFill>
                           <a:blip r:embed="rId13"/>
                           <a:stretch>
-                            <a:fillRect l="-690870" t="-1026667" r="-123913" b="-735556"/>
+                            <a:fillRect l="-692609" t="-1025556" r="-126087" b="-736667"/>
                           </a:stretch>
                         </a:blipFill>
                       </a:tcPr>
@@ -18351,7 +18361,7 @@
                     </a:tc>
                     <a:extLst>
                       <a:ext uri="{0D108BD9-81ED-4DB2-BD59-A6C34878D82A}">
-                        <a16:rowId xmlns="" xmlns:a16="http://schemas.microsoft.com/office/drawing/2014/main" xmlns:a14="http://schemas.microsoft.com/office/drawing/2010/main" val="1638457691"/>
+                        <a16:rowId xmlns:a16="http://schemas.microsoft.com/office/drawing/2014/main" val="1638457691"/>
                       </a:ext>
                     </a:extLst>
                   </a:tr>
@@ -18799,7 +18809,7 @@
                     </a:tc>
                     <a:extLst>
                       <a:ext uri="{0D108BD9-81ED-4DB2-BD59-A6C34878D82A}">
-                        <a16:rowId xmlns="" xmlns:a16="http://schemas.microsoft.com/office/drawing/2014/main" xmlns:a14="http://schemas.microsoft.com/office/drawing/2010/main" val="3317433048"/>
+                        <a16:rowId xmlns:a16="http://schemas.microsoft.com/office/drawing/2014/main" val="3317433048"/>
                       </a:ext>
                     </a:extLst>
                   </a:tr>
@@ -19017,10 +19027,10 @@
                           <a:headEnd type="none" w="med" len="med"/>
                           <a:tailEnd type="none" w="med" len="med"/>
                         </a:lnB>
-                        <a:blipFill rotWithShape="1">
+                        <a:blipFill>
                           <a:blip r:embed="rId13"/>
                           <a:stretch>
-                            <a:fillRect l="-367391" t="-1226667" r="-447391" b="-535556"/>
+                            <a:fillRect l="-369130" t="-1226667" r="-449565" b="-535556"/>
                           </a:stretch>
                         </a:blipFill>
                       </a:tcPr>
@@ -19184,10 +19194,10 @@
                           <a:headEnd type="none" w="med" len="med"/>
                           <a:tailEnd type="none" w="med" len="med"/>
                         </a:lnB>
-                        <a:blipFill rotWithShape="1">
+                        <a:blipFill>
                           <a:blip r:embed="rId13"/>
                           <a:stretch>
-                            <a:fillRect l="-690870" t="-1226667" r="-123913" b="-535556"/>
+                            <a:fillRect l="-692609" t="-1226667" r="-126087" b="-535556"/>
                           </a:stretch>
                         </a:blipFill>
                       </a:tcPr>
@@ -19257,7 +19267,7 @@
                     </a:tc>
                     <a:extLst>
                       <a:ext uri="{0D108BD9-81ED-4DB2-BD59-A6C34878D82A}">
-                        <a16:rowId xmlns="" xmlns:a16="http://schemas.microsoft.com/office/drawing/2014/main" xmlns:a14="http://schemas.microsoft.com/office/drawing/2010/main" val="1150070244"/>
+                        <a16:rowId xmlns:a16="http://schemas.microsoft.com/office/drawing/2014/main" val="1150070244"/>
                       </a:ext>
                     </a:extLst>
                   </a:tr>
@@ -19691,7 +19701,7 @@
                     </a:tc>
                     <a:extLst>
                       <a:ext uri="{0D108BD9-81ED-4DB2-BD59-A6C34878D82A}">
-                        <a16:rowId xmlns="" xmlns:a16="http://schemas.microsoft.com/office/drawing/2014/main" xmlns:a14="http://schemas.microsoft.com/office/drawing/2010/main" val="1352560717"/>
+                        <a16:rowId xmlns:a16="http://schemas.microsoft.com/office/drawing/2014/main" val="1352560717"/>
                       </a:ext>
                     </a:extLst>
                   </a:tr>
@@ -19909,10 +19919,10 @@
                           <a:headEnd type="none" w="med" len="med"/>
                           <a:tailEnd type="none" w="med" len="med"/>
                         </a:lnB>
-                        <a:blipFill rotWithShape="1">
+                        <a:blipFill>
                           <a:blip r:embed="rId13"/>
                           <a:stretch>
-                            <a:fillRect l="-367391" t="-1426667" r="-447391" b="-335556"/>
+                            <a:fillRect l="-369130" t="-1426667" r="-449565" b="-335556"/>
                           </a:stretch>
                         </a:blipFill>
                       </a:tcPr>
@@ -20077,10 +20087,10 @@
                           <a:headEnd type="none" w="med" len="med"/>
                           <a:tailEnd type="none" w="med" len="med"/>
                         </a:lnB>
-                        <a:blipFill rotWithShape="1">
+                        <a:blipFill>
                           <a:blip r:embed="rId13"/>
                           <a:stretch>
-                            <a:fillRect l="-690870" t="-1426667" r="-123913" b="-335556"/>
+                            <a:fillRect l="-692609" t="-1426667" r="-126087" b="-335556"/>
                           </a:stretch>
                         </a:blipFill>
                       </a:tcPr>
@@ -20150,7 +20160,7 @@
                     </a:tc>
                     <a:extLst>
                       <a:ext uri="{0D108BD9-81ED-4DB2-BD59-A6C34878D82A}">
-                        <a16:rowId xmlns="" xmlns:a16="http://schemas.microsoft.com/office/drawing/2014/main" xmlns:a14="http://schemas.microsoft.com/office/drawing/2010/main" val="2159292062"/>
+                        <a16:rowId xmlns:a16="http://schemas.microsoft.com/office/drawing/2014/main" val="2159292062"/>
                       </a:ext>
                     </a:extLst>
                   </a:tr>
@@ -20584,7 +20594,7 @@
                     </a:tc>
                     <a:extLst>
                       <a:ext uri="{0D108BD9-81ED-4DB2-BD59-A6C34878D82A}">
-                        <a16:rowId xmlns="" xmlns:a16="http://schemas.microsoft.com/office/drawing/2014/main" xmlns:a14="http://schemas.microsoft.com/office/drawing/2010/main" val="3057922804"/>
+                        <a16:rowId xmlns:a16="http://schemas.microsoft.com/office/drawing/2014/main" val="3057922804"/>
                       </a:ext>
                     </a:extLst>
                   </a:tr>
@@ -20802,10 +20812,10 @@
                           <a:headEnd type="none" w="med" len="med"/>
                           <a:tailEnd type="none" w="med" len="med"/>
                         </a:lnB>
-                        <a:blipFill rotWithShape="1">
+                        <a:blipFill>
                           <a:blip r:embed="rId13"/>
                           <a:stretch>
-                            <a:fillRect l="-367391" t="-1626667" r="-447391" b="-135556"/>
+                            <a:fillRect l="-369130" t="-1626667" r="-449565" b="-135556"/>
                           </a:stretch>
                         </a:blipFill>
                       </a:tcPr>
@@ -20969,10 +20979,10 @@
                           <a:headEnd type="none" w="med" len="med"/>
                           <a:tailEnd type="none" w="med" len="med"/>
                         </a:lnB>
-                        <a:blipFill rotWithShape="1">
+                        <a:blipFill>
                           <a:blip r:embed="rId13"/>
                           <a:stretch>
-                            <a:fillRect l="-690870" t="-1626667" r="-123913" b="-135556"/>
+                            <a:fillRect l="-692609" t="-1626667" r="-126087" b="-135556"/>
                           </a:stretch>
                         </a:blipFill>
                       </a:tcPr>
@@ -21037,7 +21047,7 @@
                     </a:tc>
                     <a:extLst>
                       <a:ext uri="{0D108BD9-81ED-4DB2-BD59-A6C34878D82A}">
-                        <a16:rowId xmlns="" xmlns:a16="http://schemas.microsoft.com/office/drawing/2014/main" xmlns:a14="http://schemas.microsoft.com/office/drawing/2010/main" val="861605503"/>
+                        <a16:rowId xmlns:a16="http://schemas.microsoft.com/office/drawing/2014/main" val="861605503"/>
                       </a:ext>
                     </a:extLst>
                   </a:tr>
@@ -21485,7 +21495,7 @@
                     </a:tc>
                     <a:extLst>
                       <a:ext uri="{0D108BD9-81ED-4DB2-BD59-A6C34878D82A}">
-                        <a16:rowId xmlns="" xmlns:a16="http://schemas.microsoft.com/office/drawing/2014/main" xmlns:a14="http://schemas.microsoft.com/office/drawing/2010/main" val="1158839360"/>
+                        <a16:rowId xmlns:a16="http://schemas.microsoft.com/office/drawing/2014/main" val="1158839360"/>
                       </a:ext>
                     </a:extLst>
                   </a:tr>
@@ -21500,7 +21510,7 @@
           <p:cNvPr id="57" name="Table 56">
             <a:extLst>
               <a:ext uri="{FF2B5EF4-FFF2-40B4-BE49-F238E27FC236}">
-                <a16:creationId xmlns:a16="http://schemas.microsoft.com/office/drawing/2014/main" xmlns="" id="{8B34A129-BE35-458F-B5CF-AF5BE1647015}"/>
+                <a16:creationId xmlns:a16="http://schemas.microsoft.com/office/drawing/2014/main" id="{8B34A129-BE35-458F-B5CF-AF5BE1647015}"/>
               </a:ext>
             </a:extLst>
           </p:cNvPr>
@@ -21516,7 +21526,7 @@
           </p:nvPr>
         </p:nvGraphicFramePr>
         <p:xfrm>
-          <a:off x="21951889" y="33432447"/>
+          <a:off x="21949508" y="33430066"/>
           <a:ext cx="5940874" cy="3791480"/>
         </p:xfrm>
         <a:graphic>
@@ -21529,21 +21539,21 @@
                 <a:gridCol w="2340344">
                   <a:extLst>
                     <a:ext uri="{9D8B030D-6E8A-4147-A177-3AD203B41FA5}">
-                      <a16:colId xmlns:a16="http://schemas.microsoft.com/office/drawing/2014/main" xmlns="" val="2977598269"/>
+                      <a16:colId xmlns:a16="http://schemas.microsoft.com/office/drawing/2014/main" val="2977598269"/>
                     </a:ext>
                   </a:extLst>
                 </a:gridCol>
                 <a:gridCol w="1800265">
                   <a:extLst>
                     <a:ext uri="{9D8B030D-6E8A-4147-A177-3AD203B41FA5}">
-                      <a16:colId xmlns:a16="http://schemas.microsoft.com/office/drawing/2014/main" xmlns="" val="1958273809"/>
+                      <a16:colId xmlns:a16="http://schemas.microsoft.com/office/drawing/2014/main" val="1958273809"/>
                     </a:ext>
                   </a:extLst>
                 </a:gridCol>
                 <a:gridCol w="1800265">
                   <a:extLst>
                     <a:ext uri="{9D8B030D-6E8A-4147-A177-3AD203B41FA5}">
-                      <a16:colId xmlns:a16="http://schemas.microsoft.com/office/drawing/2014/main" xmlns="" val="1797041600"/>
+                      <a16:colId xmlns:a16="http://schemas.microsoft.com/office/drawing/2014/main" val="1797041600"/>
                     </a:ext>
                   </a:extLst>
                 </a:gridCol>
@@ -21746,7 +21756,7 @@
                 </a:tc>
                 <a:extLst>
                   <a:ext uri="{0D108BD9-81ED-4DB2-BD59-A6C34878D82A}">
-                    <a16:rowId xmlns:a16="http://schemas.microsoft.com/office/drawing/2014/main" xmlns="" val="662979093"/>
+                    <a16:rowId xmlns:a16="http://schemas.microsoft.com/office/drawing/2014/main" val="662979093"/>
                   </a:ext>
                 </a:extLst>
               </a:tr>
@@ -21956,7 +21966,7 @@
                 </a:tc>
                 <a:extLst>
                   <a:ext uri="{0D108BD9-81ED-4DB2-BD59-A6C34878D82A}">
-                    <a16:rowId xmlns:a16="http://schemas.microsoft.com/office/drawing/2014/main" xmlns="" val="2925520719"/>
+                    <a16:rowId xmlns:a16="http://schemas.microsoft.com/office/drawing/2014/main" val="2925520719"/>
                   </a:ext>
                 </a:extLst>
               </a:tr>
@@ -22145,7 +22155,7 @@
                 </a:tc>
                 <a:extLst>
                   <a:ext uri="{0D108BD9-81ED-4DB2-BD59-A6C34878D82A}">
-                    <a16:rowId xmlns:a16="http://schemas.microsoft.com/office/drawing/2014/main" xmlns="" val="2124887621"/>
+                    <a16:rowId xmlns:a16="http://schemas.microsoft.com/office/drawing/2014/main" val="2124887621"/>
                   </a:ext>
                 </a:extLst>
               </a:tr>
@@ -22334,7 +22344,7 @@
                 </a:tc>
                 <a:extLst>
                   <a:ext uri="{0D108BD9-81ED-4DB2-BD59-A6C34878D82A}">
-                    <a16:rowId xmlns:a16="http://schemas.microsoft.com/office/drawing/2014/main" xmlns="" val="3021274662"/>
+                    <a16:rowId xmlns:a16="http://schemas.microsoft.com/office/drawing/2014/main" val="3021274662"/>
                   </a:ext>
                 </a:extLst>
               </a:tr>
@@ -22552,7 +22562,7 @@
                 </a:tc>
                 <a:extLst>
                   <a:ext uri="{0D108BD9-81ED-4DB2-BD59-A6C34878D82A}">
-                    <a16:rowId xmlns:a16="http://schemas.microsoft.com/office/drawing/2014/main" xmlns="" val="3319115553"/>
+                    <a16:rowId xmlns:a16="http://schemas.microsoft.com/office/drawing/2014/main" val="3319115553"/>
                   </a:ext>
                 </a:extLst>
               </a:tr>
@@ -22741,7 +22751,7 @@
                 </a:tc>
                 <a:extLst>
                   <a:ext uri="{0D108BD9-81ED-4DB2-BD59-A6C34878D82A}">
-                    <a16:rowId xmlns:a16="http://schemas.microsoft.com/office/drawing/2014/main" xmlns="" val="2189012797"/>
+                    <a16:rowId xmlns:a16="http://schemas.microsoft.com/office/drawing/2014/main" val="2189012797"/>
                   </a:ext>
                 </a:extLst>
               </a:tr>
@@ -22930,7 +22940,7 @@
                 </a:tc>
                 <a:extLst>
                   <a:ext uri="{0D108BD9-81ED-4DB2-BD59-A6C34878D82A}">
-                    <a16:rowId xmlns:a16="http://schemas.microsoft.com/office/drawing/2014/main" xmlns="" val="1799581859"/>
+                    <a16:rowId xmlns:a16="http://schemas.microsoft.com/office/drawing/2014/main" val="1799581859"/>
                   </a:ext>
                 </a:extLst>
               </a:tr>
@@ -22943,7 +22953,7 @@
           <p:cNvPr id="58" name="Group 57">
             <a:extLst>
               <a:ext uri="{FF2B5EF4-FFF2-40B4-BE49-F238E27FC236}">
-                <a16:creationId xmlns:a16="http://schemas.microsoft.com/office/drawing/2014/main" xmlns="" id="{637694B7-B59B-4709-A786-03DE0A339FF9}"/>
+                <a16:creationId xmlns:a16="http://schemas.microsoft.com/office/drawing/2014/main" id="{637694B7-B59B-4709-A786-03DE0A339FF9}"/>
               </a:ext>
             </a:extLst>
           </p:cNvPr>
@@ -22952,7 +22962,7 @@
         </p:nvGrpSpPr>
         <p:grpSpPr>
           <a:xfrm>
-            <a:off x="19444866" y="12937378"/>
+            <a:off x="19442485" y="12934998"/>
             <a:ext cx="10471006" cy="4089447"/>
             <a:chOff x="19442008" y="12935952"/>
             <a:chExt cx="10469467" cy="4088996"/>
@@ -22963,7 +22973,7 @@
             <p:cNvPr id="59" name="TextBox 58">
               <a:extLst>
                 <a:ext uri="{FF2B5EF4-FFF2-40B4-BE49-F238E27FC236}">
-                  <a16:creationId xmlns:a16="http://schemas.microsoft.com/office/drawing/2014/main" xmlns="" id="{9AFC47EB-42FA-43B1-B48C-00D6F8E3D06D}"/>
+                  <a16:creationId xmlns:a16="http://schemas.microsoft.com/office/drawing/2014/main" id="{9AFC47EB-42FA-43B1-B48C-00D6F8E3D06D}"/>
                 </a:ext>
               </a:extLst>
             </p:cNvPr>
@@ -23015,7 +23025,7 @@
             <p:cNvPr id="60" name="Group 59">
               <a:extLst>
                 <a:ext uri="{FF2B5EF4-FFF2-40B4-BE49-F238E27FC236}">
-                  <a16:creationId xmlns:a16="http://schemas.microsoft.com/office/drawing/2014/main" xmlns="" id="{ED32B511-0E3E-4DE1-B134-A452408ABAB8}"/>
+                  <a16:creationId xmlns:a16="http://schemas.microsoft.com/office/drawing/2014/main" id="{ED32B511-0E3E-4DE1-B134-A452408ABAB8}"/>
                 </a:ext>
               </a:extLst>
             </p:cNvPr>
@@ -23035,7 +23045,7 @@
               <p:cNvPr id="61" name="Group 60">
                 <a:extLst>
                   <a:ext uri="{FF2B5EF4-FFF2-40B4-BE49-F238E27FC236}">
-                    <a16:creationId xmlns:a16="http://schemas.microsoft.com/office/drawing/2014/main" xmlns="" id="{125B5DCB-4636-445B-A635-238A15DE4132}"/>
+                    <a16:creationId xmlns:a16="http://schemas.microsoft.com/office/drawing/2014/main" id="{125B5DCB-4636-445B-A635-238A15DE4132}"/>
                   </a:ext>
                 </a:extLst>
               </p:cNvPr>
@@ -23055,7 +23065,7 @@
                 <p:cNvPr id="64" name="Picture 63" descr="A close up of a person&#10;&#10;Description automatically generated">
                   <a:extLst>
                     <a:ext uri="{FF2B5EF4-FFF2-40B4-BE49-F238E27FC236}">
-                      <a16:creationId xmlns:a16="http://schemas.microsoft.com/office/drawing/2014/main" xmlns="" id="{81682841-10C6-478C-8E71-C4D5B442C2D4}"/>
+                      <a16:creationId xmlns:a16="http://schemas.microsoft.com/office/drawing/2014/main" id="{81682841-10C6-478C-8E71-C4D5B442C2D4}"/>
                     </a:ext>
                   </a:extLst>
                 </p:cNvPr>
@@ -23091,7 +23101,7 @@
                 <p:cNvPr id="65" name="Picture 64" descr="A close up of a logo&#10;&#10;Description automatically generated">
                   <a:extLst>
                     <a:ext uri="{FF2B5EF4-FFF2-40B4-BE49-F238E27FC236}">
-                      <a16:creationId xmlns:a16="http://schemas.microsoft.com/office/drawing/2014/main" xmlns="" id="{D6B359FB-9A67-42EA-A4D5-41493FC97E4D}"/>
+                      <a16:creationId xmlns:a16="http://schemas.microsoft.com/office/drawing/2014/main" id="{D6B359FB-9A67-42EA-A4D5-41493FC97E4D}"/>
                     </a:ext>
                   </a:extLst>
                 </p:cNvPr>
@@ -23127,7 +23137,7 @@
                 <p:cNvPr id="66" name="Picture 65" descr="A close up of a logo&#10;&#10;Description automatically generated">
                   <a:extLst>
                     <a:ext uri="{FF2B5EF4-FFF2-40B4-BE49-F238E27FC236}">
-                      <a16:creationId xmlns:a16="http://schemas.microsoft.com/office/drawing/2014/main" xmlns="" id="{F7B74625-E64F-42CD-A757-795B53D0C962}"/>
+                      <a16:creationId xmlns:a16="http://schemas.microsoft.com/office/drawing/2014/main" id="{F7B74625-E64F-42CD-A757-795B53D0C962}"/>
                     </a:ext>
                   </a:extLst>
                 </p:cNvPr>
@@ -23163,7 +23173,7 @@
                 <p:cNvPr id="67" name="TextBox 66">
                   <a:extLst>
                     <a:ext uri="{FF2B5EF4-FFF2-40B4-BE49-F238E27FC236}">
-                      <a16:creationId xmlns:a16="http://schemas.microsoft.com/office/drawing/2014/main" xmlns="" id="{3DDD1541-8047-44BB-9199-9795894A96C2}"/>
+                      <a16:creationId xmlns:a16="http://schemas.microsoft.com/office/drawing/2014/main" id="{3DDD1541-8047-44BB-9199-9795894A96C2}"/>
                     </a:ext>
                   </a:extLst>
                 </p:cNvPr>
@@ -23199,7 +23209,7 @@
                 <p:cNvPr id="68" name="TextBox 67">
                   <a:extLst>
                     <a:ext uri="{FF2B5EF4-FFF2-40B4-BE49-F238E27FC236}">
-                      <a16:creationId xmlns:a16="http://schemas.microsoft.com/office/drawing/2014/main" xmlns="" id="{D2C6FFDE-1D92-4368-9EE1-96CB4B026C9A}"/>
+                      <a16:creationId xmlns:a16="http://schemas.microsoft.com/office/drawing/2014/main" id="{D2C6FFDE-1D92-4368-9EE1-96CB4B026C9A}"/>
                     </a:ext>
                   </a:extLst>
                 </p:cNvPr>
@@ -23235,7 +23245,7 @@
                 <p:cNvPr id="69" name="TextBox 68">
                   <a:extLst>
                     <a:ext uri="{FF2B5EF4-FFF2-40B4-BE49-F238E27FC236}">
-                      <a16:creationId xmlns:a16="http://schemas.microsoft.com/office/drawing/2014/main" xmlns="" id="{91FA1A4A-799D-4C1C-B711-221B958168CA}"/>
+                      <a16:creationId xmlns:a16="http://schemas.microsoft.com/office/drawing/2014/main" id="{91FA1A4A-799D-4C1C-B711-221B958168CA}"/>
                     </a:ext>
                   </a:extLst>
                 </p:cNvPr>
@@ -23275,7 +23285,7 @@
                 <p:cNvPr id="70" name="TextBox 69">
                   <a:extLst>
                     <a:ext uri="{FF2B5EF4-FFF2-40B4-BE49-F238E27FC236}">
-                      <a16:creationId xmlns:a16="http://schemas.microsoft.com/office/drawing/2014/main" xmlns="" id="{75333DDE-85A8-4F7A-AB5E-D95541C8839B}"/>
+                      <a16:creationId xmlns:a16="http://schemas.microsoft.com/office/drawing/2014/main" id="{75333DDE-85A8-4F7A-AB5E-D95541C8839B}"/>
                     </a:ext>
                   </a:extLst>
                 </p:cNvPr>
@@ -23315,7 +23325,7 @@
                 <p:cNvPr id="71" name="TextBox 70">
                   <a:extLst>
                     <a:ext uri="{FF2B5EF4-FFF2-40B4-BE49-F238E27FC236}">
-                      <a16:creationId xmlns:a16="http://schemas.microsoft.com/office/drawing/2014/main" xmlns="" id="{BC69923F-D19A-46C6-98D4-0A7872704C55}"/>
+                      <a16:creationId xmlns:a16="http://schemas.microsoft.com/office/drawing/2014/main" id="{BC69923F-D19A-46C6-98D4-0A7872704C55}"/>
                     </a:ext>
                   </a:extLst>
                 </p:cNvPr>
@@ -23356,7 +23366,7 @@
               <p:cNvPr id="62" name="TextBox 61">
                 <a:extLst>
                   <a:ext uri="{FF2B5EF4-FFF2-40B4-BE49-F238E27FC236}">
-                    <a16:creationId xmlns:a16="http://schemas.microsoft.com/office/drawing/2014/main" xmlns="" id="{C52B1F06-4451-433B-937C-57BBD07EF5D0}"/>
+                    <a16:creationId xmlns:a16="http://schemas.microsoft.com/office/drawing/2014/main" id="{C52B1F06-4451-433B-937C-57BBD07EF5D0}"/>
                   </a:ext>
                 </a:extLst>
               </p:cNvPr>
@@ -23413,7 +23423,7 @@
               <p:cNvPr id="63" name="TextBox 62">
                 <a:extLst>
                   <a:ext uri="{FF2B5EF4-FFF2-40B4-BE49-F238E27FC236}">
-                    <a16:creationId xmlns:a16="http://schemas.microsoft.com/office/drawing/2014/main" xmlns="" id="{33AFBAEF-7695-476D-981C-61694EFA6AE1}"/>
+                    <a16:creationId xmlns:a16="http://schemas.microsoft.com/office/drawing/2014/main" id="{33AFBAEF-7695-476D-981C-61694EFA6AE1}"/>
                   </a:ext>
                 </a:extLst>
               </p:cNvPr>
@@ -23472,7 +23482,7 @@
           <p:cNvPr id="72" name="Group 71">
             <a:extLst>
               <a:ext uri="{FF2B5EF4-FFF2-40B4-BE49-F238E27FC236}">
-                <a16:creationId xmlns:a16="http://schemas.microsoft.com/office/drawing/2014/main" xmlns="" id="{62AC035D-436E-41C1-B871-8391C604BDB0}"/>
+                <a16:creationId xmlns:a16="http://schemas.microsoft.com/office/drawing/2014/main" id="{62AC035D-436E-41C1-B871-8391C604BDB0}"/>
               </a:ext>
             </a:extLst>
           </p:cNvPr>
@@ -23481,7 +23491,7 @@
         </p:nvGrpSpPr>
         <p:grpSpPr>
           <a:xfrm>
-            <a:off x="2868200" y="14206534"/>
+            <a:off x="2865819" y="14204153"/>
             <a:ext cx="9413096" cy="4077700"/>
             <a:chOff x="2845605" y="14264034"/>
             <a:chExt cx="9411713" cy="4077251"/>
@@ -23492,7 +23502,7 @@
             <p:cNvPr id="73" name="Group 72">
               <a:extLst>
                 <a:ext uri="{FF2B5EF4-FFF2-40B4-BE49-F238E27FC236}">
-                  <a16:creationId xmlns:a16="http://schemas.microsoft.com/office/drawing/2014/main" xmlns="" id="{A69FAACF-ABA8-43EA-B200-A749581D5FFA}"/>
+                  <a16:creationId xmlns:a16="http://schemas.microsoft.com/office/drawing/2014/main" id="{A69FAACF-ABA8-43EA-B200-A749581D5FFA}"/>
                 </a:ext>
               </a:extLst>
             </p:cNvPr>
@@ -23512,7 +23522,7 @@
               <p:cNvPr id="79" name="TextBox 78">
                 <a:extLst>
                   <a:ext uri="{FF2B5EF4-FFF2-40B4-BE49-F238E27FC236}">
-                    <a16:creationId xmlns:a16="http://schemas.microsoft.com/office/drawing/2014/main" xmlns="" id="{C916F37C-FEE4-420B-AE8A-7CA4F54B8DED}"/>
+                    <a16:creationId xmlns:a16="http://schemas.microsoft.com/office/drawing/2014/main" id="{C916F37C-FEE4-420B-AE8A-7CA4F54B8DED}"/>
                   </a:ext>
                 </a:extLst>
               </p:cNvPr>
@@ -23557,7 +23567,7 @@
               <p:cNvPr id="80" name="Group 79">
                 <a:extLst>
                   <a:ext uri="{FF2B5EF4-FFF2-40B4-BE49-F238E27FC236}">
-                    <a16:creationId xmlns:a16="http://schemas.microsoft.com/office/drawing/2014/main" xmlns="" id="{8245CA0B-71BC-476F-B724-07C1A7884AB8}"/>
+                    <a16:creationId xmlns:a16="http://schemas.microsoft.com/office/drawing/2014/main" id="{8245CA0B-71BC-476F-B724-07C1A7884AB8}"/>
                   </a:ext>
                 </a:extLst>
               </p:cNvPr>
@@ -23577,7 +23587,7 @@
                 <p:cNvPr id="81" name="Picture 80">
                   <a:extLst>
                     <a:ext uri="{FF2B5EF4-FFF2-40B4-BE49-F238E27FC236}">
-                      <a16:creationId xmlns:a16="http://schemas.microsoft.com/office/drawing/2014/main" xmlns="" id="{2EF5CCF5-AAD4-4B46-ABEB-DD8C5E367C82}"/>
+                      <a16:creationId xmlns:a16="http://schemas.microsoft.com/office/drawing/2014/main" id="{2EF5CCF5-AAD4-4B46-ABEB-DD8C5E367C82}"/>
                     </a:ext>
                   </a:extLst>
                 </p:cNvPr>
@@ -23621,7 +23631,7 @@
                 <p:cNvPr id="82" name="Picture 81">
                   <a:extLst>
                     <a:ext uri="{FF2B5EF4-FFF2-40B4-BE49-F238E27FC236}">
-                      <a16:creationId xmlns:a16="http://schemas.microsoft.com/office/drawing/2014/main" xmlns="" id="{A5C44788-A675-4567-8E8D-B6D1147623DC}"/>
+                      <a16:creationId xmlns:a16="http://schemas.microsoft.com/office/drawing/2014/main" id="{A5C44788-A675-4567-8E8D-B6D1147623DC}"/>
                     </a:ext>
                   </a:extLst>
                 </p:cNvPr>
@@ -23665,7 +23675,7 @@
                 <p:cNvPr id="83" name="Picture 82">
                   <a:extLst>
                     <a:ext uri="{FF2B5EF4-FFF2-40B4-BE49-F238E27FC236}">
-                      <a16:creationId xmlns:a16="http://schemas.microsoft.com/office/drawing/2014/main" xmlns="" id="{36D592D0-3739-47AF-9271-C5BDC31C8A94}"/>
+                      <a16:creationId xmlns:a16="http://schemas.microsoft.com/office/drawing/2014/main" id="{36D592D0-3739-47AF-9271-C5BDC31C8A94}"/>
                     </a:ext>
                   </a:extLst>
                 </p:cNvPr>
@@ -23709,7 +23719,7 @@
                 <p:cNvPr id="84" name="TextBox 83">
                   <a:extLst>
                     <a:ext uri="{FF2B5EF4-FFF2-40B4-BE49-F238E27FC236}">
-                      <a16:creationId xmlns:a16="http://schemas.microsoft.com/office/drawing/2014/main" xmlns="" id="{8C9D5431-47C9-446E-8E17-F2D21D9E0F4E}"/>
+                      <a16:creationId xmlns:a16="http://schemas.microsoft.com/office/drawing/2014/main" id="{8C9D5431-47C9-446E-8E17-F2D21D9E0F4E}"/>
                     </a:ext>
                   </a:extLst>
                 </p:cNvPr>
@@ -23745,7 +23755,7 @@
                 <p:cNvPr id="85" name="TextBox 84">
                   <a:extLst>
                     <a:ext uri="{FF2B5EF4-FFF2-40B4-BE49-F238E27FC236}">
-                      <a16:creationId xmlns:a16="http://schemas.microsoft.com/office/drawing/2014/main" xmlns="" id="{C08A810E-0F9F-4B99-916F-CEC853B93B2E}"/>
+                      <a16:creationId xmlns:a16="http://schemas.microsoft.com/office/drawing/2014/main" id="{C08A810E-0F9F-4B99-916F-CEC853B93B2E}"/>
                     </a:ext>
                   </a:extLst>
                 </p:cNvPr>
@@ -23783,7 +23793,7 @@
             <p:cNvPr id="74" name="TextBox 73">
               <a:extLst>
                 <a:ext uri="{FF2B5EF4-FFF2-40B4-BE49-F238E27FC236}">
-                  <a16:creationId xmlns:a16="http://schemas.microsoft.com/office/drawing/2014/main" xmlns="" id="{8783E3E6-8DA0-4B43-8796-87BCCF6FDC3C}"/>
+                  <a16:creationId xmlns:a16="http://schemas.microsoft.com/office/drawing/2014/main" id="{8783E3E6-8DA0-4B43-8796-87BCCF6FDC3C}"/>
                 </a:ext>
               </a:extLst>
             </p:cNvPr>
@@ -23823,7 +23833,7 @@
             <p:cNvPr id="75" name="TextBox 74">
               <a:extLst>
                 <a:ext uri="{FF2B5EF4-FFF2-40B4-BE49-F238E27FC236}">
-                  <a16:creationId xmlns:a16="http://schemas.microsoft.com/office/drawing/2014/main" xmlns="" id="{E6E73A88-46EA-4CE7-9A89-D02616A68D39}"/>
+                  <a16:creationId xmlns:a16="http://schemas.microsoft.com/office/drawing/2014/main" id="{E6E73A88-46EA-4CE7-9A89-D02616A68D39}"/>
                 </a:ext>
               </a:extLst>
             </p:cNvPr>
@@ -23863,7 +23873,7 @@
             <p:cNvPr id="76" name="TextBox 75">
               <a:extLst>
                 <a:ext uri="{FF2B5EF4-FFF2-40B4-BE49-F238E27FC236}">
-                  <a16:creationId xmlns:a16="http://schemas.microsoft.com/office/drawing/2014/main" xmlns="" id="{E94ECADF-7BEE-4462-9B64-71E30E31F5F8}"/>
+                  <a16:creationId xmlns:a16="http://schemas.microsoft.com/office/drawing/2014/main" id="{E94ECADF-7BEE-4462-9B64-71E30E31F5F8}"/>
                 </a:ext>
               </a:extLst>
             </p:cNvPr>
@@ -23903,7 +23913,7 @@
             <p:cNvPr id="77" name="TextBox 76">
               <a:extLst>
                 <a:ext uri="{FF2B5EF4-FFF2-40B4-BE49-F238E27FC236}">
-                  <a16:creationId xmlns:a16="http://schemas.microsoft.com/office/drawing/2014/main" xmlns="" id="{1BEBFB0E-1131-4431-A1CB-0C5AB8076F74}"/>
+                  <a16:creationId xmlns:a16="http://schemas.microsoft.com/office/drawing/2014/main" id="{1BEBFB0E-1131-4431-A1CB-0C5AB8076F74}"/>
                 </a:ext>
               </a:extLst>
             </p:cNvPr>
@@ -23943,7 +23953,7 @@
             <p:cNvPr id="78" name="TextBox 77">
               <a:extLst>
                 <a:ext uri="{FF2B5EF4-FFF2-40B4-BE49-F238E27FC236}">
-                  <a16:creationId xmlns:a16="http://schemas.microsoft.com/office/drawing/2014/main" xmlns="" id="{0247A0ED-9373-4A7C-B2A7-CF82E9F82D9D}"/>
+                  <a16:creationId xmlns:a16="http://schemas.microsoft.com/office/drawing/2014/main" id="{0247A0ED-9373-4A7C-B2A7-CF82E9F82D9D}"/>
                 </a:ext>
               </a:extLst>
             </p:cNvPr>
@@ -23984,7 +23994,7 @@
           <p:cNvPr id="86" name="Group 85">
             <a:extLst>
               <a:ext uri="{FF2B5EF4-FFF2-40B4-BE49-F238E27FC236}">
-                <a16:creationId xmlns:a16="http://schemas.microsoft.com/office/drawing/2014/main" xmlns="" id="{77345A03-AF8A-4091-BFC4-B48BFBAC4FC3}"/>
+                <a16:creationId xmlns:a16="http://schemas.microsoft.com/office/drawing/2014/main" id="{77345A03-AF8A-4091-BFC4-B48BFBAC4FC3}"/>
               </a:ext>
             </a:extLst>
           </p:cNvPr>
@@ -23993,7 +24003,7 @@
         </p:nvGrpSpPr>
         <p:grpSpPr>
           <a:xfrm>
-            <a:off x="679369" y="24978991"/>
+            <a:off x="676988" y="24976611"/>
             <a:ext cx="13572366" cy="4616183"/>
             <a:chOff x="450669" y="24785738"/>
             <a:chExt cx="13570371" cy="4615674"/>
@@ -24004,7 +24014,7 @@
             <p:cNvPr id="87" name="Group 86">
               <a:extLst>
                 <a:ext uri="{FF2B5EF4-FFF2-40B4-BE49-F238E27FC236}">
-                  <a16:creationId xmlns:a16="http://schemas.microsoft.com/office/drawing/2014/main" xmlns="" id="{96BB160D-7952-462E-8AB7-F23EFCD94AB7}"/>
+                  <a16:creationId xmlns:a16="http://schemas.microsoft.com/office/drawing/2014/main" id="{96BB160D-7952-462E-8AB7-F23EFCD94AB7}"/>
                 </a:ext>
               </a:extLst>
             </p:cNvPr>
@@ -24024,7 +24034,7 @@
               <p:cNvPr id="91" name="Group 90">
                 <a:extLst>
                   <a:ext uri="{FF2B5EF4-FFF2-40B4-BE49-F238E27FC236}">
-                    <a16:creationId xmlns:a16="http://schemas.microsoft.com/office/drawing/2014/main" xmlns="" id="{D877ED0F-2157-4E59-BE17-9E02CDA5B4FB}"/>
+                    <a16:creationId xmlns:a16="http://schemas.microsoft.com/office/drawing/2014/main" id="{D877ED0F-2157-4E59-BE17-9E02CDA5B4FB}"/>
                   </a:ext>
                 </a:extLst>
               </p:cNvPr>
@@ -24044,7 +24054,7 @@
                 <p:cNvPr id="93" name="TextBox 92">
                   <a:extLst>
                     <a:ext uri="{FF2B5EF4-FFF2-40B4-BE49-F238E27FC236}">
-                      <a16:creationId xmlns:a16="http://schemas.microsoft.com/office/drawing/2014/main" xmlns="" id="{E0F126E1-DD37-4C09-9297-4337CA2A2036}"/>
+                      <a16:creationId xmlns:a16="http://schemas.microsoft.com/office/drawing/2014/main" id="{E0F126E1-DD37-4C09-9297-4337CA2A2036}"/>
                     </a:ext>
                   </a:extLst>
                 </p:cNvPr>
@@ -24089,7 +24099,7 @@
                 <p:cNvPr id="94" name="Group 93">
                   <a:extLst>
                     <a:ext uri="{FF2B5EF4-FFF2-40B4-BE49-F238E27FC236}">
-                      <a16:creationId xmlns:a16="http://schemas.microsoft.com/office/drawing/2014/main" xmlns="" id="{B3828EFC-7000-46BF-BD2A-1FC171B21C1C}"/>
+                      <a16:creationId xmlns:a16="http://schemas.microsoft.com/office/drawing/2014/main" id="{B3828EFC-7000-46BF-BD2A-1FC171B21C1C}"/>
                     </a:ext>
                   </a:extLst>
                 </p:cNvPr>
@@ -24109,7 +24119,7 @@
                   <p:cNvPr id="95" name="Group 94">
                     <a:extLst>
                       <a:ext uri="{FF2B5EF4-FFF2-40B4-BE49-F238E27FC236}">
-                        <a16:creationId xmlns:a16="http://schemas.microsoft.com/office/drawing/2014/main" xmlns="" id="{A59C9991-9736-408F-A168-BFB599E667AC}"/>
+                        <a16:creationId xmlns:a16="http://schemas.microsoft.com/office/drawing/2014/main" id="{A59C9991-9736-408F-A168-BFB599E667AC}"/>
                       </a:ext>
                     </a:extLst>
                   </p:cNvPr>
@@ -24129,7 +24139,7 @@
                     <p:cNvPr id="97" name="Group 96">
                       <a:extLst>
                         <a:ext uri="{FF2B5EF4-FFF2-40B4-BE49-F238E27FC236}">
-                          <a16:creationId xmlns:a16="http://schemas.microsoft.com/office/drawing/2014/main" xmlns="" id="{DC5EF675-B421-4463-9738-25F436D61089}"/>
+                          <a16:creationId xmlns:a16="http://schemas.microsoft.com/office/drawing/2014/main" id="{DC5EF675-B421-4463-9738-25F436D61089}"/>
                         </a:ext>
                       </a:extLst>
                     </p:cNvPr>
@@ -24149,7 +24159,7 @@
                       <p:cNvPr id="101" name="Picture 100" descr="A close up of a device&#10;&#10;Description automatically generated">
                         <a:extLst>
                           <a:ext uri="{FF2B5EF4-FFF2-40B4-BE49-F238E27FC236}">
-                            <a16:creationId xmlns:a16="http://schemas.microsoft.com/office/drawing/2014/main" xmlns="" id="{3B7195B5-32C1-4328-86E8-011BFABB93A6}"/>
+                            <a16:creationId xmlns:a16="http://schemas.microsoft.com/office/drawing/2014/main" id="{3B7195B5-32C1-4328-86E8-011BFABB93A6}"/>
                           </a:ext>
                         </a:extLst>
                       </p:cNvPr>
@@ -24185,7 +24195,7 @@
                       <p:cNvPr id="102" name="Picture 101">
                         <a:extLst>
                           <a:ext uri="{FF2B5EF4-FFF2-40B4-BE49-F238E27FC236}">
-                            <a16:creationId xmlns:a16="http://schemas.microsoft.com/office/drawing/2014/main" xmlns="" id="{7E459366-728A-45AF-B85E-046A28505D58}"/>
+                            <a16:creationId xmlns:a16="http://schemas.microsoft.com/office/drawing/2014/main" id="{7E459366-728A-45AF-B85E-046A28505D58}"/>
                           </a:ext>
                         </a:extLst>
                       </p:cNvPr>
@@ -24222,7 +24232,7 @@
                     <p:cNvPr id="98" name="Picture 97" descr="A close up of a device&#10;&#10;Description automatically generated">
                       <a:extLst>
                         <a:ext uri="{FF2B5EF4-FFF2-40B4-BE49-F238E27FC236}">
-                          <a16:creationId xmlns:a16="http://schemas.microsoft.com/office/drawing/2014/main" xmlns="" id="{E24AD8BE-4DE1-4538-9331-4E3990B50345}"/>
+                          <a16:creationId xmlns:a16="http://schemas.microsoft.com/office/drawing/2014/main" id="{E24AD8BE-4DE1-4538-9331-4E3990B50345}"/>
                         </a:ext>
                       </a:extLst>
                     </p:cNvPr>
@@ -24257,7 +24267,7 @@
                     <p:cNvPr id="99" name="Picture 98" descr="A picture containing crossword puzzle, text, black, floor&#10;&#10;Description automatically generated">
                       <a:extLst>
                         <a:ext uri="{FF2B5EF4-FFF2-40B4-BE49-F238E27FC236}">
-                          <a16:creationId xmlns:a16="http://schemas.microsoft.com/office/drawing/2014/main" xmlns="" id="{C80C5476-8CCA-486C-90D3-FA0B1C5D7683}"/>
+                          <a16:creationId xmlns:a16="http://schemas.microsoft.com/office/drawing/2014/main" id="{C80C5476-8CCA-486C-90D3-FA0B1C5D7683}"/>
                         </a:ext>
                       </a:extLst>
                     </p:cNvPr>
@@ -24293,7 +24303,7 @@
                     <p:cNvPr id="100" name="Picture 99">
                       <a:extLst>
                         <a:ext uri="{FF2B5EF4-FFF2-40B4-BE49-F238E27FC236}">
-                          <a16:creationId xmlns:a16="http://schemas.microsoft.com/office/drawing/2014/main" xmlns="" id="{7B2482F8-8B5C-4925-B39C-C0974E45A424}"/>
+                          <a16:creationId xmlns:a16="http://schemas.microsoft.com/office/drawing/2014/main" id="{7B2482F8-8B5C-4925-B39C-C0974E45A424}"/>
                         </a:ext>
                       </a:extLst>
                     </p:cNvPr>
@@ -24330,7 +24340,7 @@
                   <p:cNvPr id="96" name="Rectangle: Rounded Corners 97">
                     <a:extLst>
                       <a:ext uri="{FF2B5EF4-FFF2-40B4-BE49-F238E27FC236}">
-                        <a16:creationId xmlns:a16="http://schemas.microsoft.com/office/drawing/2014/main" xmlns="" id="{7082610D-6AD0-4B72-8799-8EF096B5C63B}"/>
+                        <a16:creationId xmlns:a16="http://schemas.microsoft.com/office/drawing/2014/main" id="{7082610D-6AD0-4B72-8799-8EF096B5C63B}"/>
                       </a:ext>
                     </a:extLst>
                   </p:cNvPr>
@@ -24384,7 +24394,7 @@
               <p:cNvPr id="92" name="Speech Bubble: Oval 187">
                 <a:extLst>
                   <a:ext uri="{FF2B5EF4-FFF2-40B4-BE49-F238E27FC236}">
-                    <a16:creationId xmlns:a16="http://schemas.microsoft.com/office/drawing/2014/main" xmlns="" id="{078F6DC7-CB18-4D83-B6C3-E52851F35E01}"/>
+                    <a16:creationId xmlns:a16="http://schemas.microsoft.com/office/drawing/2014/main" id="{078F6DC7-CB18-4D83-B6C3-E52851F35E01}"/>
                   </a:ext>
                 </a:extLst>
               </p:cNvPr>
@@ -24447,7 +24457,7 @@
             <p:cNvPr id="88" name="Straight Arrow Connector 87">
               <a:extLst>
                 <a:ext uri="{FF2B5EF4-FFF2-40B4-BE49-F238E27FC236}">
-                  <a16:creationId xmlns:a16="http://schemas.microsoft.com/office/drawing/2014/main" xmlns="" id="{1338B41E-BE41-4E7F-AB5D-DBDF1AC91A9C}"/>
+                  <a16:creationId xmlns:a16="http://schemas.microsoft.com/office/drawing/2014/main" id="{1338B41E-BE41-4E7F-AB5D-DBDF1AC91A9C}"/>
                 </a:ext>
               </a:extLst>
             </p:cNvPr>
@@ -24489,7 +24499,7 @@
             <p:cNvPr id="89" name="Straight Arrow Connector 88">
               <a:extLst>
                 <a:ext uri="{FF2B5EF4-FFF2-40B4-BE49-F238E27FC236}">
-                  <a16:creationId xmlns:a16="http://schemas.microsoft.com/office/drawing/2014/main" xmlns="" id="{138E9ACB-E391-4CA5-9E66-988BB55833A3}"/>
+                  <a16:creationId xmlns:a16="http://schemas.microsoft.com/office/drawing/2014/main" id="{138E9ACB-E391-4CA5-9E66-988BB55833A3}"/>
                 </a:ext>
               </a:extLst>
             </p:cNvPr>
@@ -24531,7 +24541,7 @@
             <p:cNvPr id="90" name="Straight Arrow Connector 89">
               <a:extLst>
                 <a:ext uri="{FF2B5EF4-FFF2-40B4-BE49-F238E27FC236}">
-                  <a16:creationId xmlns:a16="http://schemas.microsoft.com/office/drawing/2014/main" xmlns="" id="{2C7BE932-3BC3-4A8A-9590-5CF30E25BF8F}"/>
+                  <a16:creationId xmlns:a16="http://schemas.microsoft.com/office/drawing/2014/main" id="{2C7BE932-3BC3-4A8A-9590-5CF30E25BF8F}"/>
                 </a:ext>
               </a:extLst>
             </p:cNvPr>
@@ -24571,12 +24581,12 @@
       </p:grpSp>
       <p:sp>
         <p:nvSpPr>
-          <p:cNvPr id="103" name="Footer Placeholder 102" hidden="1"/>
+          <p:cNvPr id="104" name="Date Placeholder 103" hidden="1"/>
           <p:cNvSpPr>
             <a:spLocks noGrp="1"/>
           </p:cNvSpPr>
           <p:nvPr>
-            <p:ph type="ftr" sz="quarter" idx="11"/>
+            <p:ph type="dt" sz="half" idx="10"/>
           </p:nvPr>
         </p:nvSpPr>
         <p:spPr/>
@@ -24590,12 +24600,12 @@
       </p:sp>
       <p:sp>
         <p:nvSpPr>
-          <p:cNvPr id="104" name="Date Placeholder 103" hidden="1"/>
+          <p:cNvPr id="103" name="Footer Placeholder 102" hidden="1"/>
           <p:cNvSpPr>
             <a:spLocks noGrp="1"/>
           </p:cNvSpPr>
           <p:nvPr>
-            <p:ph type="dt" sz="half" idx="10"/>
+            <p:ph type="ftr" sz="quarter" idx="11"/>
           </p:nvPr>
         </p:nvSpPr>
         <p:spPr/>
@@ -24628,7 +24638,7 @@
         </p:blipFill>
         <p:spPr bwMode="auto">
           <a:xfrm>
-            <a:off x="2412587" y="1882934"/>
+            <a:off x="2410207" y="1880553"/>
             <a:ext cx="7332277" cy="3600000"/>
           </a:xfrm>
           <a:prstGeom prst="rect">
@@ -24701,7 +24711,7 @@
     </a:clrScheme>
     <a:fontScheme name="Office Theme">
       <a:majorFont>
-        <a:latin typeface="Calibri Light"/>
+        <a:latin typeface="Calibri Light" panose="020F0302020204030204"/>
         <a:ea typeface=""/>
         <a:cs typeface=""/>
         <a:font script="Jpan" typeface="游ゴシック Light"/>
@@ -24736,7 +24746,7 @@
         <a:font script="Geor" typeface="Sylfaen"/>
       </a:majorFont>
       <a:minorFont>
-        <a:latin typeface="Calibri"/>
+        <a:latin typeface="Calibri" panose="020F0502020204030204"/>
         <a:ea typeface=""/>
         <a:cs typeface=""/>
         <a:font script="Jpan" typeface="游ゴシック"/>
@@ -24913,7 +24923,7 @@
   <a:extraClrSchemeLst/>
   <a:extLst>
     <a:ext uri="{05A4C25C-085E-4340-85A3-A5531E510DB2}">
-      <thm15:themeFamily xmlns:thm15="http://schemas.microsoft.com/office/thememl/2012/main" xmlns="" name="Office Theme" id="{62F939B6-93AF-4DB8-9C6B-D6C7DFDC589F}" vid="{4A3C46E8-61CC-4603-A589-7422A47A8E4A}"/>
+      <thm15:themeFamily xmlns:thm15="http://schemas.microsoft.com/office/thememl/2012/main" name="Office Theme" id="{62F939B6-93AF-4DB8-9C6B-D6C7DFDC589F}" vid="{4A3C46E8-61CC-4603-A589-7422A47A8E4A}"/>
     </a:ext>
   </a:extLst>
 </a:theme>
